--- a/2021_01_26/세미나3.pptx
+++ b/2021_01_26/세미나3.pptx
@@ -5,24 +5,29 @@
     <p:sldMasterId id="2147483648" r:id="rId1"/>
   </p:sldMasterIdLst>
   <p:notesMasterIdLst>
-    <p:notesMasterId r:id="rId9"/>
+    <p:notesMasterId r:id="rId14"/>
   </p:notesMasterIdLst>
   <p:sldIdLst>
     <p:sldId id="271" r:id="rId2"/>
     <p:sldId id="270" r:id="rId3"/>
     <p:sldId id="269" r:id="rId4"/>
-    <p:sldId id="287" r:id="rId5"/>
-    <p:sldId id="288" r:id="rId6"/>
-    <p:sldId id="286" r:id="rId7"/>
-    <p:sldId id="280" r:id="rId8"/>
+    <p:sldId id="289" r:id="rId5"/>
+    <p:sldId id="287" r:id="rId6"/>
+    <p:sldId id="288" r:id="rId7"/>
+    <p:sldId id="290" r:id="rId8"/>
+    <p:sldId id="291" r:id="rId9"/>
+    <p:sldId id="292" r:id="rId10"/>
+    <p:sldId id="293" r:id="rId11"/>
+    <p:sldId id="286" r:id="rId12"/>
+    <p:sldId id="280" r:id="rId13"/>
   </p:sldIdLst>
   <p:sldSz cx="12192000" cy="6858000"/>
   <p:notesSz cx="6858000" cy="9144000"/>
   <p:embeddedFontLst>
     <p:embeddedFont>
       <p:font typeface="맑은 고딕" panose="020B0503020000020004" pitchFamily="50" charset="-127"/>
-      <p:regular r:id="rId10"/>
-      <p:bold r:id="rId11"/>
+      <p:regular r:id="rId15"/>
+      <p:bold r:id="rId16"/>
     </p:embeddedFont>
   </p:embeddedFontLst>
   <p:defaultTextStyle>
@@ -613,7 +618,7 @@
             </a:r>
             <a:r>
               <a:rPr lang="ko-KR" altLang="en-US"/>
-              <a:t>자주 사용되는지 공부해 보았습니다</a:t>
+              <a:t>자주 사용되는지 그리고 웹 구현에 있어서도 어떤 디자인 패턴이 자주 사용되는지를 공부해 보았습니다</a:t>
             </a:r>
             <a:r>
               <a:rPr lang="en-US" altLang="ko-KR"/>
@@ -649,6 +654,218 @@
     <p:extLst>
       <p:ext uri="{BB962C8B-B14F-4D97-AF65-F5344CB8AC3E}">
         <p14:creationId xmlns:p14="http://schemas.microsoft.com/office/powerpoint/2010/main" val="3559403336"/>
+      </p:ext>
+    </p:extLst>
+  </p:cSld>
+  <p:clrMapOvr>
+    <a:masterClrMapping/>
+  </p:clrMapOvr>
+</p:notes>
+</file>
+
+<file path=ppt/notesSlides/notesSlide10.xml><?xml version="1.0" encoding="utf-8"?>
+<p:notes xmlns:a="http://schemas.openxmlformats.org/drawingml/2006/main" xmlns:r="http://schemas.openxmlformats.org/officeDocument/2006/relationships" xmlns:p="http://schemas.openxmlformats.org/presentationml/2006/main">
+  <p:cSld>
+    <p:spTree>
+      <p:nvGrpSpPr>
+        <p:cNvPr id="1" name=""/>
+        <p:cNvGrpSpPr/>
+        <p:nvPr/>
+      </p:nvGrpSpPr>
+      <p:grpSpPr>
+        <a:xfrm>
+          <a:off x="0" y="0"/>
+          <a:ext cx="0" cy="0"/>
+          <a:chOff x="0" y="0"/>
+          <a:chExt cx="0" cy="0"/>
+        </a:xfrm>
+      </p:grpSpPr>
+      <p:sp>
+        <p:nvSpPr>
+          <p:cNvPr id="2" name="슬라이드 이미지 개체 틀 1"/>
+          <p:cNvSpPr>
+            <a:spLocks noGrp="1" noRot="1" noChangeAspect="1"/>
+          </p:cNvSpPr>
+          <p:nvPr>
+            <p:ph type="sldImg"/>
+          </p:nvPr>
+        </p:nvSpPr>
+        <p:spPr/>
+      </p:sp>
+      <p:sp>
+        <p:nvSpPr>
+          <p:cNvPr id="3" name="슬라이드 노트 개체 틀 2"/>
+          <p:cNvSpPr>
+            <a:spLocks noGrp="1"/>
+          </p:cNvSpPr>
+          <p:nvPr>
+            <p:ph type="body" idx="1"/>
+          </p:nvPr>
+        </p:nvSpPr>
+        <p:spPr/>
+        <p:txBody>
+          <a:bodyPr/>
+          <a:lstStyle/>
+          <a:p>
+            <a:r>
+              <a:rPr lang="ko-KR" altLang="en-US"/>
+              <a:t>이에 </a:t>
+            </a:r>
+            <a:r>
+              <a:rPr lang="en-US" altLang="ko-KR"/>
+              <a:t>MVC </a:t>
+            </a:r>
+            <a:r>
+              <a:rPr lang="ko-KR" altLang="en-US"/>
+              <a:t>패턴에서 파생된 패턴으로 </a:t>
+            </a:r>
+            <a:r>
+              <a:rPr lang="en-US" altLang="ko-KR"/>
+              <a:t>MVP </a:t>
+            </a:r>
+            <a:r>
+              <a:rPr lang="ko-KR" altLang="en-US"/>
+              <a:t>패턴이 존재합니다</a:t>
+            </a:r>
+            <a:r>
+              <a:rPr lang="en-US" altLang="ko-KR"/>
+              <a:t>.</a:t>
+            </a:r>
+          </a:p>
+          <a:p>
+            <a:endParaRPr lang="en-US" altLang="ko-KR"/>
+          </a:p>
+          <a:p>
+            <a:r>
+              <a:rPr lang="ko-KR" altLang="en-US"/>
+              <a:t>다른건 다 같고 </a:t>
+            </a:r>
+            <a:r>
+              <a:rPr lang="en-US" altLang="ko-KR"/>
+              <a:t>Controller </a:t>
+            </a:r>
+            <a:r>
+              <a:rPr lang="ko-KR" altLang="en-US"/>
+              <a:t>대신 </a:t>
+            </a:r>
+            <a:r>
+              <a:rPr lang="en-US" altLang="ko-KR"/>
+              <a:t>Presenter</a:t>
+            </a:r>
+          </a:p>
+        </p:txBody>
+      </p:sp>
+      <p:sp>
+        <p:nvSpPr>
+          <p:cNvPr id="4" name="슬라이드 번호 개체 틀 3"/>
+          <p:cNvSpPr>
+            <a:spLocks noGrp="1"/>
+          </p:cNvSpPr>
+          <p:nvPr>
+            <p:ph type="sldNum" sz="quarter" idx="5"/>
+          </p:nvPr>
+        </p:nvSpPr>
+        <p:spPr/>
+        <p:txBody>
+          <a:bodyPr/>
+          <a:lstStyle/>
+          <a:p>
+            <a:fld id="{D77D3CDB-C11F-4B3C-8011-4CB70A9F6877}" type="slidenum">
+              <a:rPr lang="ko-KR" altLang="en-US" smtClean="0"/>
+              <a:t>10</a:t>
+            </a:fld>
+            <a:endParaRPr lang="ko-KR" altLang="en-US"/>
+          </a:p>
+        </p:txBody>
+      </p:sp>
+    </p:spTree>
+    <p:extLst>
+      <p:ext uri="{BB962C8B-B14F-4D97-AF65-F5344CB8AC3E}">
+        <p14:creationId xmlns:p14="http://schemas.microsoft.com/office/powerpoint/2010/main" val="3174293536"/>
+      </p:ext>
+    </p:extLst>
+  </p:cSld>
+  <p:clrMapOvr>
+    <a:masterClrMapping/>
+  </p:clrMapOvr>
+</p:notes>
+</file>
+
+<file path=ppt/notesSlides/notesSlide11.xml><?xml version="1.0" encoding="utf-8"?>
+<p:notes xmlns:a="http://schemas.openxmlformats.org/drawingml/2006/main" xmlns:r="http://schemas.openxmlformats.org/officeDocument/2006/relationships" xmlns:p="http://schemas.openxmlformats.org/presentationml/2006/main">
+  <p:cSld>
+    <p:spTree>
+      <p:nvGrpSpPr>
+        <p:cNvPr id="1" name=""/>
+        <p:cNvGrpSpPr/>
+        <p:nvPr/>
+      </p:nvGrpSpPr>
+      <p:grpSpPr>
+        <a:xfrm>
+          <a:off x="0" y="0"/>
+          <a:ext cx="0" cy="0"/>
+          <a:chOff x="0" y="0"/>
+          <a:chExt cx="0" cy="0"/>
+        </a:xfrm>
+      </p:grpSpPr>
+      <p:sp>
+        <p:nvSpPr>
+          <p:cNvPr id="2" name="슬라이드 이미지 개체 틀 1"/>
+          <p:cNvSpPr>
+            <a:spLocks noGrp="1" noRot="1" noChangeAspect="1"/>
+          </p:cNvSpPr>
+          <p:nvPr>
+            <p:ph type="sldImg"/>
+          </p:nvPr>
+        </p:nvSpPr>
+        <p:spPr/>
+      </p:sp>
+      <p:sp>
+        <p:nvSpPr>
+          <p:cNvPr id="3" name="슬라이드 노트 개체 틀 2"/>
+          <p:cNvSpPr>
+            <a:spLocks noGrp="1"/>
+          </p:cNvSpPr>
+          <p:nvPr>
+            <p:ph type="body" idx="1"/>
+          </p:nvPr>
+        </p:nvSpPr>
+        <p:spPr/>
+        <p:txBody>
+          <a:bodyPr/>
+          <a:lstStyle/>
+          <a:p>
+            <a:endParaRPr lang="ko-KR" altLang="en-US" dirty="0"/>
+          </a:p>
+        </p:txBody>
+      </p:sp>
+      <p:sp>
+        <p:nvSpPr>
+          <p:cNvPr id="4" name="슬라이드 번호 개체 틀 3"/>
+          <p:cNvSpPr>
+            <a:spLocks noGrp="1"/>
+          </p:cNvSpPr>
+          <p:nvPr>
+            <p:ph type="sldNum" sz="quarter" idx="5"/>
+          </p:nvPr>
+        </p:nvSpPr>
+        <p:spPr/>
+        <p:txBody>
+          <a:bodyPr/>
+          <a:lstStyle/>
+          <a:p>
+            <a:fld id="{D77D3CDB-C11F-4B3C-8011-4CB70A9F6877}" type="slidenum">
+              <a:rPr lang="ko-KR" altLang="en-US" smtClean="0"/>
+              <a:t>11</a:t>
+            </a:fld>
+            <a:endParaRPr lang="ko-KR" altLang="en-US"/>
+          </a:p>
+        </p:txBody>
+      </p:sp>
+    </p:spTree>
+    <p:extLst>
+      <p:ext uri="{BB962C8B-B14F-4D97-AF65-F5344CB8AC3E}">
+        <p14:creationId xmlns:p14="http://schemas.microsoft.com/office/powerpoint/2010/main" val="167855094"/>
       </p:ext>
     </p:extLst>
   </p:cSld>
@@ -896,90 +1113,6 @@
               </a:solidFill>
             </a:endParaRPr>
           </a:p>
-          <a:p>
-            <a:r>
-              <a:rPr lang="ko-KR" altLang="en-US">
-                <a:solidFill>
-                  <a:srgbClr val="FF0000"/>
-                </a:solidFill>
-              </a:rPr>
-              <a:t>개발자들이 소프트웨어를 구현하거나 설계하다보면 당연히 여러 문제들이 닥칠 수 있습니다</a:t>
-            </a:r>
-            <a:r>
-              <a:rPr lang="en-US" altLang="ko-KR"/>
-              <a:t>.</a:t>
-            </a:r>
-          </a:p>
-          <a:p>
-            <a:endParaRPr lang="en-US" altLang="ko-KR"/>
-          </a:p>
-          <a:p>
-            <a:r>
-              <a:rPr lang="ko-KR" altLang="en-US"/>
-              <a:t>그중에는 어떻게 보면 대다수의 유사하고 공통적일 수 있습니다</a:t>
-            </a:r>
-            <a:r>
-              <a:rPr lang="en-US" altLang="ko-KR"/>
-              <a:t>.</a:t>
-            </a:r>
-            <a:r>
-              <a:rPr lang="ko-KR" altLang="en-US"/>
-              <a:t> </a:t>
-            </a:r>
-            <a:endParaRPr lang="en-US" altLang="ko-KR"/>
-          </a:p>
-          <a:p>
-            <a:endParaRPr lang="en-US" altLang="ko-KR"/>
-          </a:p>
-          <a:p>
-            <a:r>
-              <a:rPr lang="ko-KR" altLang="en-US"/>
-              <a:t>이러한 공통된 문제들을 해결할 수 있는 훌륭한 해결책을 패턴이라고 합니다</a:t>
-            </a:r>
-            <a:r>
-              <a:rPr lang="en-US" altLang="ko-KR"/>
-              <a:t>.</a:t>
-            </a:r>
-          </a:p>
-          <a:p>
-            <a:endParaRPr lang="en-US" altLang="ko-KR"/>
-          </a:p>
-          <a:p>
-            <a:r>
-              <a:rPr lang="ko-KR" altLang="en-US"/>
-              <a:t>즉 </a:t>
-            </a:r>
-            <a:r>
-              <a:rPr lang="en-US" altLang="ko-KR"/>
-              <a:t>“</a:t>
-            </a:r>
-            <a:r>
-              <a:rPr lang="ko-KR" altLang="en-US"/>
-              <a:t>바퀴를 다시 발명하지 마라</a:t>
-            </a:r>
-            <a:r>
-              <a:rPr lang="en-US" altLang="ko-KR"/>
-              <a:t>”</a:t>
-            </a:r>
-            <a:r>
-              <a:rPr lang="ko-KR" altLang="en-US"/>
-              <a:t>는 이 말은 이미 훌륭한 해결책인 패턴이 있으니</a:t>
-            </a:r>
-            <a:endParaRPr lang="en-US" altLang="ko-KR"/>
-          </a:p>
-          <a:p>
-            <a:endParaRPr lang="en-US" altLang="ko-KR"/>
-          </a:p>
-          <a:p>
-            <a:r>
-              <a:rPr lang="ko-KR" altLang="en-US"/>
-              <a:t>설계하거나 구현할 때 막히면 참고를 하고 이를 활용해라 라는 것으로 보입니다</a:t>
-            </a:r>
-            <a:r>
-              <a:rPr lang="en-US" altLang="ko-KR"/>
-              <a:t>.</a:t>
-            </a:r>
-          </a:p>
         </p:txBody>
       </p:sp>
       <p:sp>
@@ -1063,32 +1196,12 @@
           <a:lstStyle/>
           <a:p>
             <a:r>
-              <a:rPr lang="ko-KR" altLang="en-US"/>
-              <a:t>이러한 훌륭한 패턴들을 에릭 감마</a:t>
-            </a:r>
-            <a:r>
-              <a:rPr lang="en-US" altLang="ko-KR"/>
-              <a:t>, </a:t>
-            </a:r>
-            <a:r>
-              <a:rPr lang="ko-KR" altLang="en-US"/>
-              <a:t>랄프 존슨</a:t>
-            </a:r>
-            <a:r>
-              <a:rPr lang="en-US" altLang="ko-KR"/>
-              <a:t>, </a:t>
-            </a:r>
-            <a:r>
-              <a:rPr lang="ko-KR" altLang="en-US"/>
-              <a:t>존 블리시데스</a:t>
-            </a:r>
-            <a:r>
-              <a:rPr lang="en-US" altLang="ko-KR"/>
-              <a:t>, </a:t>
-            </a:r>
-            <a:r>
-              <a:rPr lang="ko-KR" altLang="en-US"/>
-              <a:t>리차드 헬름라는 네 명의 위대한 개발자들이 체계화하여 정리한 것을 디자인 패턴이라고 합니다</a:t>
+              <a:rPr lang="ko-KR" altLang="en-US">
+                <a:solidFill>
+                  <a:srgbClr val="FF0000"/>
+                </a:solidFill>
+              </a:rPr>
+              <a:t>개발자들이 소프트웨어를 구현하거나 설계하다보면 당연히 여러 문제들이 닥칠 수 있습니다</a:t>
             </a:r>
             <a:r>
               <a:rPr lang="en-US" altLang="ko-KR"/>
@@ -1101,23 +1214,25 @@
           <a:p>
             <a:r>
               <a:rPr lang="ko-KR" altLang="en-US"/>
-              <a:t>이 디자인 패턴은</a:t>
-            </a:r>
-            <a:r>
-              <a:rPr lang="en-US" altLang="ko-KR"/>
+              <a:t>그중에는 어떻게 보면 대다수의 유사하고 공통적일 수 있습니다</a:t>
+            </a:r>
+            <a:r>
+              <a:rPr lang="en-US" altLang="ko-KR"/>
+              <a:t>.</a:t>
+            </a:r>
+            <a:r>
+              <a:rPr lang="ko-KR" altLang="en-US"/>
               <a:t> </a:t>
             </a:r>
-            <a:r>
-              <a:rPr lang="ko-KR" altLang="en-US"/>
-              <a:t>개발자들 끼리 협업을 잘할 수 있도록 해주는 의사소통의 수단이 될 수 있고</a:t>
-            </a:r>
-            <a:r>
-              <a:rPr lang="en-US" altLang="ko-KR"/>
-              <a:t>, </a:t>
-            </a:r>
-            <a:r>
-              <a:rPr lang="ko-KR" altLang="en-US"/>
-              <a:t>재사용을 통해 개발 시간을 단축시켜주는 유용한 도구가 될 수 있습니다</a:t>
+            <a:endParaRPr lang="en-US" altLang="ko-KR"/>
+          </a:p>
+          <a:p>
+            <a:endParaRPr lang="en-US" altLang="ko-KR"/>
+          </a:p>
+          <a:p>
+            <a:r>
+              <a:rPr lang="ko-KR" altLang="en-US"/>
+              <a:t>이러한 공통된 문제들을 해결할 수 있는 훌륭한 해결책을 패턴이라고 합니다</a:t>
             </a:r>
             <a:r>
               <a:rPr lang="en-US" altLang="ko-KR"/>
@@ -1130,7 +1245,31 @@
           <a:p>
             <a:r>
               <a:rPr lang="ko-KR" altLang="en-US"/>
-              <a:t>또한 개발자들의 올바른 설계를 빨리 만들 수 있도록 도와주는 해결책이라고 보시면 됩니다</a:t>
+              <a:t>즉 </a:t>
+            </a:r>
+            <a:r>
+              <a:rPr lang="en-US" altLang="ko-KR"/>
+              <a:t>“</a:t>
+            </a:r>
+            <a:r>
+              <a:rPr lang="ko-KR" altLang="en-US"/>
+              <a:t>바퀴를 다시 발명하지 마라</a:t>
+            </a:r>
+            <a:r>
+              <a:rPr lang="en-US" altLang="ko-KR"/>
+              <a:t>”</a:t>
+            </a:r>
+            <a:r>
+              <a:rPr lang="ko-KR" altLang="en-US"/>
+              <a:t>는 이 말은 이미 훌륭한 해결책인 패턴이 있으니</a:t>
+            </a:r>
+            <a:r>
+              <a:rPr lang="en-US" altLang="ko-KR"/>
+              <a:t> </a:t>
+            </a:r>
+            <a:r>
+              <a:rPr lang="ko-KR" altLang="en-US"/>
+              <a:t>설계하거나 구현할 때 막히면 참고를 하고 이를 활용해라 라는 것으로 보입니다</a:t>
             </a:r>
             <a:r>
               <a:rPr lang="en-US" altLang="ko-KR"/>
@@ -1139,16 +1278,6 @@
           </a:p>
           <a:p>
             <a:endParaRPr lang="en-US" altLang="ko-KR"/>
-          </a:p>
-          <a:p>
-            <a:r>
-              <a:rPr lang="ko-KR" altLang="en-US"/>
-              <a:t>따라서 이러한 디자인 패턴들을 알아두면 앞으로 개발자로서 무조건 도움이 될 거라고 보입니다</a:t>
-            </a:r>
-            <a:r>
-              <a:rPr lang="en-US" altLang="ko-KR"/>
-              <a:t>.</a:t>
-            </a:r>
           </a:p>
         </p:txBody>
       </p:sp>
@@ -1178,7 +1307,7 @@
     </p:spTree>
     <p:extLst>
       <p:ext uri="{BB962C8B-B14F-4D97-AF65-F5344CB8AC3E}">
-        <p14:creationId xmlns:p14="http://schemas.microsoft.com/office/powerpoint/2010/main" val="1378896964"/>
+        <p14:creationId xmlns:p14="http://schemas.microsoft.com/office/powerpoint/2010/main" val="2722855305"/>
       </p:ext>
     </p:extLst>
   </p:cSld>
@@ -1234,15 +1363,7 @@
           <a:p>
             <a:r>
               <a:rPr lang="ko-KR" altLang="en-US"/>
-              <a:t>디자인 패턴은 총 </a:t>
-            </a:r>
-            <a:r>
-              <a:rPr lang="en-US" altLang="ko-KR"/>
-              <a:t>23</a:t>
-            </a:r>
-            <a:r>
-              <a:rPr lang="ko-KR" altLang="en-US"/>
-              <a:t>가지로 정리되었고 각각 생성 패턴</a:t>
+              <a:t>이러한 훌륭한 패턴들을 에릭 감마</a:t>
             </a:r>
             <a:r>
               <a:rPr lang="en-US" altLang="ko-KR"/>
@@ -1250,15 +1371,23 @@
             </a:r>
             <a:r>
               <a:rPr lang="ko-KR" altLang="en-US"/>
-              <a:t>구조 패턴</a:t>
-            </a:r>
-            <a:r>
-              <a:rPr lang="en-US" altLang="ko-KR"/>
-              <a:t>,</a:t>
-            </a:r>
-            <a:r>
-              <a:rPr lang="ko-KR" altLang="en-US"/>
-              <a:t> 행위 패턴으로 분류되어있습니다</a:t>
+              <a:t>랄프 존슨</a:t>
+            </a:r>
+            <a:r>
+              <a:rPr lang="en-US" altLang="ko-KR"/>
+              <a:t>, </a:t>
+            </a:r>
+            <a:r>
+              <a:rPr lang="ko-KR" altLang="en-US"/>
+              <a:t>존 블리시데스</a:t>
+            </a:r>
+            <a:r>
+              <a:rPr lang="en-US" altLang="ko-KR"/>
+              <a:t>, </a:t>
+            </a:r>
+            <a:r>
+              <a:rPr lang="ko-KR" altLang="en-US"/>
+              <a:t>리차드 헬름라는 네 명의 위대한 개발자들이 체계화하여 정리한 것을 디자인 패턴이라고 합니다</a:t>
             </a:r>
             <a:r>
               <a:rPr lang="en-US" altLang="ko-KR"/>
@@ -1271,7 +1400,15 @@
           <a:p>
             <a:r>
               <a:rPr lang="ko-KR" altLang="en-US"/>
-              <a:t>생성 패턴은 객체 생성에 관련된 패턴으로 특정 객체가 생성될 때</a:t>
+              <a:t>이 디자인 패턴은</a:t>
+            </a:r>
+            <a:r>
+              <a:rPr lang="en-US" altLang="ko-KR"/>
+              <a:t> </a:t>
+            </a:r>
+            <a:r>
+              <a:rPr lang="ko-KR" altLang="en-US"/>
+              <a:t>개발자들 끼리 협업을 잘할 수 있도록 해주는 의사소통의 수단이 될 수 있고</a:t>
             </a:r>
             <a:r>
               <a:rPr lang="en-US" altLang="ko-KR"/>
@@ -1279,7 +1416,7 @@
             </a:r>
             <a:r>
               <a:rPr lang="ko-KR" altLang="en-US"/>
-              <a:t>프로그램 구조에 영향을 끼치지 않도록 하는 것입니다</a:t>
+              <a:t>재사용을 통해 개발 시간을 단축시켜주는 유용한 도구가 될 수 있습니다</a:t>
             </a:r>
             <a:r>
               <a:rPr lang="en-US" altLang="ko-KR"/>
@@ -1292,50 +1429,25 @@
           <a:p>
             <a:r>
               <a:rPr lang="ko-KR" altLang="en-US"/>
-              <a:t>구조 패턴은 클래스나 객체를 조합해서 더 큰 구조를 만드는 패턴으로 </a:t>
-            </a:r>
+              <a:t>또한 개발자들의 올바른 설계를 빨리 만들 수 있도록 도와주는 해결책이라고 보시면 됩니다</a:t>
+            </a:r>
+            <a:r>
+              <a:rPr lang="en-US" altLang="ko-KR"/>
+              <a:t>.</a:t>
+            </a:r>
+          </a:p>
+          <a:p>
             <a:endParaRPr lang="en-US" altLang="ko-KR"/>
           </a:p>
           <a:p>
-            <a:endParaRPr lang="en-US" altLang="ko-KR"/>
-          </a:p>
-          <a:p>
-            <a:r>
-              <a:rPr lang="ko-KR" altLang="en-US"/>
-              <a:t>예를들어 서로 다른 인터페이스를 지닌 </a:t>
-            </a:r>
-            <a:r>
-              <a:rPr lang="en-US" altLang="ko-KR"/>
-              <a:t>2</a:t>
-            </a:r>
-            <a:r>
-              <a:rPr lang="ko-KR" altLang="en-US"/>
-              <a:t>개의 객체를 묶어 하나의 인터페이스를 제공하거나</a:t>
-            </a:r>
-            <a:endParaRPr lang="en-US" altLang="ko-KR"/>
-          </a:p>
-          <a:p>
-            <a:endParaRPr lang="en-US" altLang="ko-KR"/>
-          </a:p>
-          <a:p>
-            <a:r>
-              <a:rPr lang="ko-KR" altLang="en-US"/>
-              <a:t>객체를 서로 묶어 새로운 기능을 제공하는 패턴입니다</a:t>
+            <a:r>
+              <a:rPr lang="ko-KR" altLang="en-US"/>
+              <a:t>따라서 이러한 디자인 패턴들을 알아두면 앞으로 개발자로서 무조건 도움이 될 거라고 보입니다</a:t>
             </a:r>
             <a:r>
               <a:rPr lang="en-US" altLang="ko-KR"/>
               <a:t>.</a:t>
             </a:r>
-          </a:p>
-          <a:p>
-            <a:endParaRPr lang="en-US" altLang="ko-KR"/>
-          </a:p>
-          <a:p>
-            <a:r>
-              <a:rPr lang="ko-KR" altLang="en-US"/>
-              <a:t>행위 패턴은 객체나 클래스 </a:t>
-            </a:r>
-            <a:endParaRPr lang="en-US" altLang="ko-KR"/>
           </a:p>
         </p:txBody>
       </p:sp>
@@ -1365,7 +1477,7 @@
     </p:spTree>
     <p:extLst>
       <p:ext uri="{BB962C8B-B14F-4D97-AF65-F5344CB8AC3E}">
-        <p14:creationId xmlns:p14="http://schemas.microsoft.com/office/powerpoint/2010/main" val="280879948"/>
+        <p14:creationId xmlns:p14="http://schemas.microsoft.com/office/powerpoint/2010/main" val="1378896964"/>
       </p:ext>
     </p:extLst>
   </p:cSld>
@@ -1419,7 +1531,145 @@
           <a:bodyPr/>
           <a:lstStyle/>
           <a:p>
-            <a:endParaRPr lang="ko-KR" altLang="en-US" dirty="0"/>
+            <a:r>
+              <a:rPr lang="ko-KR" altLang="en-US"/>
+              <a:t>디자인 패턴은 총 </a:t>
+            </a:r>
+            <a:r>
+              <a:rPr lang="en-US" altLang="ko-KR"/>
+              <a:t>23</a:t>
+            </a:r>
+            <a:r>
+              <a:rPr lang="ko-KR" altLang="en-US"/>
+              <a:t>가지로 정리되었고 각각 생성 패턴</a:t>
+            </a:r>
+            <a:r>
+              <a:rPr lang="en-US" altLang="ko-KR"/>
+              <a:t>, </a:t>
+            </a:r>
+            <a:r>
+              <a:rPr lang="ko-KR" altLang="en-US"/>
+              <a:t>구조 패턴</a:t>
+            </a:r>
+            <a:r>
+              <a:rPr lang="en-US" altLang="ko-KR"/>
+              <a:t>,</a:t>
+            </a:r>
+            <a:r>
+              <a:rPr lang="ko-KR" altLang="en-US"/>
+              <a:t> 행위 패턴으로 분류되어있습니다</a:t>
+            </a:r>
+            <a:r>
+              <a:rPr lang="en-US" altLang="ko-KR"/>
+              <a:t>.</a:t>
+            </a:r>
+          </a:p>
+          <a:p>
+            <a:endParaRPr lang="en-US" altLang="ko-KR"/>
+          </a:p>
+          <a:p>
+            <a:r>
+              <a:rPr lang="ko-KR" altLang="en-US"/>
+              <a:t>이러한 모든 패턴들의 종류에 대해서 지금 알아보기보다는 나중에 기회가 된다면 따로 세미나 주제로 다뤄볼 예정입니다</a:t>
+            </a:r>
+            <a:r>
+              <a:rPr lang="en-US" altLang="ko-KR"/>
+              <a:t>.</a:t>
+            </a:r>
+          </a:p>
+          <a:p>
+            <a:endParaRPr lang="en-US" altLang="ko-KR"/>
+          </a:p>
+          <a:p>
+            <a:r>
+              <a:rPr lang="ko-KR" altLang="en-US"/>
+              <a:t>아무래도 디자인 패턴이라는 것이 코드를 작성하고 설계하는 데 있어서 상당히 중요한 부분이기 때문이죠</a:t>
+            </a:r>
+            <a:r>
+              <a:rPr lang="en-US" altLang="ko-KR"/>
+              <a:t>.</a:t>
+            </a:r>
+          </a:p>
+          <a:p>
+            <a:endParaRPr lang="en-US" altLang="ko-KR"/>
+          </a:p>
+          <a:p>
+            <a:r>
+              <a:rPr lang="ko-KR" altLang="en-US"/>
+              <a:t>간단하게라도 설명을 드리자면</a:t>
+            </a:r>
+            <a:endParaRPr lang="en-US" altLang="ko-KR"/>
+          </a:p>
+          <a:p>
+            <a:endParaRPr lang="en-US" altLang="ko-KR"/>
+          </a:p>
+          <a:p>
+            <a:r>
+              <a:rPr lang="ko-KR" altLang="en-US"/>
+              <a:t>생성 패턴은 객체 생성에 관련된 패턴으로 특정 객체가 생성될 때</a:t>
+            </a:r>
+            <a:r>
+              <a:rPr lang="en-US" altLang="ko-KR"/>
+              <a:t>, </a:t>
+            </a:r>
+            <a:r>
+              <a:rPr lang="ko-KR" altLang="en-US"/>
+              <a:t>프로그램 구조에 최대한 영향을 끼치지 않도록 하는 것입니다</a:t>
+            </a:r>
+            <a:r>
+              <a:rPr lang="en-US" altLang="ko-KR"/>
+              <a:t>.</a:t>
+            </a:r>
+          </a:p>
+          <a:p>
+            <a:endParaRPr lang="en-US" altLang="ko-KR"/>
+          </a:p>
+          <a:p>
+            <a:r>
+              <a:rPr lang="ko-KR" altLang="en-US"/>
+              <a:t>구조 패턴은 클래스나 객체를 조합해서 더 큰 구조를 만드는 패턴으로 </a:t>
+            </a:r>
+            <a:endParaRPr lang="en-US" altLang="ko-KR"/>
+          </a:p>
+          <a:p>
+            <a:endParaRPr lang="en-US" altLang="ko-KR"/>
+          </a:p>
+          <a:p>
+            <a:r>
+              <a:rPr lang="ko-KR" altLang="en-US"/>
+              <a:t>예를들어 서로 다른 인터페이스를 지닌 </a:t>
+            </a:r>
+            <a:r>
+              <a:rPr lang="en-US" altLang="ko-KR"/>
+              <a:t>2</a:t>
+            </a:r>
+            <a:r>
+              <a:rPr lang="ko-KR" altLang="en-US"/>
+              <a:t>개의 객체를 묶어 하나의 인터페이스를 제공하는 겁니다</a:t>
+            </a:r>
+            <a:r>
+              <a:rPr lang="en-US" altLang="ko-KR"/>
+              <a:t>.</a:t>
+            </a:r>
+          </a:p>
+          <a:p>
+            <a:endParaRPr lang="en-US" altLang="ko-KR"/>
+          </a:p>
+          <a:p>
+            <a:r>
+              <a:rPr lang="ko-KR" altLang="en-US"/>
+              <a:t>행위 패턴은 한 객체가 혼자 수행할 수 없는 작업을 여러 객체로 분배하는 데 있어 객체간 의존성의 최소화를 중점으로 두는 패턴입니다</a:t>
+            </a:r>
+            <a:r>
+              <a:rPr lang="en-US" altLang="ko-KR"/>
+              <a:t>.</a:t>
+            </a:r>
+          </a:p>
+          <a:p>
+            <a:endParaRPr lang="en-US" altLang="ko-KR"/>
+          </a:p>
+          <a:p>
+            <a:endParaRPr lang="en-US" altLang="ko-KR"/>
           </a:p>
         </p:txBody>
       </p:sp>
@@ -1449,7 +1699,882 @@
     </p:spTree>
     <p:extLst>
       <p:ext uri="{BB962C8B-B14F-4D97-AF65-F5344CB8AC3E}">
-        <p14:creationId xmlns:p14="http://schemas.microsoft.com/office/powerpoint/2010/main" val="167855094"/>
+        <p14:creationId xmlns:p14="http://schemas.microsoft.com/office/powerpoint/2010/main" val="280879948"/>
+      </p:ext>
+    </p:extLst>
+  </p:cSld>
+  <p:clrMapOvr>
+    <a:masterClrMapping/>
+  </p:clrMapOvr>
+</p:notes>
+</file>
+
+<file path=ppt/notesSlides/notesSlide7.xml><?xml version="1.0" encoding="utf-8"?>
+<p:notes xmlns:a="http://schemas.openxmlformats.org/drawingml/2006/main" xmlns:r="http://schemas.openxmlformats.org/officeDocument/2006/relationships" xmlns:p="http://schemas.openxmlformats.org/presentationml/2006/main">
+  <p:cSld>
+    <p:spTree>
+      <p:nvGrpSpPr>
+        <p:cNvPr id="1" name=""/>
+        <p:cNvGrpSpPr/>
+        <p:nvPr/>
+      </p:nvGrpSpPr>
+      <p:grpSpPr>
+        <a:xfrm>
+          <a:off x="0" y="0"/>
+          <a:ext cx="0" cy="0"/>
+          <a:chOff x="0" y="0"/>
+          <a:chExt cx="0" cy="0"/>
+        </a:xfrm>
+      </p:grpSpPr>
+      <p:sp>
+        <p:nvSpPr>
+          <p:cNvPr id="2" name="슬라이드 이미지 개체 틀 1"/>
+          <p:cNvSpPr>
+            <a:spLocks noGrp="1" noRot="1" noChangeAspect="1"/>
+          </p:cNvSpPr>
+          <p:nvPr>
+            <p:ph type="sldImg"/>
+          </p:nvPr>
+        </p:nvSpPr>
+        <p:spPr/>
+      </p:sp>
+      <p:sp>
+        <p:nvSpPr>
+          <p:cNvPr id="3" name="슬라이드 노트 개체 틀 2"/>
+          <p:cNvSpPr>
+            <a:spLocks noGrp="1"/>
+          </p:cNvSpPr>
+          <p:nvPr>
+            <p:ph type="body" idx="1"/>
+          </p:nvPr>
+        </p:nvSpPr>
+        <p:spPr/>
+        <p:txBody>
+          <a:bodyPr/>
+          <a:lstStyle/>
+          <a:p>
+            <a:r>
+              <a:rPr lang="ko-KR" altLang="en-US"/>
+              <a:t>지금까지 설명드린 디자인 패턴을 </a:t>
+            </a:r>
+            <a:r>
+              <a:rPr lang="en-US" altLang="ko-KR"/>
+              <a:t>GoF </a:t>
+            </a:r>
+            <a:r>
+              <a:rPr lang="ko-KR" altLang="en-US"/>
+              <a:t>디자인 패턴이라고도 부릅니다</a:t>
+            </a:r>
+            <a:r>
+              <a:rPr lang="en-US" altLang="ko-KR"/>
+              <a:t>.</a:t>
+            </a:r>
+          </a:p>
+          <a:p>
+            <a:endParaRPr lang="en-US" altLang="ko-KR"/>
+          </a:p>
+          <a:p>
+            <a:r>
+              <a:rPr lang="ko-KR" altLang="en-US"/>
+              <a:t>아까 말씀드린 네 명의 개발자들은 </a:t>
+            </a:r>
+            <a:r>
+              <a:rPr lang="en-US" altLang="ko-KR"/>
+              <a:t>Gang of Four</a:t>
+            </a:r>
+            <a:r>
+              <a:rPr lang="ko-KR" altLang="en-US"/>
+              <a:t> 이라고 불리었고 그의 약자인 </a:t>
+            </a:r>
+            <a:r>
+              <a:rPr lang="en-US" altLang="ko-KR"/>
+              <a:t>G O F</a:t>
+            </a:r>
+            <a:r>
+              <a:rPr lang="ko-KR" altLang="en-US"/>
+              <a:t>를 따 </a:t>
+            </a:r>
+            <a:r>
+              <a:rPr lang="en-US" altLang="ko-KR"/>
+              <a:t>GoF </a:t>
+            </a:r>
+            <a:r>
+              <a:rPr lang="ko-KR" altLang="en-US"/>
+              <a:t>디자인 패턴이 된거죠</a:t>
+            </a:r>
+            <a:endParaRPr lang="en-US" altLang="ko-KR"/>
+          </a:p>
+          <a:p>
+            <a:endParaRPr lang="en-US" altLang="ko-KR"/>
+          </a:p>
+          <a:p>
+            <a:r>
+              <a:rPr lang="ko-KR" altLang="en-US"/>
+              <a:t>이 디자인 패턴은 발간된 후부터 현재까지 개발자들에게 큰 영향을 끼치고 있습니다</a:t>
+            </a:r>
+            <a:r>
+              <a:rPr lang="en-US" altLang="ko-KR"/>
+              <a:t>.</a:t>
+            </a:r>
+          </a:p>
+          <a:p>
+            <a:endParaRPr lang="en-US" altLang="ko-KR"/>
+          </a:p>
+          <a:p>
+            <a:r>
+              <a:rPr lang="ko-KR" altLang="en-US"/>
+              <a:t>디자인 패턴에 있는 기법들을 몇 가지 합성하여 만든 패턴을 합성 패턴이라고 하는데요</a:t>
+            </a:r>
+            <a:r>
+              <a:rPr lang="en-US" altLang="ko-KR"/>
+              <a:t>.</a:t>
+            </a:r>
+          </a:p>
+          <a:p>
+            <a:endParaRPr lang="en-US" altLang="ko-KR"/>
+          </a:p>
+          <a:p>
+            <a:r>
+              <a:rPr lang="ko-KR" altLang="en-US"/>
+              <a:t>저희는 지금부터 이 합성 패턴 중에서 웹 프레임워크 구현이나</a:t>
+            </a:r>
+            <a:r>
+              <a:rPr lang="en-US" altLang="ko-KR"/>
+              <a:t>, </a:t>
+            </a:r>
+            <a:r>
+              <a:rPr lang="ko-KR" altLang="en-US"/>
+              <a:t>웹 개발에 영향을 끼친 </a:t>
+            </a:r>
+            <a:r>
+              <a:rPr lang="en-US" altLang="ko-KR"/>
+              <a:t>MVC, MVP, MVVM </a:t>
+            </a:r>
+            <a:r>
+              <a:rPr lang="ko-KR" altLang="en-US"/>
+              <a:t>패턴들의 동작이나 특징 장단점에 대하여 알아보도록 하겠습니다</a:t>
+            </a:r>
+            <a:r>
+              <a:rPr lang="en-US" altLang="ko-KR"/>
+              <a:t>.</a:t>
+            </a:r>
+          </a:p>
+        </p:txBody>
+      </p:sp>
+      <p:sp>
+        <p:nvSpPr>
+          <p:cNvPr id="4" name="슬라이드 번호 개체 틀 3"/>
+          <p:cNvSpPr>
+            <a:spLocks noGrp="1"/>
+          </p:cNvSpPr>
+          <p:nvPr>
+            <p:ph type="sldNum" sz="quarter" idx="5"/>
+          </p:nvPr>
+        </p:nvSpPr>
+        <p:spPr/>
+        <p:txBody>
+          <a:bodyPr/>
+          <a:lstStyle/>
+          <a:p>
+            <a:fld id="{D77D3CDB-C11F-4B3C-8011-4CB70A9F6877}" type="slidenum">
+              <a:rPr lang="ko-KR" altLang="en-US" smtClean="0"/>
+              <a:t>7</a:t>
+            </a:fld>
+            <a:endParaRPr lang="ko-KR" altLang="en-US"/>
+          </a:p>
+        </p:txBody>
+      </p:sp>
+    </p:spTree>
+    <p:extLst>
+      <p:ext uri="{BB962C8B-B14F-4D97-AF65-F5344CB8AC3E}">
+        <p14:creationId xmlns:p14="http://schemas.microsoft.com/office/powerpoint/2010/main" val="2644695914"/>
+      </p:ext>
+    </p:extLst>
+  </p:cSld>
+  <p:clrMapOvr>
+    <a:masterClrMapping/>
+  </p:clrMapOvr>
+</p:notes>
+</file>
+
+<file path=ppt/notesSlides/notesSlide8.xml><?xml version="1.0" encoding="utf-8"?>
+<p:notes xmlns:a="http://schemas.openxmlformats.org/drawingml/2006/main" xmlns:r="http://schemas.openxmlformats.org/officeDocument/2006/relationships" xmlns:p="http://schemas.openxmlformats.org/presentationml/2006/main">
+  <p:cSld>
+    <p:spTree>
+      <p:nvGrpSpPr>
+        <p:cNvPr id="1" name=""/>
+        <p:cNvGrpSpPr/>
+        <p:nvPr/>
+      </p:nvGrpSpPr>
+      <p:grpSpPr>
+        <a:xfrm>
+          <a:off x="0" y="0"/>
+          <a:ext cx="0" cy="0"/>
+          <a:chOff x="0" y="0"/>
+          <a:chExt cx="0" cy="0"/>
+        </a:xfrm>
+      </p:grpSpPr>
+      <p:sp>
+        <p:nvSpPr>
+          <p:cNvPr id="2" name="슬라이드 이미지 개체 틀 1"/>
+          <p:cNvSpPr>
+            <a:spLocks noGrp="1" noRot="1" noChangeAspect="1"/>
+          </p:cNvSpPr>
+          <p:nvPr>
+            <p:ph type="sldImg"/>
+          </p:nvPr>
+        </p:nvSpPr>
+        <p:spPr/>
+      </p:sp>
+      <p:sp>
+        <p:nvSpPr>
+          <p:cNvPr id="3" name="슬라이드 노트 개체 틀 2"/>
+          <p:cNvSpPr>
+            <a:spLocks noGrp="1"/>
+          </p:cNvSpPr>
+          <p:nvPr>
+            <p:ph type="body" idx="1"/>
+          </p:nvPr>
+        </p:nvSpPr>
+        <p:spPr/>
+        <p:txBody>
+          <a:bodyPr/>
+          <a:lstStyle/>
+          <a:p>
+            <a:r>
+              <a:rPr lang="ko-KR" altLang="en-US"/>
+              <a:t>우선 </a:t>
+            </a:r>
+            <a:r>
+              <a:rPr lang="en-US" altLang="ko-KR"/>
+              <a:t>MVC </a:t>
+            </a:r>
+            <a:r>
+              <a:rPr lang="ko-KR" altLang="en-US"/>
+              <a:t>패턴입니다</a:t>
+            </a:r>
+            <a:r>
+              <a:rPr lang="en-US" altLang="ko-KR"/>
+              <a:t>.</a:t>
+            </a:r>
+          </a:p>
+          <a:p>
+            <a:endParaRPr lang="en-US" altLang="ko-KR"/>
+          </a:p>
+          <a:p>
+            <a:r>
+              <a:rPr lang="en-US" altLang="ko-KR"/>
+              <a:t>MVC </a:t>
+            </a:r>
+            <a:r>
+              <a:rPr lang="ko-KR" altLang="en-US"/>
+              <a:t>패턴은 </a:t>
+            </a:r>
+            <a:r>
+              <a:rPr lang="en-US" altLang="ko-KR"/>
+              <a:t>Model View Controller</a:t>
+            </a:r>
+            <a:r>
+              <a:rPr lang="ko-KR" altLang="en-US"/>
+              <a:t> 의 약자입니다</a:t>
+            </a:r>
+            <a:r>
+              <a:rPr lang="en-US" altLang="ko-KR"/>
+              <a:t>.</a:t>
+            </a:r>
+          </a:p>
+          <a:p>
+            <a:endParaRPr lang="en-US" altLang="ko-KR"/>
+          </a:p>
+          <a:p>
+            <a:r>
+              <a:rPr lang="ko-KR" altLang="en-US"/>
+              <a:t>하나의 프로젝트나 어플리케이션의 구성 요소를 이렇게 세 가지 역할로 구분한 패턴인데요</a:t>
+            </a:r>
+            <a:r>
+              <a:rPr lang="en-US" altLang="ko-KR"/>
+              <a:t>.</a:t>
+            </a:r>
+          </a:p>
+          <a:p>
+            <a:endParaRPr lang="en-US" altLang="ko-KR"/>
+          </a:p>
+          <a:p>
+            <a:r>
+              <a:rPr lang="en-US" altLang="ko-KR"/>
+              <a:t>Model </a:t>
+            </a:r>
+            <a:r>
+              <a:rPr lang="ko-KR" altLang="en-US"/>
+              <a:t>은 어플리케이션에서 사용되는 데이터와 그 데이터를 처리하는 부분으로 데이터베이스라고 생각하시면 됩니다</a:t>
+            </a:r>
+            <a:r>
+              <a:rPr lang="en-US" altLang="ko-KR"/>
+              <a:t>.</a:t>
+            </a:r>
+          </a:p>
+          <a:p>
+            <a:endParaRPr lang="en-US" altLang="ko-KR"/>
+          </a:p>
+          <a:p>
+            <a:r>
+              <a:rPr lang="en-US" altLang="ko-KR"/>
+              <a:t>View </a:t>
+            </a:r>
+            <a:r>
+              <a:rPr lang="ko-KR" altLang="en-US"/>
+              <a:t>는 말 그대로 사용자에게 보여지는 </a:t>
+            </a:r>
+            <a:r>
+              <a:rPr lang="en-US" altLang="ko-KR"/>
+              <a:t>UI</a:t>
+            </a:r>
+            <a:r>
+              <a:rPr lang="ko-KR" altLang="en-US"/>
+              <a:t>부분입니다</a:t>
+            </a:r>
+            <a:r>
+              <a:rPr lang="en-US" altLang="ko-KR"/>
+              <a:t>.</a:t>
+            </a:r>
+          </a:p>
+          <a:p>
+            <a:endParaRPr lang="en-US" altLang="ko-KR"/>
+          </a:p>
+          <a:p>
+            <a:r>
+              <a:rPr lang="en-US" altLang="ko-KR"/>
+              <a:t>Controller</a:t>
+            </a:r>
+            <a:r>
+              <a:rPr lang="ko-KR" altLang="en-US"/>
+              <a:t> 는 사용자의 입력을 받고 처리하는 부분입니다</a:t>
+            </a:r>
+            <a:r>
+              <a:rPr lang="en-US" altLang="ko-KR"/>
+              <a:t>.</a:t>
+            </a:r>
+          </a:p>
+        </p:txBody>
+      </p:sp>
+      <p:sp>
+        <p:nvSpPr>
+          <p:cNvPr id="4" name="슬라이드 번호 개체 틀 3"/>
+          <p:cNvSpPr>
+            <a:spLocks noGrp="1"/>
+          </p:cNvSpPr>
+          <p:nvPr>
+            <p:ph type="sldNum" sz="quarter" idx="5"/>
+          </p:nvPr>
+        </p:nvSpPr>
+        <p:spPr/>
+        <p:txBody>
+          <a:bodyPr/>
+          <a:lstStyle/>
+          <a:p>
+            <a:fld id="{D77D3CDB-C11F-4B3C-8011-4CB70A9F6877}" type="slidenum">
+              <a:rPr lang="ko-KR" altLang="en-US" smtClean="0"/>
+              <a:t>8</a:t>
+            </a:fld>
+            <a:endParaRPr lang="ko-KR" altLang="en-US"/>
+          </a:p>
+        </p:txBody>
+      </p:sp>
+    </p:spTree>
+    <p:extLst>
+      <p:ext uri="{BB962C8B-B14F-4D97-AF65-F5344CB8AC3E}">
+        <p14:creationId xmlns:p14="http://schemas.microsoft.com/office/powerpoint/2010/main" val="259750736"/>
+      </p:ext>
+    </p:extLst>
+  </p:cSld>
+  <p:clrMapOvr>
+    <a:masterClrMapping/>
+  </p:clrMapOvr>
+</p:notes>
+</file>
+
+<file path=ppt/notesSlides/notesSlide9.xml><?xml version="1.0" encoding="utf-8"?>
+<p:notes xmlns:a="http://schemas.openxmlformats.org/drawingml/2006/main" xmlns:r="http://schemas.openxmlformats.org/officeDocument/2006/relationships" xmlns:p="http://schemas.openxmlformats.org/presentationml/2006/main">
+  <p:cSld>
+    <p:spTree>
+      <p:nvGrpSpPr>
+        <p:cNvPr id="1" name=""/>
+        <p:cNvGrpSpPr/>
+        <p:nvPr/>
+      </p:nvGrpSpPr>
+      <p:grpSpPr>
+        <a:xfrm>
+          <a:off x="0" y="0"/>
+          <a:ext cx="0" cy="0"/>
+          <a:chOff x="0" y="0"/>
+          <a:chExt cx="0" cy="0"/>
+        </a:xfrm>
+      </p:grpSpPr>
+      <p:sp>
+        <p:nvSpPr>
+          <p:cNvPr id="2" name="슬라이드 이미지 개체 틀 1"/>
+          <p:cNvSpPr>
+            <a:spLocks noGrp="1" noRot="1" noChangeAspect="1"/>
+          </p:cNvSpPr>
+          <p:nvPr>
+            <p:ph type="sldImg"/>
+          </p:nvPr>
+        </p:nvSpPr>
+        <p:spPr/>
+      </p:sp>
+      <p:sp>
+        <p:nvSpPr>
+          <p:cNvPr id="3" name="슬라이드 노트 개체 틀 2"/>
+          <p:cNvSpPr>
+            <a:spLocks noGrp="1"/>
+          </p:cNvSpPr>
+          <p:nvPr>
+            <p:ph type="body" idx="1"/>
+          </p:nvPr>
+        </p:nvSpPr>
+        <p:spPr/>
+        <p:txBody>
+          <a:bodyPr/>
+          <a:lstStyle/>
+          <a:p>
+            <a:r>
+              <a:rPr lang="en-US" altLang="ko-KR"/>
+              <a:t>MVC </a:t>
+            </a:r>
+            <a:r>
+              <a:rPr lang="ko-KR" altLang="en-US"/>
+              <a:t>패턴의 동작에 대해서 알아보도록 하겠습니다</a:t>
+            </a:r>
+            <a:r>
+              <a:rPr lang="en-US" altLang="ko-KR"/>
+              <a:t>.</a:t>
+            </a:r>
+          </a:p>
+          <a:p>
+            <a:endParaRPr lang="en-US" altLang="ko-KR"/>
+          </a:p>
+          <a:p>
+            <a:r>
+              <a:rPr lang="en-US" altLang="ko-KR"/>
+              <a:t>MVC </a:t>
+            </a:r>
+            <a:r>
+              <a:rPr lang="ko-KR" altLang="en-US"/>
+              <a:t>패턴은 우선 사용자 입력이 </a:t>
+            </a:r>
+            <a:r>
+              <a:rPr lang="en-US" altLang="ko-KR"/>
+              <a:t>Controller</a:t>
+            </a:r>
+            <a:r>
+              <a:rPr lang="ko-KR" altLang="en-US"/>
+              <a:t>로 전달됩니다</a:t>
+            </a:r>
+            <a:r>
+              <a:rPr lang="en-US" altLang="ko-KR"/>
+              <a:t>.</a:t>
+            </a:r>
+            <a:r>
+              <a:rPr lang="ko-KR" altLang="en-US"/>
+              <a:t> </a:t>
+            </a:r>
+            <a:endParaRPr lang="en-US" altLang="ko-KR"/>
+          </a:p>
+          <a:p>
+            <a:endParaRPr lang="en-US" altLang="ko-KR"/>
+          </a:p>
+          <a:p>
+            <a:r>
+              <a:rPr lang="en-US" altLang="ko-KR"/>
+              <a:t>Controller</a:t>
+            </a:r>
+            <a:r>
+              <a:rPr lang="ko-KR" altLang="en-US"/>
+              <a:t>는 입력을 바탕으로 </a:t>
+            </a:r>
+            <a:r>
+              <a:rPr lang="en-US" altLang="ko-KR"/>
+              <a:t>Model</a:t>
+            </a:r>
+            <a:r>
+              <a:rPr lang="ko-KR" altLang="en-US"/>
+              <a:t>을 통해서 필요한 데이터를 업데이트 합니다</a:t>
+            </a:r>
+            <a:r>
+              <a:rPr lang="en-US" altLang="ko-KR"/>
+              <a:t>.</a:t>
+            </a:r>
+          </a:p>
+          <a:p>
+            <a:endParaRPr lang="en-US" altLang="ko-KR"/>
+          </a:p>
+          <a:p>
+            <a:r>
+              <a:rPr lang="ko-KR" altLang="en-US"/>
+              <a:t>그리고 그 결과에 따라 </a:t>
+            </a:r>
+            <a:r>
+              <a:rPr lang="en-US" altLang="ko-KR"/>
+              <a:t>View</a:t>
+            </a:r>
+            <a:r>
+              <a:rPr lang="ko-KR" altLang="en-US"/>
+              <a:t>를 선택합니다</a:t>
+            </a:r>
+            <a:r>
+              <a:rPr lang="en-US" altLang="ko-KR"/>
+              <a:t>.</a:t>
+            </a:r>
+            <a:r>
+              <a:rPr lang="ko-KR" altLang="en-US"/>
+              <a:t> 이 때 하나의 </a:t>
+            </a:r>
+            <a:r>
+              <a:rPr lang="en-US" altLang="ko-KR"/>
+              <a:t>Controller</a:t>
+            </a:r>
+            <a:r>
+              <a:rPr lang="ko-KR" altLang="en-US"/>
+              <a:t>는 여러 개의 </a:t>
+            </a:r>
+            <a:r>
+              <a:rPr lang="en-US" altLang="ko-KR"/>
+              <a:t>View</a:t>
+            </a:r>
+            <a:r>
+              <a:rPr lang="ko-KR" altLang="en-US"/>
+              <a:t>를 선택할 수 있기 때문에 </a:t>
+            </a:r>
+            <a:r>
+              <a:rPr lang="en-US" altLang="ko-KR"/>
+              <a:t>1:n</a:t>
+            </a:r>
+            <a:r>
+              <a:rPr lang="ko-KR" altLang="en-US"/>
+              <a:t> 구조입니다</a:t>
+            </a:r>
+            <a:r>
+              <a:rPr lang="en-US" altLang="ko-KR"/>
+              <a:t>.</a:t>
+            </a:r>
+          </a:p>
+          <a:p>
+            <a:endParaRPr lang="en-US" altLang="ko-KR"/>
+          </a:p>
+          <a:p>
+            <a:r>
+              <a:rPr lang="en-US" altLang="ko-KR"/>
+              <a:t>Controller</a:t>
+            </a:r>
+            <a:r>
+              <a:rPr lang="ko-KR" altLang="en-US"/>
+              <a:t>는 업데이트 될 </a:t>
+            </a:r>
+            <a:r>
+              <a:rPr lang="en-US" altLang="ko-KR"/>
+              <a:t>View</a:t>
+            </a:r>
+            <a:r>
+              <a:rPr lang="ko-KR" altLang="en-US"/>
+              <a:t>를 선택만 할 뿐</a:t>
+            </a:r>
+            <a:r>
+              <a:rPr lang="en-US" altLang="ko-KR"/>
+              <a:t>, </a:t>
+            </a:r>
+            <a:r>
+              <a:rPr lang="ko-KR" altLang="en-US"/>
+              <a:t>직접 업데이트하지는 않습니다</a:t>
+            </a:r>
+            <a:r>
+              <a:rPr lang="en-US" altLang="ko-KR"/>
+              <a:t>.</a:t>
+            </a:r>
+          </a:p>
+          <a:p>
+            <a:endParaRPr lang="en-US" altLang="ko-KR"/>
+          </a:p>
+          <a:p>
+            <a:r>
+              <a:rPr lang="ko-KR" altLang="en-US"/>
+              <a:t>따로 업데이트 하는 방법이 세 가지 존재하는데요</a:t>
+            </a:r>
+            <a:endParaRPr lang="en-US" altLang="ko-KR"/>
+          </a:p>
+          <a:p>
+            <a:endParaRPr lang="en-US" altLang="ko-KR"/>
+          </a:p>
+          <a:p>
+            <a:r>
+              <a:rPr lang="en-US" altLang="ko-KR"/>
+              <a:t>View</a:t>
+            </a:r>
+            <a:r>
+              <a:rPr lang="ko-KR" altLang="en-US"/>
+              <a:t>가 직접 </a:t>
+            </a:r>
+            <a:r>
+              <a:rPr lang="en-US" altLang="ko-KR"/>
+              <a:t>Model</a:t>
+            </a:r>
+            <a:r>
+              <a:rPr lang="ko-KR" altLang="en-US"/>
+              <a:t>을 이용한 업데이트</a:t>
+            </a:r>
+            <a:endParaRPr lang="en-US" altLang="ko-KR"/>
+          </a:p>
+          <a:p>
+            <a:endParaRPr lang="en-US" altLang="ko-KR"/>
+          </a:p>
+          <a:p>
+            <a:r>
+              <a:rPr lang="en-US" altLang="ko-KR"/>
+              <a:t>Model</a:t>
+            </a:r>
+            <a:r>
+              <a:rPr lang="ko-KR" altLang="en-US"/>
+              <a:t>에서 </a:t>
+            </a:r>
+            <a:r>
+              <a:rPr lang="en-US" altLang="ko-KR"/>
+              <a:t>View</a:t>
+            </a:r>
+            <a:r>
+              <a:rPr lang="ko-KR" altLang="en-US"/>
+              <a:t>로 </a:t>
+            </a:r>
+            <a:r>
+              <a:rPr lang="en-US" altLang="ko-KR"/>
+              <a:t>Notify</a:t>
+            </a:r>
+            <a:r>
+              <a:rPr lang="ko-KR" altLang="en-US"/>
+              <a:t>하여 업데이트</a:t>
+            </a:r>
+            <a:endParaRPr lang="en-US" altLang="ko-KR"/>
+          </a:p>
+          <a:p>
+            <a:endParaRPr lang="en-US" altLang="ko-KR"/>
+          </a:p>
+          <a:p>
+            <a:r>
+              <a:rPr lang="en-US" altLang="ko-KR"/>
+              <a:t>View</a:t>
+            </a:r>
+            <a:r>
+              <a:rPr lang="ko-KR" altLang="en-US"/>
+              <a:t>가 </a:t>
+            </a:r>
+            <a:r>
+              <a:rPr lang="en-US" altLang="ko-KR"/>
+              <a:t>Polling </a:t>
+            </a:r>
+            <a:r>
+              <a:rPr lang="ko-KR" altLang="en-US"/>
+              <a:t>하여 </a:t>
+            </a:r>
+            <a:r>
+              <a:rPr lang="en-US" altLang="ko-KR"/>
+              <a:t>Model</a:t>
+            </a:r>
+            <a:r>
+              <a:rPr lang="ko-KR" altLang="en-US"/>
+              <a:t>의 변화를 감지해서 업데이트를 합니다</a:t>
+            </a:r>
+            <a:r>
+              <a:rPr lang="en-US" altLang="ko-KR"/>
+              <a:t>.</a:t>
+            </a:r>
+          </a:p>
+          <a:p>
+            <a:endParaRPr lang="en-US" altLang="ko-KR"/>
+          </a:p>
+          <a:p>
+            <a:r>
+              <a:rPr lang="ko-KR" altLang="en-US"/>
+              <a:t>이를 간단한 웹 예시로 들어보면</a:t>
+            </a:r>
+            <a:endParaRPr lang="en-US" altLang="ko-KR"/>
+          </a:p>
+          <a:p>
+            <a:endParaRPr lang="en-US" altLang="ko-KR"/>
+          </a:p>
+          <a:p>
+            <a:r>
+              <a:rPr lang="ko-KR" altLang="en-US"/>
+              <a:t>사용자가 웹 사이트에 접속하면 </a:t>
+            </a:r>
+            <a:r>
+              <a:rPr lang="en-US" altLang="ko-KR"/>
+              <a:t>Controller</a:t>
+            </a:r>
+            <a:r>
+              <a:rPr lang="ko-KR" altLang="en-US"/>
+              <a:t>가 사용자 요청에 맞는 웹 페이지를 서비스하기 위해 </a:t>
+            </a:r>
+            <a:r>
+              <a:rPr lang="en-US" altLang="ko-KR"/>
+              <a:t>Model</a:t>
+            </a:r>
+            <a:r>
+              <a:rPr lang="ko-KR" altLang="en-US"/>
+              <a:t>을 건들고</a:t>
+            </a:r>
+            <a:r>
+              <a:rPr lang="en-US" altLang="ko-KR"/>
+              <a:t>,</a:t>
+            </a:r>
+          </a:p>
+          <a:p>
+            <a:endParaRPr lang="en-US" altLang="ko-KR"/>
+          </a:p>
+          <a:p>
+            <a:r>
+              <a:rPr lang="ko-KR" altLang="en-US"/>
+              <a:t>그럼 </a:t>
+            </a:r>
+            <a:r>
+              <a:rPr lang="en-US" altLang="ko-KR"/>
+              <a:t>Model</a:t>
+            </a:r>
+            <a:r>
+              <a:rPr lang="ko-KR" altLang="en-US"/>
+              <a:t>은 데이터베이스나 필요한 파일을 반환하면 </a:t>
+            </a:r>
+            <a:r>
+              <a:rPr lang="en-US" altLang="ko-KR"/>
+              <a:t>Controller</a:t>
+            </a:r>
+            <a:r>
+              <a:rPr lang="ko-KR" altLang="en-US"/>
+              <a:t>가 이에 적합한 </a:t>
+            </a:r>
+            <a:r>
+              <a:rPr lang="en-US" altLang="ko-KR"/>
+              <a:t>View</a:t>
+            </a:r>
+            <a:r>
+              <a:rPr lang="ko-KR" altLang="en-US"/>
+              <a:t>를 선택하게되고</a:t>
+            </a:r>
+            <a:r>
+              <a:rPr lang="en-US" altLang="ko-KR"/>
+              <a:t>,</a:t>
+            </a:r>
+          </a:p>
+          <a:p>
+            <a:endParaRPr lang="en-US" altLang="ko-KR"/>
+          </a:p>
+          <a:p>
+            <a:r>
+              <a:rPr lang="ko-KR" altLang="en-US"/>
+              <a:t>선택된 </a:t>
+            </a:r>
+            <a:r>
+              <a:rPr lang="en-US" altLang="ko-KR"/>
+              <a:t>View</a:t>
+            </a:r>
+            <a:r>
+              <a:rPr lang="ko-KR" altLang="en-US"/>
+              <a:t>가 세 가지 방법으로 업데이트가 되어 사용자에게 웹 페이지가 보여지게 됩니다</a:t>
+            </a:r>
+            <a:r>
+              <a:rPr lang="en-US" altLang="ko-KR"/>
+              <a:t>.</a:t>
+            </a:r>
+          </a:p>
+          <a:p>
+            <a:endParaRPr lang="en-US" altLang="ko-KR"/>
+          </a:p>
+          <a:p>
+            <a:r>
+              <a:rPr lang="ko-KR" altLang="en-US"/>
+              <a:t>이 패턴의 장점은 널리 사용되고 있는 패턴으로 가장 단순하다고 합니다</a:t>
+            </a:r>
+            <a:r>
+              <a:rPr lang="en-US" altLang="ko-KR"/>
+              <a:t>.</a:t>
+            </a:r>
+          </a:p>
+          <a:p>
+            <a:endParaRPr lang="en-US" altLang="ko-KR"/>
+          </a:p>
+          <a:p>
+            <a:r>
+              <a:rPr lang="ko-KR" altLang="en-US"/>
+              <a:t>하지만</a:t>
+            </a:r>
+            <a:r>
+              <a:rPr lang="en-US" altLang="ko-KR"/>
+              <a:t> View</a:t>
+            </a:r>
+            <a:r>
+              <a:rPr lang="ko-KR" altLang="en-US"/>
+              <a:t>를 업데이트 하기 위해서는 아까 말씀드렸다 시피 모두 </a:t>
+            </a:r>
+            <a:r>
+              <a:rPr lang="en-US" altLang="ko-KR"/>
+              <a:t>View</a:t>
+            </a:r>
+            <a:r>
+              <a:rPr lang="ko-KR" altLang="en-US"/>
+              <a:t>와 </a:t>
+            </a:r>
+            <a:r>
+              <a:rPr lang="en-US" altLang="ko-KR"/>
+              <a:t>Model </a:t>
+            </a:r>
+            <a:r>
+              <a:rPr lang="ko-KR" altLang="en-US"/>
+              <a:t>사이의 의존성이 생기게됩니다</a:t>
+            </a:r>
+            <a:r>
+              <a:rPr lang="en-US" altLang="ko-KR"/>
+              <a:t>.</a:t>
+            </a:r>
+          </a:p>
+          <a:p>
+            <a:endParaRPr lang="en-US" altLang="ko-KR"/>
+          </a:p>
+          <a:p>
+            <a:r>
+              <a:rPr lang="ko-KR" altLang="en-US"/>
+              <a:t>의존성은 어플리케이션이 커질수록 복잡해지고 유지보수가 어렵게 됩니다</a:t>
+            </a:r>
+            <a:r>
+              <a:rPr lang="en-US" altLang="ko-KR"/>
+              <a:t>.</a:t>
+            </a:r>
+          </a:p>
+        </p:txBody>
+      </p:sp>
+      <p:sp>
+        <p:nvSpPr>
+          <p:cNvPr id="4" name="슬라이드 번호 개체 틀 3"/>
+          <p:cNvSpPr>
+            <a:spLocks noGrp="1"/>
+          </p:cNvSpPr>
+          <p:nvPr>
+            <p:ph type="sldNum" sz="quarter" idx="5"/>
+          </p:nvPr>
+        </p:nvSpPr>
+        <p:spPr/>
+        <p:txBody>
+          <a:bodyPr/>
+          <a:lstStyle/>
+          <a:p>
+            <a:fld id="{D77D3CDB-C11F-4B3C-8011-4CB70A9F6877}" type="slidenum">
+              <a:rPr lang="ko-KR" altLang="en-US" smtClean="0"/>
+              <a:t>9</a:t>
+            </a:fld>
+            <a:endParaRPr lang="ko-KR" altLang="en-US"/>
+          </a:p>
+        </p:txBody>
+      </p:sp>
+    </p:spTree>
+    <p:extLst>
+      <p:ext uri="{BB962C8B-B14F-4D97-AF65-F5344CB8AC3E}">
+        <p14:creationId xmlns:p14="http://schemas.microsoft.com/office/powerpoint/2010/main" val="3887848769"/>
       </p:ext>
     </p:extLst>
   </p:cSld>
@@ -5012,6 +6137,432 @@
 </p:sld>
 </file>
 
+<file path=ppt/slides/slide10.xml><?xml version="1.0" encoding="utf-8"?>
+<p:sld xmlns:a="http://schemas.openxmlformats.org/drawingml/2006/main" xmlns:r="http://schemas.openxmlformats.org/officeDocument/2006/relationships" xmlns:p="http://schemas.openxmlformats.org/presentationml/2006/main">
+  <p:cSld>
+    <p:spTree>
+      <p:nvGrpSpPr>
+        <p:cNvPr id="1" name=""/>
+        <p:cNvGrpSpPr/>
+        <p:nvPr/>
+      </p:nvGrpSpPr>
+      <p:grpSpPr>
+        <a:xfrm>
+          <a:off x="0" y="0"/>
+          <a:ext cx="0" cy="0"/>
+          <a:chOff x="0" y="0"/>
+          <a:chExt cx="0" cy="0"/>
+        </a:xfrm>
+      </p:grpSpPr>
+      <p:grpSp>
+        <p:nvGrpSpPr>
+          <p:cNvPr id="6" name="그룹 5">
+            <a:extLst>
+              <a:ext uri="{FF2B5EF4-FFF2-40B4-BE49-F238E27FC236}">
+                <a16:creationId xmlns:a16="http://schemas.microsoft.com/office/drawing/2014/main" id="{CA7BD838-D4FB-4EA7-B68C-FA7B6D147BA2}"/>
+              </a:ext>
+            </a:extLst>
+          </p:cNvPr>
+          <p:cNvGrpSpPr/>
+          <p:nvPr/>
+        </p:nvGrpSpPr>
+        <p:grpSpPr>
+          <a:xfrm>
+            <a:off x="159192" y="182880"/>
+            <a:ext cx="1852488" cy="854227"/>
+            <a:chOff x="640080" y="-971550"/>
+            <a:chExt cx="1660746" cy="765810"/>
+          </a:xfrm>
+        </p:grpSpPr>
+        <p:sp>
+          <p:nvSpPr>
+            <p:cNvPr id="18" name="TextBox 17">
+              <a:extLst>
+                <a:ext uri="{FF2B5EF4-FFF2-40B4-BE49-F238E27FC236}">
+                  <a16:creationId xmlns:a16="http://schemas.microsoft.com/office/drawing/2014/main" id="{D7B7EE40-BAD9-4569-9BF6-F6E9ACA78A3C}"/>
+                </a:ext>
+              </a:extLst>
+            </p:cNvPr>
+            <p:cNvSpPr txBox="1"/>
+            <p:nvPr/>
+          </p:nvSpPr>
+          <p:spPr>
+            <a:xfrm>
+              <a:off x="675005" y="-733504"/>
+              <a:ext cx="1590896" cy="289716"/>
+            </a:xfrm>
+            <a:prstGeom prst="rect">
+              <a:avLst/>
+            </a:prstGeom>
+            <a:noFill/>
+          </p:spPr>
+          <p:txBody>
+            <a:bodyPr wrap="square" rtlCol="0">
+              <a:spAutoFit/>
+            </a:bodyPr>
+            <a:lstStyle/>
+            <a:p>
+              <a:pPr algn="ctr"/>
+              <a:r>
+                <a:rPr lang="en-US" altLang="ko-KR" sz="1500">
+                  <a:ln>
+                    <a:solidFill>
+                      <a:schemeClr val="tx1">
+                        <a:alpha val="30000"/>
+                      </a:schemeClr>
+                    </a:solidFill>
+                  </a:ln>
+                  <a:latin typeface="맑은 고딕" panose="020B0503020000020004" pitchFamily="50" charset="-127"/>
+                  <a:ea typeface="맑은 고딕" panose="020B0503020000020004" pitchFamily="50" charset="-127"/>
+                </a:rPr>
+                <a:t>MVP</a:t>
+              </a:r>
+              <a:endParaRPr lang="ko-KR" altLang="en-US" sz="1500" dirty="0">
+                <a:ln>
+                  <a:solidFill>
+                    <a:schemeClr val="tx1">
+                      <a:alpha val="30000"/>
+                    </a:schemeClr>
+                  </a:solidFill>
+                </a:ln>
+                <a:latin typeface="맑은 고딕" panose="020B0503020000020004" pitchFamily="50" charset="-127"/>
+                <a:ea typeface="맑은 고딕" panose="020B0503020000020004" pitchFamily="50" charset="-127"/>
+              </a:endParaRPr>
+            </a:p>
+          </p:txBody>
+        </p:sp>
+        <p:sp>
+          <p:nvSpPr>
+            <p:cNvPr id="5" name="직사각형 4">
+              <a:extLst>
+                <a:ext uri="{FF2B5EF4-FFF2-40B4-BE49-F238E27FC236}">
+                  <a16:creationId xmlns:a16="http://schemas.microsoft.com/office/drawing/2014/main" id="{AB4C8245-D0E4-4D79-B3E9-2FB89CE6FE84}"/>
+                </a:ext>
+              </a:extLst>
+            </p:cNvPr>
+            <p:cNvSpPr/>
+            <p:nvPr/>
+          </p:nvSpPr>
+          <p:spPr>
+            <a:xfrm>
+              <a:off x="640080" y="-971550"/>
+              <a:ext cx="1660746" cy="765810"/>
+            </a:xfrm>
+            <a:prstGeom prst="rect">
+              <a:avLst/>
+            </a:prstGeom>
+            <a:noFill/>
+            <a:ln w="25400">
+              <a:solidFill>
+                <a:schemeClr val="tx1"/>
+              </a:solidFill>
+            </a:ln>
+          </p:spPr>
+          <p:style>
+            <a:lnRef idx="2">
+              <a:schemeClr val="accent1">
+                <a:shade val="50000"/>
+              </a:schemeClr>
+            </a:lnRef>
+            <a:fillRef idx="1">
+              <a:schemeClr val="accent1"/>
+            </a:fillRef>
+            <a:effectRef idx="0">
+              <a:schemeClr val="accent1"/>
+            </a:effectRef>
+            <a:fontRef idx="minor">
+              <a:schemeClr val="lt1"/>
+            </a:fontRef>
+          </p:style>
+          <p:txBody>
+            <a:bodyPr rtlCol="0" anchor="ctr"/>
+            <a:lstStyle/>
+            <a:p>
+              <a:pPr algn="ctr"/>
+              <a:endParaRPr lang="ko-KR" altLang="en-US" dirty="0">
+                <a:latin typeface="맑은 고딕" panose="020B0503020000020004" pitchFamily="50" charset="-127"/>
+                <a:ea typeface="맑은 고딕" panose="020B0503020000020004" pitchFamily="50" charset="-127"/>
+              </a:endParaRPr>
+            </a:p>
+          </p:txBody>
+        </p:sp>
+      </p:grpSp>
+      <p:pic>
+        <p:nvPicPr>
+          <p:cNvPr id="4098" name="Picture 2" descr="MVP">
+            <a:extLst>
+              <a:ext uri="{FF2B5EF4-FFF2-40B4-BE49-F238E27FC236}">
+                <a16:creationId xmlns:a16="http://schemas.microsoft.com/office/drawing/2014/main" id="{E0AAF0C1-57C7-42E2-9957-E9567E092440}"/>
+              </a:ext>
+            </a:extLst>
+          </p:cNvPr>
+          <p:cNvPicPr>
+            <a:picLocks noChangeAspect="1" noChangeArrowheads="1"/>
+          </p:cNvPicPr>
+          <p:nvPr/>
+        </p:nvPicPr>
+        <p:blipFill>
+          <a:blip r:embed="rId3">
+            <a:extLst>
+              <a:ext uri="{28A0092B-C50C-407E-A947-70E740481C1C}">
+                <a14:useLocalDpi xmlns:a14="http://schemas.microsoft.com/office/drawing/2010/main" val="0"/>
+              </a:ext>
+            </a:extLst>
+          </a:blip>
+          <a:srcRect/>
+          <a:stretch>
+            <a:fillRect/>
+          </a:stretch>
+        </p:blipFill>
+        <p:spPr bwMode="auto">
+          <a:xfrm>
+            <a:off x="2414588" y="700088"/>
+            <a:ext cx="7362825" cy="5457825"/>
+          </a:xfrm>
+          <a:prstGeom prst="rect">
+            <a:avLst/>
+          </a:prstGeom>
+          <a:noFill/>
+          <a:extLst>
+            <a:ext uri="{909E8E84-426E-40DD-AFC4-6F175D3DCCD1}">
+              <a14:hiddenFill xmlns:a14="http://schemas.microsoft.com/office/drawing/2010/main">
+                <a:solidFill>
+                  <a:srgbClr val="FFFFFF"/>
+                </a:solidFill>
+              </a14:hiddenFill>
+            </a:ext>
+          </a:extLst>
+        </p:spPr>
+      </p:pic>
+    </p:spTree>
+    <p:extLst>
+      <p:ext uri="{BB962C8B-B14F-4D97-AF65-F5344CB8AC3E}">
+        <p14:creationId xmlns:p14="http://schemas.microsoft.com/office/powerpoint/2010/main" val="2137359879"/>
+      </p:ext>
+    </p:extLst>
+  </p:cSld>
+  <p:clrMapOvr>
+    <a:masterClrMapping/>
+  </p:clrMapOvr>
+</p:sld>
+</file>
+
+<file path=ppt/slides/slide11.xml><?xml version="1.0" encoding="utf-8"?>
+<p:sld xmlns:a="http://schemas.openxmlformats.org/drawingml/2006/main" xmlns:r="http://schemas.openxmlformats.org/officeDocument/2006/relationships" xmlns:p="http://schemas.openxmlformats.org/presentationml/2006/main">
+  <p:cSld>
+    <p:spTree>
+      <p:nvGrpSpPr>
+        <p:cNvPr id="1" name=""/>
+        <p:cNvGrpSpPr/>
+        <p:nvPr/>
+      </p:nvGrpSpPr>
+      <p:grpSpPr>
+        <a:xfrm>
+          <a:off x="0" y="0"/>
+          <a:ext cx="0" cy="0"/>
+          <a:chOff x="0" y="0"/>
+          <a:chExt cx="0" cy="0"/>
+        </a:xfrm>
+      </p:grpSpPr>
+      <p:pic>
+        <p:nvPicPr>
+          <p:cNvPr id="8" name="그림 7">
+            <a:extLst>
+              <a:ext uri="{FF2B5EF4-FFF2-40B4-BE49-F238E27FC236}">
+                <a16:creationId xmlns:a16="http://schemas.microsoft.com/office/drawing/2014/main" id="{C2EA47E2-A6CE-494D-BC7B-25F35DFDD49F}"/>
+              </a:ext>
+            </a:extLst>
+          </p:cNvPr>
+          <p:cNvPicPr>
+            <a:picLocks noChangeAspect="1"/>
+          </p:cNvPicPr>
+          <p:nvPr/>
+        </p:nvPicPr>
+        <p:blipFill>
+          <a:blip r:embed="rId3">
+            <a:extLst>
+              <a:ext uri="{28A0092B-C50C-407E-A947-70E740481C1C}">
+                <a14:useLocalDpi xmlns:a14="http://schemas.microsoft.com/office/drawing/2010/main" val="0"/>
+              </a:ext>
+            </a:extLst>
+          </a:blip>
+          <a:stretch>
+            <a:fillRect/>
+          </a:stretch>
+        </p:blipFill>
+        <p:spPr>
+          <a:xfrm>
+            <a:off x="0" y="0"/>
+            <a:ext cx="12192000" cy="6858000"/>
+          </a:xfrm>
+          <a:prstGeom prst="rect">
+            <a:avLst/>
+          </a:prstGeom>
+        </p:spPr>
+      </p:pic>
+      <p:sp>
+        <p:nvSpPr>
+          <p:cNvPr id="2" name="TextBox 1">
+            <a:extLst>
+              <a:ext uri="{FF2B5EF4-FFF2-40B4-BE49-F238E27FC236}">
+                <a16:creationId xmlns:a16="http://schemas.microsoft.com/office/drawing/2014/main" id="{8C8FCD74-879C-42EB-8E54-8521F532144E}"/>
+              </a:ext>
+            </a:extLst>
+          </p:cNvPr>
+          <p:cNvSpPr txBox="1"/>
+          <p:nvPr/>
+        </p:nvSpPr>
+        <p:spPr>
+          <a:xfrm>
+            <a:off x="5384106" y="3044279"/>
+            <a:ext cx="1319592" cy="769441"/>
+          </a:xfrm>
+          <a:prstGeom prst="rect">
+            <a:avLst/>
+          </a:prstGeom>
+          <a:noFill/>
+        </p:spPr>
+        <p:txBody>
+          <a:bodyPr wrap="none" rtlCol="0">
+            <a:spAutoFit/>
+          </a:bodyPr>
+          <a:lstStyle/>
+          <a:p>
+            <a:r>
+              <a:rPr lang="en-US" altLang="ko-KR" sz="4400" dirty="0" err="1">
+                <a:latin typeface="맑은 고딕" panose="020B0503020000020004" pitchFamily="50" charset="-127"/>
+                <a:ea typeface="맑은 고딕" panose="020B0503020000020004" pitchFamily="50" charset="-127"/>
+              </a:rPr>
+              <a:t>QnA</a:t>
+            </a:r>
+            <a:endParaRPr lang="ko-KR" altLang="en-US" sz="4400" dirty="0">
+              <a:latin typeface="맑은 고딕" panose="020B0503020000020004" pitchFamily="50" charset="-127"/>
+              <a:ea typeface="맑은 고딕" panose="020B0503020000020004" pitchFamily="50" charset="-127"/>
+            </a:endParaRPr>
+          </a:p>
+        </p:txBody>
+      </p:sp>
+    </p:spTree>
+    <p:extLst>
+      <p:ext uri="{BB962C8B-B14F-4D97-AF65-F5344CB8AC3E}">
+        <p14:creationId xmlns:p14="http://schemas.microsoft.com/office/powerpoint/2010/main" val="1947517016"/>
+      </p:ext>
+    </p:extLst>
+  </p:cSld>
+  <p:clrMapOvr>
+    <a:masterClrMapping/>
+  </p:clrMapOvr>
+</p:sld>
+</file>
+
+<file path=ppt/slides/slide12.xml><?xml version="1.0" encoding="utf-8"?>
+<p:sld xmlns:a="http://schemas.openxmlformats.org/drawingml/2006/main" xmlns:r="http://schemas.openxmlformats.org/officeDocument/2006/relationships" xmlns:p="http://schemas.openxmlformats.org/presentationml/2006/main">
+  <p:cSld>
+    <p:spTree>
+      <p:nvGrpSpPr>
+        <p:cNvPr id="1" name=""/>
+        <p:cNvGrpSpPr/>
+        <p:nvPr/>
+      </p:nvGrpSpPr>
+      <p:grpSpPr>
+        <a:xfrm>
+          <a:off x="0" y="0"/>
+          <a:ext cx="0" cy="0"/>
+          <a:chOff x="0" y="0"/>
+          <a:chExt cx="0" cy="0"/>
+        </a:xfrm>
+      </p:grpSpPr>
+      <p:pic>
+        <p:nvPicPr>
+          <p:cNvPr id="8" name="그림 7">
+            <a:extLst>
+              <a:ext uri="{FF2B5EF4-FFF2-40B4-BE49-F238E27FC236}">
+                <a16:creationId xmlns:a16="http://schemas.microsoft.com/office/drawing/2014/main" id="{C2EA47E2-A6CE-494D-BC7B-25F35DFDD49F}"/>
+              </a:ext>
+            </a:extLst>
+          </p:cNvPr>
+          <p:cNvPicPr>
+            <a:picLocks noChangeAspect="1"/>
+          </p:cNvPicPr>
+          <p:nvPr/>
+        </p:nvPicPr>
+        <p:blipFill>
+          <a:blip r:embed="rId2">
+            <a:extLst>
+              <a:ext uri="{28A0092B-C50C-407E-A947-70E740481C1C}">
+                <a14:useLocalDpi xmlns:a14="http://schemas.microsoft.com/office/drawing/2010/main" val="0"/>
+              </a:ext>
+            </a:extLst>
+          </a:blip>
+          <a:stretch>
+            <a:fillRect/>
+          </a:stretch>
+        </p:blipFill>
+        <p:spPr>
+          <a:xfrm>
+            <a:off x="0" y="0"/>
+            <a:ext cx="12192000" cy="6858000"/>
+          </a:xfrm>
+          <a:prstGeom prst="rect">
+            <a:avLst/>
+          </a:prstGeom>
+        </p:spPr>
+      </p:pic>
+      <p:sp>
+        <p:nvSpPr>
+          <p:cNvPr id="2" name="TextBox 1">
+            <a:extLst>
+              <a:ext uri="{FF2B5EF4-FFF2-40B4-BE49-F238E27FC236}">
+                <a16:creationId xmlns:a16="http://schemas.microsoft.com/office/drawing/2014/main" id="{8C8FCD74-879C-42EB-8E54-8521F532144E}"/>
+              </a:ext>
+            </a:extLst>
+          </p:cNvPr>
+          <p:cNvSpPr txBox="1"/>
+          <p:nvPr/>
+        </p:nvSpPr>
+        <p:spPr>
+          <a:xfrm>
+            <a:off x="4403870" y="3044279"/>
+            <a:ext cx="3055837" cy="769441"/>
+          </a:xfrm>
+          <a:prstGeom prst="rect">
+            <a:avLst/>
+          </a:prstGeom>
+          <a:noFill/>
+        </p:spPr>
+        <p:txBody>
+          <a:bodyPr wrap="none" rtlCol="0">
+            <a:spAutoFit/>
+          </a:bodyPr>
+          <a:lstStyle/>
+          <a:p>
+            <a:r>
+              <a:rPr lang="en-US" altLang="ko-KR" sz="4400" dirty="0">
+                <a:latin typeface="맑은 고딕" panose="020B0503020000020004" pitchFamily="50" charset="-127"/>
+                <a:ea typeface="맑은 고딕" panose="020B0503020000020004" pitchFamily="50" charset="-127"/>
+              </a:rPr>
+              <a:t>Thank you </a:t>
+            </a:r>
+            <a:endParaRPr lang="ko-KR" altLang="en-US" sz="4400" dirty="0">
+              <a:latin typeface="맑은 고딕" panose="020B0503020000020004" pitchFamily="50" charset="-127"/>
+              <a:ea typeface="맑은 고딕" panose="020B0503020000020004" pitchFamily="50" charset="-127"/>
+            </a:endParaRPr>
+          </a:p>
+        </p:txBody>
+      </p:sp>
+    </p:spTree>
+    <p:extLst>
+      <p:ext uri="{BB962C8B-B14F-4D97-AF65-F5344CB8AC3E}">
+        <p14:creationId xmlns:p14="http://schemas.microsoft.com/office/powerpoint/2010/main" val="1516793110"/>
+      </p:ext>
+    </p:extLst>
+  </p:cSld>
+  <p:clrMapOvr>
+    <a:masterClrMapping/>
+  </p:clrMapOvr>
+</p:sld>
+</file>
+
 <file path=ppt/slides/slide2.xml><?xml version="1.0" encoding="utf-8"?>
 <p:sld xmlns:a="http://schemas.openxmlformats.org/drawingml/2006/main" xmlns:r="http://schemas.openxmlformats.org/officeDocument/2006/relationships" xmlns:p="http://schemas.openxmlformats.org/presentationml/2006/main">
   <p:cSld>
@@ -5623,6 +7174,216 @@
 </file>
 
 <file path=ppt/slides/slide4.xml><?xml version="1.0" encoding="utf-8"?>
+<p:sld xmlns:a="http://schemas.openxmlformats.org/drawingml/2006/main" xmlns:r="http://schemas.openxmlformats.org/officeDocument/2006/relationships" xmlns:p="http://schemas.openxmlformats.org/presentationml/2006/main">
+  <p:cSld>
+    <p:spTree>
+      <p:nvGrpSpPr>
+        <p:cNvPr id="1" name=""/>
+        <p:cNvGrpSpPr/>
+        <p:nvPr/>
+      </p:nvGrpSpPr>
+      <p:grpSpPr>
+        <a:xfrm>
+          <a:off x="0" y="0"/>
+          <a:ext cx="0" cy="0"/>
+          <a:chOff x="0" y="0"/>
+          <a:chExt cx="0" cy="0"/>
+        </a:xfrm>
+      </p:grpSpPr>
+      <p:grpSp>
+        <p:nvGrpSpPr>
+          <p:cNvPr id="6" name="그룹 5">
+            <a:extLst>
+              <a:ext uri="{FF2B5EF4-FFF2-40B4-BE49-F238E27FC236}">
+                <a16:creationId xmlns:a16="http://schemas.microsoft.com/office/drawing/2014/main" id="{CA7BD838-D4FB-4EA7-B68C-FA7B6D147BA2}"/>
+              </a:ext>
+            </a:extLst>
+          </p:cNvPr>
+          <p:cNvGrpSpPr/>
+          <p:nvPr/>
+        </p:nvGrpSpPr>
+        <p:grpSpPr>
+          <a:xfrm>
+            <a:off x="159192" y="182880"/>
+            <a:ext cx="1852488" cy="854227"/>
+            <a:chOff x="640080" y="-971550"/>
+            <a:chExt cx="1660746" cy="765810"/>
+          </a:xfrm>
+        </p:grpSpPr>
+        <p:sp>
+          <p:nvSpPr>
+            <p:cNvPr id="18" name="TextBox 17">
+              <a:extLst>
+                <a:ext uri="{FF2B5EF4-FFF2-40B4-BE49-F238E27FC236}">
+                  <a16:creationId xmlns:a16="http://schemas.microsoft.com/office/drawing/2014/main" id="{D7B7EE40-BAD9-4569-9BF6-F6E9ACA78A3C}"/>
+                </a:ext>
+              </a:extLst>
+            </p:cNvPr>
+            <p:cNvSpPr txBox="1"/>
+            <p:nvPr/>
+          </p:nvSpPr>
+          <p:spPr>
+            <a:xfrm>
+              <a:off x="675005" y="-733504"/>
+              <a:ext cx="1590896" cy="289716"/>
+            </a:xfrm>
+            <a:prstGeom prst="rect">
+              <a:avLst/>
+            </a:prstGeom>
+            <a:noFill/>
+          </p:spPr>
+          <p:txBody>
+            <a:bodyPr wrap="square" rtlCol="0">
+              <a:spAutoFit/>
+            </a:bodyPr>
+            <a:lstStyle/>
+            <a:p>
+              <a:pPr algn="ctr"/>
+              <a:r>
+                <a:rPr lang="ko-KR" altLang="en-US" sz="1500">
+                  <a:ln>
+                    <a:solidFill>
+                      <a:schemeClr val="tx1">
+                        <a:alpha val="30000"/>
+                      </a:schemeClr>
+                    </a:solidFill>
+                  </a:ln>
+                  <a:latin typeface="맑은 고딕" panose="020B0503020000020004" pitchFamily="50" charset="-127"/>
+                  <a:ea typeface="맑은 고딕" panose="020B0503020000020004" pitchFamily="50" charset="-127"/>
+                </a:rPr>
+                <a:t>디자인 패턴이란</a:t>
+              </a:r>
+              <a:endParaRPr lang="ko-KR" altLang="en-US" sz="1500" dirty="0">
+                <a:ln>
+                  <a:solidFill>
+                    <a:schemeClr val="tx1">
+                      <a:alpha val="30000"/>
+                    </a:schemeClr>
+                  </a:solidFill>
+                </a:ln>
+                <a:latin typeface="맑은 고딕" panose="020B0503020000020004" pitchFamily="50" charset="-127"/>
+                <a:ea typeface="맑은 고딕" panose="020B0503020000020004" pitchFamily="50" charset="-127"/>
+              </a:endParaRPr>
+            </a:p>
+          </p:txBody>
+        </p:sp>
+        <p:sp>
+          <p:nvSpPr>
+            <p:cNvPr id="5" name="직사각형 4">
+              <a:extLst>
+                <a:ext uri="{FF2B5EF4-FFF2-40B4-BE49-F238E27FC236}">
+                  <a16:creationId xmlns:a16="http://schemas.microsoft.com/office/drawing/2014/main" id="{AB4C8245-D0E4-4D79-B3E9-2FB89CE6FE84}"/>
+                </a:ext>
+              </a:extLst>
+            </p:cNvPr>
+            <p:cNvSpPr/>
+            <p:nvPr/>
+          </p:nvSpPr>
+          <p:spPr>
+            <a:xfrm>
+              <a:off x="640080" y="-971550"/>
+              <a:ext cx="1660746" cy="765810"/>
+            </a:xfrm>
+            <a:prstGeom prst="rect">
+              <a:avLst/>
+            </a:prstGeom>
+            <a:noFill/>
+            <a:ln w="25400">
+              <a:solidFill>
+                <a:schemeClr val="tx1"/>
+              </a:solidFill>
+            </a:ln>
+          </p:spPr>
+          <p:style>
+            <a:lnRef idx="2">
+              <a:schemeClr val="accent1">
+                <a:shade val="50000"/>
+              </a:schemeClr>
+            </a:lnRef>
+            <a:fillRef idx="1">
+              <a:schemeClr val="accent1"/>
+            </a:fillRef>
+            <a:effectRef idx="0">
+              <a:schemeClr val="accent1"/>
+            </a:effectRef>
+            <a:fontRef idx="minor">
+              <a:schemeClr val="lt1"/>
+            </a:fontRef>
+          </p:style>
+          <p:txBody>
+            <a:bodyPr rtlCol="0" anchor="ctr"/>
+            <a:lstStyle/>
+            <a:p>
+              <a:pPr algn="ctr"/>
+              <a:endParaRPr lang="ko-KR" altLang="en-US" dirty="0">
+                <a:latin typeface="맑은 고딕" panose="020B0503020000020004" pitchFamily="50" charset="-127"/>
+                <a:ea typeface="맑은 고딕" panose="020B0503020000020004" pitchFamily="50" charset="-127"/>
+              </a:endParaRPr>
+            </a:p>
+          </p:txBody>
+        </p:sp>
+      </p:grpSp>
+      <p:pic>
+        <p:nvPicPr>
+          <p:cNvPr id="2050" name="Picture 2">
+            <a:extLst>
+              <a:ext uri="{FF2B5EF4-FFF2-40B4-BE49-F238E27FC236}">
+                <a16:creationId xmlns:a16="http://schemas.microsoft.com/office/drawing/2014/main" id="{2EB81D60-7129-45C3-A937-5CFAF367E707}"/>
+              </a:ext>
+            </a:extLst>
+          </p:cNvPr>
+          <p:cNvPicPr>
+            <a:picLocks noChangeAspect="1" noChangeArrowheads="1"/>
+          </p:cNvPicPr>
+          <p:nvPr/>
+        </p:nvPicPr>
+        <p:blipFill>
+          <a:blip r:embed="rId3">
+            <a:extLst>
+              <a:ext uri="{28A0092B-C50C-407E-A947-70E740481C1C}">
+                <a14:useLocalDpi xmlns:a14="http://schemas.microsoft.com/office/drawing/2010/main" val="0"/>
+              </a:ext>
+            </a:extLst>
+          </a:blip>
+          <a:srcRect/>
+          <a:stretch>
+            <a:fillRect/>
+          </a:stretch>
+        </p:blipFill>
+        <p:spPr bwMode="auto">
+          <a:xfrm>
+            <a:off x="2146547" y="803775"/>
+            <a:ext cx="7898906" cy="5250449"/>
+          </a:xfrm>
+          <a:prstGeom prst="rect">
+            <a:avLst/>
+          </a:prstGeom>
+          <a:noFill/>
+          <a:extLst>
+            <a:ext uri="{909E8E84-426E-40DD-AFC4-6F175D3DCCD1}">
+              <a14:hiddenFill xmlns:a14="http://schemas.microsoft.com/office/drawing/2010/main">
+                <a:solidFill>
+                  <a:srgbClr val="FFFFFF"/>
+                </a:solidFill>
+              </a14:hiddenFill>
+            </a:ext>
+          </a:extLst>
+        </p:spPr>
+      </p:pic>
+    </p:spTree>
+    <p:extLst>
+      <p:ext uri="{BB962C8B-B14F-4D97-AF65-F5344CB8AC3E}">
+        <p14:creationId xmlns:p14="http://schemas.microsoft.com/office/powerpoint/2010/main" val="3356881446"/>
+      </p:ext>
+    </p:extLst>
+  </p:cSld>
+  <p:clrMapOvr>
+    <a:masterClrMapping/>
+  </p:clrMapOvr>
+</p:sld>
+</file>
+
+<file path=ppt/slides/slide5.xml><?xml version="1.0" encoding="utf-8"?>
 <p:sld xmlns:a="http://schemas.openxmlformats.org/drawingml/2006/main" xmlns:r="http://schemas.openxmlformats.org/officeDocument/2006/relationships" xmlns:p="http://schemas.openxmlformats.org/presentationml/2006/main">
   <p:cSld>
     <p:spTree>
@@ -6455,7 +8216,7 @@
 </p:sld>
 </file>
 
-<file path=ppt/slides/slide5.xml><?xml version="1.0" encoding="utf-8"?>
+<file path=ppt/slides/slide6.xml><?xml version="1.0" encoding="utf-8"?>
 <p:sld xmlns:a="http://schemas.openxmlformats.org/drawingml/2006/main" xmlns:r="http://schemas.openxmlformats.org/officeDocument/2006/relationships" xmlns:p="http://schemas.openxmlformats.org/presentationml/2006/main">
   <p:cSld>
     <p:spTree>
@@ -6665,114 +8426,6 @@
 </p:sld>
 </file>
 
-<file path=ppt/slides/slide6.xml><?xml version="1.0" encoding="utf-8"?>
-<p:sld xmlns:a="http://schemas.openxmlformats.org/drawingml/2006/main" xmlns:r="http://schemas.openxmlformats.org/officeDocument/2006/relationships" xmlns:p="http://schemas.openxmlformats.org/presentationml/2006/main">
-  <p:cSld>
-    <p:spTree>
-      <p:nvGrpSpPr>
-        <p:cNvPr id="1" name=""/>
-        <p:cNvGrpSpPr/>
-        <p:nvPr/>
-      </p:nvGrpSpPr>
-      <p:grpSpPr>
-        <a:xfrm>
-          <a:off x="0" y="0"/>
-          <a:ext cx="0" cy="0"/>
-          <a:chOff x="0" y="0"/>
-          <a:chExt cx="0" cy="0"/>
-        </a:xfrm>
-      </p:grpSpPr>
-      <p:pic>
-        <p:nvPicPr>
-          <p:cNvPr id="8" name="그림 7">
-            <a:extLst>
-              <a:ext uri="{FF2B5EF4-FFF2-40B4-BE49-F238E27FC236}">
-                <a16:creationId xmlns:a16="http://schemas.microsoft.com/office/drawing/2014/main" id="{C2EA47E2-A6CE-494D-BC7B-25F35DFDD49F}"/>
-              </a:ext>
-            </a:extLst>
-          </p:cNvPr>
-          <p:cNvPicPr>
-            <a:picLocks noChangeAspect="1"/>
-          </p:cNvPicPr>
-          <p:nvPr/>
-        </p:nvPicPr>
-        <p:blipFill>
-          <a:blip r:embed="rId3">
-            <a:extLst>
-              <a:ext uri="{28A0092B-C50C-407E-A947-70E740481C1C}">
-                <a14:useLocalDpi xmlns:a14="http://schemas.microsoft.com/office/drawing/2010/main" val="0"/>
-              </a:ext>
-            </a:extLst>
-          </a:blip>
-          <a:stretch>
-            <a:fillRect/>
-          </a:stretch>
-        </p:blipFill>
-        <p:spPr>
-          <a:xfrm>
-            <a:off x="0" y="0"/>
-            <a:ext cx="12192000" cy="6858000"/>
-          </a:xfrm>
-          <a:prstGeom prst="rect">
-            <a:avLst/>
-          </a:prstGeom>
-        </p:spPr>
-      </p:pic>
-      <p:sp>
-        <p:nvSpPr>
-          <p:cNvPr id="2" name="TextBox 1">
-            <a:extLst>
-              <a:ext uri="{FF2B5EF4-FFF2-40B4-BE49-F238E27FC236}">
-                <a16:creationId xmlns:a16="http://schemas.microsoft.com/office/drawing/2014/main" id="{8C8FCD74-879C-42EB-8E54-8521F532144E}"/>
-              </a:ext>
-            </a:extLst>
-          </p:cNvPr>
-          <p:cNvSpPr txBox="1"/>
-          <p:nvPr/>
-        </p:nvSpPr>
-        <p:spPr>
-          <a:xfrm>
-            <a:off x="5384106" y="3044279"/>
-            <a:ext cx="1319592" cy="769441"/>
-          </a:xfrm>
-          <a:prstGeom prst="rect">
-            <a:avLst/>
-          </a:prstGeom>
-          <a:noFill/>
-        </p:spPr>
-        <p:txBody>
-          <a:bodyPr wrap="none" rtlCol="0">
-            <a:spAutoFit/>
-          </a:bodyPr>
-          <a:lstStyle/>
-          <a:p>
-            <a:r>
-              <a:rPr lang="en-US" altLang="ko-KR" sz="4400" dirty="0" err="1">
-                <a:latin typeface="맑은 고딕" panose="020B0503020000020004" pitchFamily="50" charset="-127"/>
-                <a:ea typeface="맑은 고딕" panose="020B0503020000020004" pitchFamily="50" charset="-127"/>
-              </a:rPr>
-              <a:t>QnA</a:t>
-            </a:r>
-            <a:endParaRPr lang="ko-KR" altLang="en-US" sz="4400" dirty="0">
-              <a:latin typeface="맑은 고딕" panose="020B0503020000020004" pitchFamily="50" charset="-127"/>
-              <a:ea typeface="맑은 고딕" panose="020B0503020000020004" pitchFamily="50" charset="-127"/>
-            </a:endParaRPr>
-          </a:p>
-        </p:txBody>
-      </p:sp>
-    </p:spTree>
-    <p:extLst>
-      <p:ext uri="{BB962C8B-B14F-4D97-AF65-F5344CB8AC3E}">
-        <p14:creationId xmlns:p14="http://schemas.microsoft.com/office/powerpoint/2010/main" val="1947517016"/>
-      </p:ext>
-    </p:extLst>
-  </p:cSld>
-  <p:clrMapOvr>
-    <a:masterClrMapping/>
-  </p:clrMapOvr>
-</p:sld>
-</file>
-
 <file path=ppt/slides/slide7.xml><?xml version="1.0" encoding="utf-8"?>
 <p:sld xmlns:a="http://schemas.openxmlformats.org/drawingml/2006/main" xmlns:r="http://schemas.openxmlformats.org/officeDocument/2006/relationships" xmlns:p="http://schemas.openxmlformats.org/presentationml/2006/main">
   <p:cSld>
@@ -6790,48 +8443,145 @@
           <a:chExt cx="0" cy="0"/>
         </a:xfrm>
       </p:grpSpPr>
-      <p:pic>
-        <p:nvPicPr>
-          <p:cNvPr id="8" name="그림 7">
+      <p:grpSp>
+        <p:nvGrpSpPr>
+          <p:cNvPr id="6" name="그룹 5">
             <a:extLst>
               <a:ext uri="{FF2B5EF4-FFF2-40B4-BE49-F238E27FC236}">
-                <a16:creationId xmlns:a16="http://schemas.microsoft.com/office/drawing/2014/main" id="{C2EA47E2-A6CE-494D-BC7B-25F35DFDD49F}"/>
+                <a16:creationId xmlns:a16="http://schemas.microsoft.com/office/drawing/2014/main" id="{CA7BD838-D4FB-4EA7-B68C-FA7B6D147BA2}"/>
               </a:ext>
             </a:extLst>
           </p:cNvPr>
-          <p:cNvPicPr>
-            <a:picLocks noChangeAspect="1"/>
-          </p:cNvPicPr>
+          <p:cNvGrpSpPr/>
           <p:nvPr/>
-        </p:nvPicPr>
-        <p:blipFill>
-          <a:blip r:embed="rId2">
-            <a:extLst>
-              <a:ext uri="{28A0092B-C50C-407E-A947-70E740481C1C}">
-                <a14:useLocalDpi xmlns:a14="http://schemas.microsoft.com/office/drawing/2010/main" val="0"/>
-              </a:ext>
-            </a:extLst>
-          </a:blip>
-          <a:stretch>
-            <a:fillRect/>
-          </a:stretch>
-        </p:blipFill>
-        <p:spPr>
+        </p:nvGrpSpPr>
+        <p:grpSpPr>
           <a:xfrm>
-            <a:off x="0" y="0"/>
-            <a:ext cx="12192000" cy="6858000"/>
+            <a:off x="159192" y="182880"/>
+            <a:ext cx="1852488" cy="854227"/>
+            <a:chOff x="640080" y="-971550"/>
+            <a:chExt cx="1660746" cy="765810"/>
           </a:xfrm>
-          <a:prstGeom prst="rect">
-            <a:avLst/>
-          </a:prstGeom>
-        </p:spPr>
-      </p:pic>
+        </p:grpSpPr>
+        <p:sp>
+          <p:nvSpPr>
+            <p:cNvPr id="18" name="TextBox 17">
+              <a:extLst>
+                <a:ext uri="{FF2B5EF4-FFF2-40B4-BE49-F238E27FC236}">
+                  <a16:creationId xmlns:a16="http://schemas.microsoft.com/office/drawing/2014/main" id="{D7B7EE40-BAD9-4569-9BF6-F6E9ACA78A3C}"/>
+                </a:ext>
+              </a:extLst>
+            </p:cNvPr>
+            <p:cNvSpPr txBox="1"/>
+            <p:nvPr/>
+          </p:nvSpPr>
+          <p:spPr>
+            <a:xfrm>
+              <a:off x="675005" y="-733504"/>
+              <a:ext cx="1590896" cy="289716"/>
+            </a:xfrm>
+            <a:prstGeom prst="rect">
+              <a:avLst/>
+            </a:prstGeom>
+            <a:noFill/>
+          </p:spPr>
+          <p:txBody>
+            <a:bodyPr wrap="square" rtlCol="0">
+              <a:spAutoFit/>
+            </a:bodyPr>
+            <a:lstStyle/>
+            <a:p>
+              <a:pPr algn="ctr"/>
+              <a:r>
+                <a:rPr lang="ko-KR" altLang="en-US" sz="1500">
+                  <a:ln>
+                    <a:solidFill>
+                      <a:schemeClr val="tx1">
+                        <a:alpha val="30000"/>
+                      </a:schemeClr>
+                    </a:solidFill>
+                  </a:ln>
+                  <a:latin typeface="맑은 고딕" panose="020B0503020000020004" pitchFamily="50" charset="-127"/>
+                  <a:ea typeface="맑은 고딕" panose="020B0503020000020004" pitchFamily="50" charset="-127"/>
+                </a:rPr>
+                <a:t>디자인 패턴이란</a:t>
+              </a:r>
+              <a:endParaRPr lang="ko-KR" altLang="en-US" sz="1500" dirty="0">
+                <a:ln>
+                  <a:solidFill>
+                    <a:schemeClr val="tx1">
+                      <a:alpha val="30000"/>
+                    </a:schemeClr>
+                  </a:solidFill>
+                </a:ln>
+                <a:latin typeface="맑은 고딕" panose="020B0503020000020004" pitchFamily="50" charset="-127"/>
+                <a:ea typeface="맑은 고딕" panose="020B0503020000020004" pitchFamily="50" charset="-127"/>
+              </a:endParaRPr>
+            </a:p>
+          </p:txBody>
+        </p:sp>
+        <p:sp>
+          <p:nvSpPr>
+            <p:cNvPr id="5" name="직사각형 4">
+              <a:extLst>
+                <a:ext uri="{FF2B5EF4-FFF2-40B4-BE49-F238E27FC236}">
+                  <a16:creationId xmlns:a16="http://schemas.microsoft.com/office/drawing/2014/main" id="{AB4C8245-D0E4-4D79-B3E9-2FB89CE6FE84}"/>
+                </a:ext>
+              </a:extLst>
+            </p:cNvPr>
+            <p:cNvSpPr/>
+            <p:nvPr/>
+          </p:nvSpPr>
+          <p:spPr>
+            <a:xfrm>
+              <a:off x="640080" y="-971550"/>
+              <a:ext cx="1660746" cy="765810"/>
+            </a:xfrm>
+            <a:prstGeom prst="rect">
+              <a:avLst/>
+            </a:prstGeom>
+            <a:noFill/>
+            <a:ln w="25400">
+              <a:solidFill>
+                <a:schemeClr val="tx1"/>
+              </a:solidFill>
+            </a:ln>
+          </p:spPr>
+          <p:style>
+            <a:lnRef idx="2">
+              <a:schemeClr val="accent1">
+                <a:shade val="50000"/>
+              </a:schemeClr>
+            </a:lnRef>
+            <a:fillRef idx="1">
+              <a:schemeClr val="accent1"/>
+            </a:fillRef>
+            <a:effectRef idx="0">
+              <a:schemeClr val="accent1"/>
+            </a:effectRef>
+            <a:fontRef idx="minor">
+              <a:schemeClr val="lt1"/>
+            </a:fontRef>
+          </p:style>
+          <p:txBody>
+            <a:bodyPr rtlCol="0" anchor="ctr"/>
+            <a:lstStyle/>
+            <a:p>
+              <a:pPr algn="ctr"/>
+              <a:endParaRPr lang="ko-KR" altLang="en-US" dirty="0">
+                <a:latin typeface="맑은 고딕" panose="020B0503020000020004" pitchFamily="50" charset="-127"/>
+                <a:ea typeface="맑은 고딕" panose="020B0503020000020004" pitchFamily="50" charset="-127"/>
+              </a:endParaRPr>
+            </a:p>
+          </p:txBody>
+        </p:sp>
+      </p:grpSp>
       <p:sp>
         <p:nvSpPr>
           <p:cNvPr id="2" name="TextBox 1">
             <a:extLst>
               <a:ext uri="{FF2B5EF4-FFF2-40B4-BE49-F238E27FC236}">
-                <a16:creationId xmlns:a16="http://schemas.microsoft.com/office/drawing/2014/main" id="{8C8FCD74-879C-42EB-8E54-8521F532144E}"/>
+                <a16:creationId xmlns:a16="http://schemas.microsoft.com/office/drawing/2014/main" id="{3B7E4E45-C6F5-4406-8DDD-5EEA7D316CED}"/>
               </a:ext>
             </a:extLst>
           </p:cNvPr>
@@ -6840,8 +8590,8 @@
         </p:nvSpPr>
         <p:spPr>
           <a:xfrm>
-            <a:off x="4403870" y="3044279"/>
-            <a:ext cx="3055837" cy="769441"/>
+            <a:off x="3123282" y="2367171"/>
+            <a:ext cx="5945436" cy="2123658"/>
           </a:xfrm>
           <a:prstGeom prst="rect">
             <a:avLst/>
@@ -6849,29 +8599,685 @@
           <a:noFill/>
         </p:spPr>
         <p:txBody>
+          <a:bodyPr wrap="square" rtlCol="0">
+            <a:spAutoFit/>
+          </a:bodyPr>
+          <a:lstStyle/>
+          <a:p>
+            <a:pPr algn="ctr"/>
+            <a:r>
+              <a:rPr lang="en-US" altLang="ko-KR" sz="6600"/>
+              <a:t>GoF </a:t>
+            </a:r>
+          </a:p>
+          <a:p>
+            <a:pPr algn="ctr"/>
+            <a:r>
+              <a:rPr lang="en-US" altLang="ko-KR" sz="6600"/>
+              <a:t>Design Pattern</a:t>
+            </a:r>
+            <a:endParaRPr lang="ko-KR" altLang="en-US" sz="6600"/>
+          </a:p>
+        </p:txBody>
+      </p:sp>
+    </p:spTree>
+    <p:extLst>
+      <p:ext uri="{BB962C8B-B14F-4D97-AF65-F5344CB8AC3E}">
+        <p14:creationId xmlns:p14="http://schemas.microsoft.com/office/powerpoint/2010/main" val="1200189043"/>
+      </p:ext>
+    </p:extLst>
+  </p:cSld>
+  <p:clrMapOvr>
+    <a:masterClrMapping/>
+  </p:clrMapOvr>
+</p:sld>
+</file>
+
+<file path=ppt/slides/slide8.xml><?xml version="1.0" encoding="utf-8"?>
+<p:sld xmlns:a="http://schemas.openxmlformats.org/drawingml/2006/main" xmlns:r="http://schemas.openxmlformats.org/officeDocument/2006/relationships" xmlns:p="http://schemas.openxmlformats.org/presentationml/2006/main">
+  <p:cSld>
+    <p:spTree>
+      <p:nvGrpSpPr>
+        <p:cNvPr id="1" name=""/>
+        <p:cNvGrpSpPr/>
+        <p:nvPr/>
+      </p:nvGrpSpPr>
+      <p:grpSpPr>
+        <a:xfrm>
+          <a:off x="0" y="0"/>
+          <a:ext cx="0" cy="0"/>
+          <a:chOff x="0" y="0"/>
+          <a:chExt cx="0" cy="0"/>
+        </a:xfrm>
+      </p:grpSpPr>
+      <p:grpSp>
+        <p:nvGrpSpPr>
+          <p:cNvPr id="6" name="그룹 5">
+            <a:extLst>
+              <a:ext uri="{FF2B5EF4-FFF2-40B4-BE49-F238E27FC236}">
+                <a16:creationId xmlns:a16="http://schemas.microsoft.com/office/drawing/2014/main" id="{CA7BD838-D4FB-4EA7-B68C-FA7B6D147BA2}"/>
+              </a:ext>
+            </a:extLst>
+          </p:cNvPr>
+          <p:cNvGrpSpPr/>
+          <p:nvPr/>
+        </p:nvGrpSpPr>
+        <p:grpSpPr>
+          <a:xfrm>
+            <a:off x="159192" y="182880"/>
+            <a:ext cx="1852488" cy="854227"/>
+            <a:chOff x="640080" y="-971550"/>
+            <a:chExt cx="1660746" cy="765810"/>
+          </a:xfrm>
+        </p:grpSpPr>
+        <p:sp>
+          <p:nvSpPr>
+            <p:cNvPr id="18" name="TextBox 17">
+              <a:extLst>
+                <a:ext uri="{FF2B5EF4-FFF2-40B4-BE49-F238E27FC236}">
+                  <a16:creationId xmlns:a16="http://schemas.microsoft.com/office/drawing/2014/main" id="{D7B7EE40-BAD9-4569-9BF6-F6E9ACA78A3C}"/>
+                </a:ext>
+              </a:extLst>
+            </p:cNvPr>
+            <p:cNvSpPr txBox="1"/>
+            <p:nvPr/>
+          </p:nvSpPr>
+          <p:spPr>
+            <a:xfrm>
+              <a:off x="675005" y="-733504"/>
+              <a:ext cx="1590896" cy="289716"/>
+            </a:xfrm>
+            <a:prstGeom prst="rect">
+              <a:avLst/>
+            </a:prstGeom>
+            <a:noFill/>
+          </p:spPr>
+          <p:txBody>
+            <a:bodyPr wrap="square" rtlCol="0">
+              <a:spAutoFit/>
+            </a:bodyPr>
+            <a:lstStyle/>
+            <a:p>
+              <a:pPr algn="ctr"/>
+              <a:r>
+                <a:rPr lang="en-US" altLang="ko-KR" sz="1500">
+                  <a:ln>
+                    <a:solidFill>
+                      <a:schemeClr val="tx1">
+                        <a:alpha val="30000"/>
+                      </a:schemeClr>
+                    </a:solidFill>
+                  </a:ln>
+                  <a:latin typeface="맑은 고딕" panose="020B0503020000020004" pitchFamily="50" charset="-127"/>
+                  <a:ea typeface="맑은 고딕" panose="020B0503020000020004" pitchFamily="50" charset="-127"/>
+                </a:rPr>
+                <a:t>MVC</a:t>
+              </a:r>
+              <a:endParaRPr lang="ko-KR" altLang="en-US" sz="1500" dirty="0">
+                <a:ln>
+                  <a:solidFill>
+                    <a:schemeClr val="tx1">
+                      <a:alpha val="30000"/>
+                    </a:schemeClr>
+                  </a:solidFill>
+                </a:ln>
+                <a:latin typeface="맑은 고딕" panose="020B0503020000020004" pitchFamily="50" charset="-127"/>
+                <a:ea typeface="맑은 고딕" panose="020B0503020000020004" pitchFamily="50" charset="-127"/>
+              </a:endParaRPr>
+            </a:p>
+          </p:txBody>
+        </p:sp>
+        <p:sp>
+          <p:nvSpPr>
+            <p:cNvPr id="5" name="직사각형 4">
+              <a:extLst>
+                <a:ext uri="{FF2B5EF4-FFF2-40B4-BE49-F238E27FC236}">
+                  <a16:creationId xmlns:a16="http://schemas.microsoft.com/office/drawing/2014/main" id="{AB4C8245-D0E4-4D79-B3E9-2FB89CE6FE84}"/>
+                </a:ext>
+              </a:extLst>
+            </p:cNvPr>
+            <p:cNvSpPr/>
+            <p:nvPr/>
+          </p:nvSpPr>
+          <p:spPr>
+            <a:xfrm>
+              <a:off x="640080" y="-971550"/>
+              <a:ext cx="1660746" cy="765810"/>
+            </a:xfrm>
+            <a:prstGeom prst="rect">
+              <a:avLst/>
+            </a:prstGeom>
+            <a:noFill/>
+            <a:ln w="25400">
+              <a:solidFill>
+                <a:schemeClr val="tx1"/>
+              </a:solidFill>
+            </a:ln>
+          </p:spPr>
+          <p:style>
+            <a:lnRef idx="2">
+              <a:schemeClr val="accent1">
+                <a:shade val="50000"/>
+              </a:schemeClr>
+            </a:lnRef>
+            <a:fillRef idx="1">
+              <a:schemeClr val="accent1"/>
+            </a:fillRef>
+            <a:effectRef idx="0">
+              <a:schemeClr val="accent1"/>
+            </a:effectRef>
+            <a:fontRef idx="minor">
+              <a:schemeClr val="lt1"/>
+            </a:fontRef>
+          </p:style>
+          <p:txBody>
+            <a:bodyPr rtlCol="0" anchor="ctr"/>
+            <a:lstStyle/>
+            <a:p>
+              <a:pPr algn="ctr"/>
+              <a:endParaRPr lang="ko-KR" altLang="en-US" dirty="0">
+                <a:latin typeface="맑은 고딕" panose="020B0503020000020004" pitchFamily="50" charset="-127"/>
+                <a:ea typeface="맑은 고딕" panose="020B0503020000020004" pitchFamily="50" charset="-127"/>
+              </a:endParaRPr>
+            </a:p>
+          </p:txBody>
+        </p:sp>
+      </p:grpSp>
+      <p:sp>
+        <p:nvSpPr>
+          <p:cNvPr id="3" name="TextBox 2">
+            <a:extLst>
+              <a:ext uri="{FF2B5EF4-FFF2-40B4-BE49-F238E27FC236}">
+                <a16:creationId xmlns:a16="http://schemas.microsoft.com/office/drawing/2014/main" id="{825458F8-3DF3-43ED-A651-B1AAD2E6B8F6}"/>
+              </a:ext>
+            </a:extLst>
+          </p:cNvPr>
+          <p:cNvSpPr txBox="1"/>
+          <p:nvPr/>
+        </p:nvSpPr>
+        <p:spPr>
+          <a:xfrm>
+            <a:off x="2127794" y="1930400"/>
+            <a:ext cx="2209259" cy="646331"/>
+          </a:xfrm>
+          <a:prstGeom prst="rect">
+            <a:avLst/>
+          </a:prstGeom>
+          <a:noFill/>
+        </p:spPr>
+        <p:txBody>
           <a:bodyPr wrap="none" rtlCol="0">
             <a:spAutoFit/>
           </a:bodyPr>
           <a:lstStyle/>
           <a:p>
-            <a:r>
-              <a:rPr lang="en-US" altLang="ko-KR" sz="4400" dirty="0">
-                <a:latin typeface="맑은 고딕" panose="020B0503020000020004" pitchFamily="50" charset="-127"/>
-                <a:ea typeface="맑은 고딕" panose="020B0503020000020004" pitchFamily="50" charset="-127"/>
-              </a:rPr>
-              <a:t>Thank you </a:t>
-            </a:r>
-            <a:endParaRPr lang="ko-KR" altLang="en-US" sz="4400" dirty="0">
-              <a:latin typeface="맑은 고딕" panose="020B0503020000020004" pitchFamily="50" charset="-127"/>
-              <a:ea typeface="맑은 고딕" panose="020B0503020000020004" pitchFamily="50" charset="-127"/>
-            </a:endParaRPr>
+            <a:pPr algn="ctr"/>
+            <a:r>
+              <a:rPr lang="en-US" altLang="ko-KR" sz="3600"/>
+              <a:t>M: Model</a:t>
+            </a:r>
+            <a:endParaRPr lang="ko-KR" altLang="en-US" sz="3600"/>
+          </a:p>
+        </p:txBody>
+      </p:sp>
+      <p:sp>
+        <p:nvSpPr>
+          <p:cNvPr id="7" name="TextBox 6">
+            <a:extLst>
+              <a:ext uri="{FF2B5EF4-FFF2-40B4-BE49-F238E27FC236}">
+                <a16:creationId xmlns:a16="http://schemas.microsoft.com/office/drawing/2014/main" id="{82E76D40-6319-4A2F-B7C5-52FE12B839FC}"/>
+              </a:ext>
+            </a:extLst>
+          </p:cNvPr>
+          <p:cNvSpPr txBox="1"/>
+          <p:nvPr/>
+        </p:nvSpPr>
+        <p:spPr>
+          <a:xfrm>
+            <a:off x="5228615" y="3105834"/>
+            <a:ext cx="1734770" cy="646331"/>
+          </a:xfrm>
+          <a:prstGeom prst="rect">
+            <a:avLst/>
+          </a:prstGeom>
+          <a:noFill/>
+        </p:spPr>
+        <p:txBody>
+          <a:bodyPr wrap="none" rtlCol="0">
+            <a:spAutoFit/>
+          </a:bodyPr>
+          <a:lstStyle/>
+          <a:p>
+            <a:pPr algn="ctr"/>
+            <a:r>
+              <a:rPr lang="en-US" altLang="ko-KR" sz="3600"/>
+              <a:t>V: View</a:t>
+            </a:r>
+            <a:endParaRPr lang="ko-KR" altLang="en-US" sz="3600"/>
+          </a:p>
+        </p:txBody>
+      </p:sp>
+      <p:sp>
+        <p:nvSpPr>
+          <p:cNvPr id="8" name="TextBox 7">
+            <a:extLst>
+              <a:ext uri="{FF2B5EF4-FFF2-40B4-BE49-F238E27FC236}">
+                <a16:creationId xmlns:a16="http://schemas.microsoft.com/office/drawing/2014/main" id="{6DA82F74-3C7B-4AB7-8D9B-9FD24C0A005D}"/>
+              </a:ext>
+            </a:extLst>
+          </p:cNvPr>
+          <p:cNvSpPr txBox="1"/>
+          <p:nvPr/>
+        </p:nvSpPr>
+        <p:spPr>
+          <a:xfrm>
+            <a:off x="7782414" y="4194182"/>
+            <a:ext cx="2810256" cy="646331"/>
+          </a:xfrm>
+          <a:prstGeom prst="rect">
+            <a:avLst/>
+          </a:prstGeom>
+          <a:noFill/>
+        </p:spPr>
+        <p:txBody>
+          <a:bodyPr wrap="none" rtlCol="0">
+            <a:spAutoFit/>
+          </a:bodyPr>
+          <a:lstStyle/>
+          <a:p>
+            <a:pPr algn="ctr"/>
+            <a:r>
+              <a:rPr lang="en-US" altLang="ko-KR" sz="3600"/>
+              <a:t>C: Controller</a:t>
+            </a:r>
+            <a:endParaRPr lang="ko-KR" altLang="en-US" sz="3600"/>
           </a:p>
         </p:txBody>
       </p:sp>
     </p:spTree>
     <p:extLst>
       <p:ext uri="{BB962C8B-B14F-4D97-AF65-F5344CB8AC3E}">
-        <p14:creationId xmlns:p14="http://schemas.microsoft.com/office/powerpoint/2010/main" val="1516793110"/>
+        <p14:creationId xmlns:p14="http://schemas.microsoft.com/office/powerpoint/2010/main" val="807747938"/>
+      </p:ext>
+    </p:extLst>
+  </p:cSld>
+  <p:clrMapOvr>
+    <a:masterClrMapping/>
+  </p:clrMapOvr>
+  <p:timing>
+    <p:tnLst>
+      <p:par>
+        <p:cTn id="1" dur="indefinite" restart="never" nodeType="tmRoot">
+          <p:childTnLst>
+            <p:seq concurrent="1" nextAc="seek">
+              <p:cTn id="2" dur="indefinite" nodeType="mainSeq">
+                <p:childTnLst>
+                  <p:par>
+                    <p:cTn id="3" fill="hold">
+                      <p:stCondLst>
+                        <p:cond delay="indefinite"/>
+                      </p:stCondLst>
+                      <p:childTnLst>
+                        <p:par>
+                          <p:cTn id="4" fill="hold">
+                            <p:stCondLst>
+                              <p:cond delay="0"/>
+                            </p:stCondLst>
+                            <p:childTnLst>
+                              <p:par>
+                                <p:cTn id="5" presetID="1" presetClass="entr" presetSubtype="0" fill="hold" grpId="0" nodeType="clickEffect">
+                                  <p:stCondLst>
+                                    <p:cond delay="0"/>
+                                  </p:stCondLst>
+                                  <p:childTnLst>
+                                    <p:set>
+                                      <p:cBhvr>
+                                        <p:cTn id="6" dur="1" fill="hold">
+                                          <p:stCondLst>
+                                            <p:cond delay="0"/>
+                                          </p:stCondLst>
+                                        </p:cTn>
+                                        <p:tgtEl>
+                                          <p:spTgt spid="3"/>
+                                        </p:tgtEl>
+                                        <p:attrNameLst>
+                                          <p:attrName>style.visibility</p:attrName>
+                                        </p:attrNameLst>
+                                      </p:cBhvr>
+                                      <p:to>
+                                        <p:strVal val="visible"/>
+                                      </p:to>
+                                    </p:set>
+                                  </p:childTnLst>
+                                </p:cTn>
+                              </p:par>
+                            </p:childTnLst>
+                          </p:cTn>
+                        </p:par>
+                      </p:childTnLst>
+                    </p:cTn>
+                  </p:par>
+                  <p:par>
+                    <p:cTn id="7" fill="hold">
+                      <p:stCondLst>
+                        <p:cond delay="indefinite"/>
+                      </p:stCondLst>
+                      <p:childTnLst>
+                        <p:par>
+                          <p:cTn id="8" fill="hold">
+                            <p:stCondLst>
+                              <p:cond delay="0"/>
+                            </p:stCondLst>
+                            <p:childTnLst>
+                              <p:par>
+                                <p:cTn id="9" presetID="1" presetClass="entr" presetSubtype="0" fill="hold" grpId="0" nodeType="clickEffect">
+                                  <p:stCondLst>
+                                    <p:cond delay="0"/>
+                                  </p:stCondLst>
+                                  <p:childTnLst>
+                                    <p:set>
+                                      <p:cBhvr>
+                                        <p:cTn id="10" dur="1" fill="hold">
+                                          <p:stCondLst>
+                                            <p:cond delay="0"/>
+                                          </p:stCondLst>
+                                        </p:cTn>
+                                        <p:tgtEl>
+                                          <p:spTgt spid="7"/>
+                                        </p:tgtEl>
+                                        <p:attrNameLst>
+                                          <p:attrName>style.visibility</p:attrName>
+                                        </p:attrNameLst>
+                                      </p:cBhvr>
+                                      <p:to>
+                                        <p:strVal val="visible"/>
+                                      </p:to>
+                                    </p:set>
+                                  </p:childTnLst>
+                                </p:cTn>
+                              </p:par>
+                            </p:childTnLst>
+                          </p:cTn>
+                        </p:par>
+                      </p:childTnLst>
+                    </p:cTn>
+                  </p:par>
+                  <p:par>
+                    <p:cTn id="11" fill="hold">
+                      <p:stCondLst>
+                        <p:cond delay="indefinite"/>
+                      </p:stCondLst>
+                      <p:childTnLst>
+                        <p:par>
+                          <p:cTn id="12" fill="hold">
+                            <p:stCondLst>
+                              <p:cond delay="0"/>
+                            </p:stCondLst>
+                            <p:childTnLst>
+                              <p:par>
+                                <p:cTn id="13" presetID="1" presetClass="entr" presetSubtype="0" fill="hold" grpId="0" nodeType="clickEffect">
+                                  <p:stCondLst>
+                                    <p:cond delay="0"/>
+                                  </p:stCondLst>
+                                  <p:childTnLst>
+                                    <p:set>
+                                      <p:cBhvr>
+                                        <p:cTn id="14" dur="1" fill="hold">
+                                          <p:stCondLst>
+                                            <p:cond delay="0"/>
+                                          </p:stCondLst>
+                                        </p:cTn>
+                                        <p:tgtEl>
+                                          <p:spTgt spid="8"/>
+                                        </p:tgtEl>
+                                        <p:attrNameLst>
+                                          <p:attrName>style.visibility</p:attrName>
+                                        </p:attrNameLst>
+                                      </p:cBhvr>
+                                      <p:to>
+                                        <p:strVal val="visible"/>
+                                      </p:to>
+                                    </p:set>
+                                  </p:childTnLst>
+                                </p:cTn>
+                              </p:par>
+                            </p:childTnLst>
+                          </p:cTn>
+                        </p:par>
+                      </p:childTnLst>
+                    </p:cTn>
+                  </p:par>
+                </p:childTnLst>
+              </p:cTn>
+              <p:prevCondLst>
+                <p:cond evt="onPrev" delay="0">
+                  <p:tgtEl>
+                    <p:sldTgt/>
+                  </p:tgtEl>
+                </p:cond>
+              </p:prevCondLst>
+              <p:nextCondLst>
+                <p:cond evt="onNext" delay="0">
+                  <p:tgtEl>
+                    <p:sldTgt/>
+                  </p:tgtEl>
+                </p:cond>
+              </p:nextCondLst>
+            </p:seq>
+          </p:childTnLst>
+        </p:cTn>
+      </p:par>
+    </p:tnLst>
+    <p:bldLst>
+      <p:bldP spid="3" grpId="0"/>
+      <p:bldP spid="7" grpId="0"/>
+      <p:bldP spid="8" grpId="0"/>
+    </p:bldLst>
+  </p:timing>
+</p:sld>
+</file>
+
+<file path=ppt/slides/slide9.xml><?xml version="1.0" encoding="utf-8"?>
+<p:sld xmlns:a="http://schemas.openxmlformats.org/drawingml/2006/main" xmlns:r="http://schemas.openxmlformats.org/officeDocument/2006/relationships" xmlns:p="http://schemas.openxmlformats.org/presentationml/2006/main">
+  <p:cSld>
+    <p:spTree>
+      <p:nvGrpSpPr>
+        <p:cNvPr id="1" name=""/>
+        <p:cNvGrpSpPr/>
+        <p:nvPr/>
+      </p:nvGrpSpPr>
+      <p:grpSpPr>
+        <a:xfrm>
+          <a:off x="0" y="0"/>
+          <a:ext cx="0" cy="0"/>
+          <a:chOff x="0" y="0"/>
+          <a:chExt cx="0" cy="0"/>
+        </a:xfrm>
+      </p:grpSpPr>
+      <p:grpSp>
+        <p:nvGrpSpPr>
+          <p:cNvPr id="6" name="그룹 5">
+            <a:extLst>
+              <a:ext uri="{FF2B5EF4-FFF2-40B4-BE49-F238E27FC236}">
+                <a16:creationId xmlns:a16="http://schemas.microsoft.com/office/drawing/2014/main" id="{CA7BD838-D4FB-4EA7-B68C-FA7B6D147BA2}"/>
+              </a:ext>
+            </a:extLst>
+          </p:cNvPr>
+          <p:cNvGrpSpPr/>
+          <p:nvPr/>
+        </p:nvGrpSpPr>
+        <p:grpSpPr>
+          <a:xfrm>
+            <a:off x="159192" y="182880"/>
+            <a:ext cx="1852488" cy="854227"/>
+            <a:chOff x="640080" y="-971550"/>
+            <a:chExt cx="1660746" cy="765810"/>
+          </a:xfrm>
+        </p:grpSpPr>
+        <p:sp>
+          <p:nvSpPr>
+            <p:cNvPr id="18" name="TextBox 17">
+              <a:extLst>
+                <a:ext uri="{FF2B5EF4-FFF2-40B4-BE49-F238E27FC236}">
+                  <a16:creationId xmlns:a16="http://schemas.microsoft.com/office/drawing/2014/main" id="{D7B7EE40-BAD9-4569-9BF6-F6E9ACA78A3C}"/>
+                </a:ext>
+              </a:extLst>
+            </p:cNvPr>
+            <p:cNvSpPr txBox="1"/>
+            <p:nvPr/>
+          </p:nvSpPr>
+          <p:spPr>
+            <a:xfrm>
+              <a:off x="675005" y="-733504"/>
+              <a:ext cx="1590896" cy="289716"/>
+            </a:xfrm>
+            <a:prstGeom prst="rect">
+              <a:avLst/>
+            </a:prstGeom>
+            <a:noFill/>
+          </p:spPr>
+          <p:txBody>
+            <a:bodyPr wrap="square" rtlCol="0">
+              <a:spAutoFit/>
+            </a:bodyPr>
+            <a:lstStyle/>
+            <a:p>
+              <a:pPr algn="ctr"/>
+              <a:r>
+                <a:rPr lang="en-US" altLang="ko-KR" sz="1500">
+                  <a:ln>
+                    <a:solidFill>
+                      <a:schemeClr val="tx1">
+                        <a:alpha val="30000"/>
+                      </a:schemeClr>
+                    </a:solidFill>
+                  </a:ln>
+                  <a:latin typeface="맑은 고딕" panose="020B0503020000020004" pitchFamily="50" charset="-127"/>
+                  <a:ea typeface="맑은 고딕" panose="020B0503020000020004" pitchFamily="50" charset="-127"/>
+                </a:rPr>
+                <a:t>MVC</a:t>
+              </a:r>
+              <a:endParaRPr lang="ko-KR" altLang="en-US" sz="1500" dirty="0">
+                <a:ln>
+                  <a:solidFill>
+                    <a:schemeClr val="tx1">
+                      <a:alpha val="30000"/>
+                    </a:schemeClr>
+                  </a:solidFill>
+                </a:ln>
+                <a:latin typeface="맑은 고딕" panose="020B0503020000020004" pitchFamily="50" charset="-127"/>
+                <a:ea typeface="맑은 고딕" panose="020B0503020000020004" pitchFamily="50" charset="-127"/>
+              </a:endParaRPr>
+            </a:p>
+          </p:txBody>
+        </p:sp>
+        <p:sp>
+          <p:nvSpPr>
+            <p:cNvPr id="5" name="직사각형 4">
+              <a:extLst>
+                <a:ext uri="{FF2B5EF4-FFF2-40B4-BE49-F238E27FC236}">
+                  <a16:creationId xmlns:a16="http://schemas.microsoft.com/office/drawing/2014/main" id="{AB4C8245-D0E4-4D79-B3E9-2FB89CE6FE84}"/>
+                </a:ext>
+              </a:extLst>
+            </p:cNvPr>
+            <p:cNvSpPr/>
+            <p:nvPr/>
+          </p:nvSpPr>
+          <p:spPr>
+            <a:xfrm>
+              <a:off x="640080" y="-971550"/>
+              <a:ext cx="1660746" cy="765810"/>
+            </a:xfrm>
+            <a:prstGeom prst="rect">
+              <a:avLst/>
+            </a:prstGeom>
+            <a:noFill/>
+            <a:ln w="25400">
+              <a:solidFill>
+                <a:schemeClr val="tx1"/>
+              </a:solidFill>
+            </a:ln>
+          </p:spPr>
+          <p:style>
+            <a:lnRef idx="2">
+              <a:schemeClr val="accent1">
+                <a:shade val="50000"/>
+              </a:schemeClr>
+            </a:lnRef>
+            <a:fillRef idx="1">
+              <a:schemeClr val="accent1"/>
+            </a:fillRef>
+            <a:effectRef idx="0">
+              <a:schemeClr val="accent1"/>
+            </a:effectRef>
+            <a:fontRef idx="minor">
+              <a:schemeClr val="lt1"/>
+            </a:fontRef>
+          </p:style>
+          <p:txBody>
+            <a:bodyPr rtlCol="0" anchor="ctr"/>
+            <a:lstStyle/>
+            <a:p>
+              <a:pPr algn="ctr"/>
+              <a:endParaRPr lang="ko-KR" altLang="en-US" dirty="0">
+                <a:latin typeface="맑은 고딕" panose="020B0503020000020004" pitchFamily="50" charset="-127"/>
+                <a:ea typeface="맑은 고딕" panose="020B0503020000020004" pitchFamily="50" charset="-127"/>
+              </a:endParaRPr>
+            </a:p>
+          </p:txBody>
+        </p:sp>
+      </p:grpSp>
+      <p:pic>
+        <p:nvPicPr>
+          <p:cNvPr id="3074" name="Picture 2" descr="MVC">
+            <a:extLst>
+              <a:ext uri="{FF2B5EF4-FFF2-40B4-BE49-F238E27FC236}">
+                <a16:creationId xmlns:a16="http://schemas.microsoft.com/office/drawing/2014/main" id="{0E805D33-57AB-4FF9-8F74-6C7D48763777}"/>
+              </a:ext>
+            </a:extLst>
+          </p:cNvPr>
+          <p:cNvPicPr>
+            <a:picLocks noChangeAspect="1" noChangeArrowheads="1"/>
+          </p:cNvPicPr>
+          <p:nvPr/>
+        </p:nvPicPr>
+        <p:blipFill>
+          <a:blip r:embed="rId3">
+            <a:extLst>
+              <a:ext uri="{28A0092B-C50C-407E-A947-70E740481C1C}">
+                <a14:useLocalDpi xmlns:a14="http://schemas.microsoft.com/office/drawing/2010/main" val="0"/>
+              </a:ext>
+            </a:extLst>
+          </a:blip>
+          <a:srcRect/>
+          <a:stretch>
+            <a:fillRect/>
+          </a:stretch>
+        </p:blipFill>
+        <p:spPr bwMode="auto">
+          <a:xfrm>
+            <a:off x="2428875" y="700088"/>
+            <a:ext cx="7334250" cy="5457825"/>
+          </a:xfrm>
+          <a:prstGeom prst="rect">
+            <a:avLst/>
+          </a:prstGeom>
+          <a:noFill/>
+          <a:extLst>
+            <a:ext uri="{909E8E84-426E-40DD-AFC4-6F175D3DCCD1}">
+              <a14:hiddenFill xmlns:a14="http://schemas.microsoft.com/office/drawing/2010/main">
+                <a:solidFill>
+                  <a:srgbClr val="FFFFFF"/>
+                </a:solidFill>
+              </a14:hiddenFill>
+            </a:ext>
+          </a:extLst>
+        </p:spPr>
+      </p:pic>
+    </p:spTree>
+    <p:extLst>
+      <p:ext uri="{BB962C8B-B14F-4D97-AF65-F5344CB8AC3E}">
+        <p14:creationId xmlns:p14="http://schemas.microsoft.com/office/powerpoint/2010/main" val="2423143124"/>
       </p:ext>
     </p:extLst>
   </p:cSld>

--- a/2021_01_26/세미나3.pptx
+++ b/2021_01_26/세미나3.pptx
@@ -5,7 +5,7 @@
     <p:sldMasterId id="2147483648" r:id="rId1"/>
   </p:sldMasterIdLst>
   <p:notesMasterIdLst>
-    <p:notesMasterId r:id="rId14"/>
+    <p:notesMasterId r:id="rId19"/>
   </p:notesMasterIdLst>
   <p:sldIdLst>
     <p:sldId id="271" r:id="rId2"/>
@@ -17,17 +17,22 @@
     <p:sldId id="290" r:id="rId8"/>
     <p:sldId id="291" r:id="rId9"/>
     <p:sldId id="292" r:id="rId10"/>
-    <p:sldId id="293" r:id="rId11"/>
-    <p:sldId id="286" r:id="rId12"/>
-    <p:sldId id="280" r:id="rId13"/>
+    <p:sldId id="295" r:id="rId11"/>
+    <p:sldId id="293" r:id="rId12"/>
+    <p:sldId id="296" r:id="rId13"/>
+    <p:sldId id="294" r:id="rId14"/>
+    <p:sldId id="297" r:id="rId15"/>
+    <p:sldId id="298" r:id="rId16"/>
+    <p:sldId id="286" r:id="rId17"/>
+    <p:sldId id="280" r:id="rId18"/>
   </p:sldIdLst>
   <p:sldSz cx="12192000" cy="6858000"/>
   <p:notesSz cx="6858000" cy="9144000"/>
   <p:embeddedFontLst>
     <p:embeddedFont>
       <p:font typeface="맑은 고딕" panose="020B0503020000020004" pitchFamily="50" charset="-127"/>
-      <p:regular r:id="rId15"/>
-      <p:bold r:id="rId16"/>
+      <p:regular r:id="rId20"/>
+      <p:bold r:id="rId21"/>
     </p:embeddedFont>
   </p:embeddedFontLst>
   <p:defaultTextStyle>
@@ -752,6 +757,80 @@
               <a:rPr lang="en-US" altLang="ko-KR"/>
               <a:t>Presenter</a:t>
             </a:r>
+            <a:r>
+              <a:rPr lang="ko-KR" altLang="en-US"/>
+              <a:t>라는 것이 있습니다</a:t>
+            </a:r>
+            <a:r>
+              <a:rPr lang="en-US" altLang="ko-KR"/>
+              <a:t>.</a:t>
+            </a:r>
+          </a:p>
+          <a:p>
+            <a:endParaRPr lang="en-US" altLang="ko-KR"/>
+          </a:p>
+          <a:p>
+            <a:r>
+              <a:rPr lang="en-US" altLang="ko-KR"/>
+              <a:t>Presenter</a:t>
+            </a:r>
+            <a:r>
+              <a:rPr lang="ko-KR" altLang="en-US"/>
+              <a:t>는 </a:t>
+            </a:r>
+            <a:r>
+              <a:rPr lang="en-US" altLang="ko-KR"/>
+              <a:t>View</a:t>
+            </a:r>
+            <a:r>
+              <a:rPr lang="ko-KR" altLang="en-US"/>
+              <a:t>에서 요청한 정보로 </a:t>
+            </a:r>
+            <a:r>
+              <a:rPr lang="en-US" altLang="ko-KR"/>
+              <a:t>Model</a:t>
+            </a:r>
+            <a:r>
+              <a:rPr lang="ko-KR" altLang="en-US"/>
+              <a:t>을 업데이트하여 </a:t>
+            </a:r>
+            <a:r>
+              <a:rPr lang="en-US" altLang="ko-KR"/>
+              <a:t>View</a:t>
+            </a:r>
+            <a:r>
+              <a:rPr lang="ko-KR" altLang="en-US"/>
+              <a:t>에 다시 전달해 주는 부분입니다</a:t>
+            </a:r>
+            <a:r>
+              <a:rPr lang="en-US" altLang="ko-KR"/>
+              <a:t>.</a:t>
+            </a:r>
+          </a:p>
+          <a:p>
+            <a:endParaRPr lang="en-US" altLang="ko-KR"/>
+          </a:p>
+          <a:p>
+            <a:r>
+              <a:rPr lang="en-US" altLang="ko-KR"/>
+              <a:t>View</a:t>
+            </a:r>
+            <a:r>
+              <a:rPr lang="ko-KR" altLang="en-US"/>
+              <a:t>와 </a:t>
+            </a:r>
+            <a:r>
+              <a:rPr lang="en-US" altLang="ko-KR"/>
+              <a:t>Model</a:t>
+            </a:r>
+            <a:r>
+              <a:rPr lang="ko-KR" altLang="en-US"/>
+              <a:t>을 붙여주는 접착제와 같은 역할을 한다고 보시면됩니다</a:t>
+            </a:r>
+            <a:r>
+              <a:rPr lang="en-US" altLang="ko-KR"/>
+              <a:t>.</a:t>
+            </a:r>
           </a:p>
         </p:txBody>
       </p:sp>
@@ -781,7 +860,7 @@
     </p:spTree>
     <p:extLst>
       <p:ext uri="{BB962C8B-B14F-4D97-AF65-F5344CB8AC3E}">
-        <p14:creationId xmlns:p14="http://schemas.microsoft.com/office/powerpoint/2010/main" val="3174293536"/>
+        <p14:creationId xmlns:p14="http://schemas.microsoft.com/office/powerpoint/2010/main" val="2827907506"/>
       </p:ext>
     </p:extLst>
   </p:cSld>
@@ -835,7 +914,322 @@
           <a:bodyPr/>
           <a:lstStyle/>
           <a:p>
-            <a:endParaRPr lang="ko-KR" altLang="en-US" dirty="0"/>
+            <a:r>
+              <a:rPr lang="ko-KR" altLang="en-US"/>
+              <a:t>동작에 대해서 설명드리자면 아까와 달리 사용자의 입력이 </a:t>
+            </a:r>
+            <a:r>
+              <a:rPr lang="en-US" altLang="ko-KR"/>
+              <a:t>View</a:t>
+            </a:r>
+            <a:r>
+              <a:rPr lang="ko-KR" altLang="en-US"/>
+              <a:t>를 통하여 들어옵니다</a:t>
+            </a:r>
+            <a:r>
+              <a:rPr lang="en-US" altLang="ko-KR"/>
+              <a:t>.</a:t>
+            </a:r>
+          </a:p>
+          <a:p>
+            <a:endParaRPr lang="en-US" altLang="ko-KR"/>
+          </a:p>
+          <a:p>
+            <a:r>
+              <a:rPr lang="en-US" altLang="ko-KR"/>
+              <a:t>View</a:t>
+            </a:r>
+            <a:r>
+              <a:rPr lang="ko-KR" altLang="en-US"/>
+              <a:t>는 데이터를 </a:t>
+            </a:r>
+            <a:r>
+              <a:rPr lang="en-US" altLang="ko-KR"/>
+              <a:t>Presenter</a:t>
+            </a:r>
+            <a:r>
+              <a:rPr lang="ko-KR" altLang="en-US"/>
+              <a:t>에 요청하고 </a:t>
+            </a:r>
+            <a:r>
+              <a:rPr lang="en-US" altLang="ko-KR"/>
+              <a:t>Presenter</a:t>
+            </a:r>
+            <a:r>
+              <a:rPr lang="ko-KR" altLang="en-US"/>
+              <a:t>는 </a:t>
+            </a:r>
+            <a:r>
+              <a:rPr lang="en-US" altLang="ko-KR"/>
+              <a:t>Model</a:t>
+            </a:r>
+            <a:r>
+              <a:rPr lang="ko-KR" altLang="en-US"/>
+              <a:t>에게 데이터를 요청합니다</a:t>
+            </a:r>
+            <a:r>
+              <a:rPr lang="en-US" altLang="ko-KR"/>
+              <a:t>.</a:t>
+            </a:r>
+          </a:p>
+          <a:p>
+            <a:endParaRPr lang="en-US" altLang="ko-KR"/>
+          </a:p>
+          <a:p>
+            <a:r>
+              <a:rPr lang="en-US" altLang="ko-KR"/>
+              <a:t>Model</a:t>
+            </a:r>
+            <a:r>
+              <a:rPr lang="ko-KR" altLang="en-US"/>
+              <a:t>은 요청받은 데이터를 </a:t>
+            </a:r>
+            <a:r>
+              <a:rPr lang="en-US" altLang="ko-KR"/>
+              <a:t>Presenter</a:t>
+            </a:r>
+            <a:r>
+              <a:rPr lang="ko-KR" altLang="en-US"/>
+              <a:t>에 반환하고 </a:t>
+            </a:r>
+            <a:r>
+              <a:rPr lang="en-US" altLang="ko-KR"/>
+              <a:t>Presenter</a:t>
+            </a:r>
+            <a:r>
+              <a:rPr lang="ko-KR" altLang="en-US"/>
+              <a:t>는 반환받은 데이터를 다시 </a:t>
+            </a:r>
+            <a:r>
+              <a:rPr lang="en-US" altLang="ko-KR"/>
+              <a:t>View</a:t>
+            </a:r>
+            <a:r>
+              <a:rPr lang="ko-KR" altLang="en-US"/>
+              <a:t>로 응답하게 됩니다</a:t>
+            </a:r>
+            <a:r>
+              <a:rPr lang="en-US" altLang="ko-KR"/>
+              <a:t>.</a:t>
+            </a:r>
+          </a:p>
+          <a:p>
+            <a:endParaRPr lang="en-US" altLang="ko-KR"/>
+          </a:p>
+          <a:p>
+            <a:r>
+              <a:rPr lang="en-US" altLang="ko-KR"/>
+              <a:t>View</a:t>
+            </a:r>
+            <a:r>
+              <a:rPr lang="ko-KR" altLang="en-US"/>
+              <a:t>는 응답받은 데이터를 기반으로 화면을 나타나게 되는겁니다</a:t>
+            </a:r>
+            <a:r>
+              <a:rPr lang="en-US" altLang="ko-KR"/>
+              <a:t>.</a:t>
+            </a:r>
+          </a:p>
+          <a:p>
+            <a:endParaRPr lang="en-US" altLang="ko-KR"/>
+          </a:p>
+          <a:p>
+            <a:r>
+              <a:rPr lang="ko-KR" altLang="en-US"/>
+              <a:t>이로써 </a:t>
+            </a:r>
+            <a:r>
+              <a:rPr lang="en-US" altLang="ko-KR"/>
+              <a:t>MVC</a:t>
+            </a:r>
+            <a:r>
+              <a:rPr lang="ko-KR" altLang="en-US"/>
+              <a:t>에서의 단점인 </a:t>
+            </a:r>
+            <a:r>
+              <a:rPr lang="en-US" altLang="ko-KR"/>
+              <a:t>View</a:t>
+            </a:r>
+            <a:r>
+              <a:rPr lang="ko-KR" altLang="en-US"/>
+              <a:t>와 </a:t>
+            </a:r>
+            <a:r>
+              <a:rPr lang="en-US" altLang="ko-KR"/>
+              <a:t>Model </a:t>
+            </a:r>
+            <a:r>
+              <a:rPr lang="ko-KR" altLang="en-US"/>
+              <a:t>사이의 의존성은 없어졌다고 볼 수 있습니다</a:t>
+            </a:r>
+            <a:r>
+              <a:rPr lang="en-US" altLang="ko-KR"/>
+              <a:t>.</a:t>
+            </a:r>
+          </a:p>
+          <a:p>
+            <a:endParaRPr lang="en-US" altLang="ko-KR"/>
+          </a:p>
+          <a:p>
+            <a:r>
+              <a:rPr lang="ko-KR" altLang="en-US"/>
+              <a:t>또한 </a:t>
+            </a:r>
+            <a:r>
+              <a:rPr lang="en-US" altLang="ko-KR"/>
+              <a:t>View</a:t>
+            </a:r>
+            <a:r>
+              <a:rPr lang="ko-KR" altLang="en-US"/>
+              <a:t>는 </a:t>
+            </a:r>
+            <a:r>
+              <a:rPr lang="en-US" altLang="ko-KR"/>
+              <a:t>Model</a:t>
+            </a:r>
+            <a:r>
+              <a:rPr lang="ko-KR" altLang="en-US"/>
+              <a:t>을 전혀 알지 않아도 된다는 장점도 존재합니다</a:t>
+            </a:r>
+            <a:r>
+              <a:rPr lang="en-US" altLang="ko-KR"/>
+              <a:t>.</a:t>
+            </a:r>
+          </a:p>
+          <a:p>
+            <a:endParaRPr lang="en-US" altLang="ko-KR"/>
+          </a:p>
+          <a:p>
+            <a:r>
+              <a:rPr lang="ko-KR" altLang="en-US"/>
+              <a:t>하지만 </a:t>
+            </a:r>
+            <a:r>
+              <a:rPr lang="en-US" altLang="ko-KR"/>
+              <a:t>View</a:t>
+            </a:r>
+            <a:r>
+              <a:rPr lang="ko-KR" altLang="en-US"/>
+              <a:t>와 </a:t>
+            </a:r>
+            <a:r>
+              <a:rPr lang="en-US" altLang="ko-KR"/>
+              <a:t>Presenter</a:t>
+            </a:r>
+            <a:r>
+              <a:rPr lang="ko-KR" altLang="en-US"/>
+              <a:t>의 의존성이 강해진다는 단점이 존재하게 됩니다</a:t>
+            </a:r>
+            <a:r>
+              <a:rPr lang="en-US" altLang="ko-KR"/>
+              <a:t>.</a:t>
+            </a:r>
+          </a:p>
+          <a:p>
+            <a:endParaRPr lang="en-US" altLang="ko-KR"/>
+          </a:p>
+          <a:p>
+            <a:r>
+              <a:rPr lang="ko-KR" altLang="en-US"/>
+              <a:t>또한 아까 </a:t>
+            </a:r>
+            <a:r>
+              <a:rPr lang="en-US" altLang="ko-KR"/>
+              <a:t>MVC</a:t>
+            </a:r>
+            <a:r>
+              <a:rPr lang="ko-KR" altLang="en-US"/>
+              <a:t>는 </a:t>
+            </a:r>
+            <a:r>
+              <a:rPr lang="en-US" altLang="ko-KR"/>
+              <a:t>Controller</a:t>
+            </a:r>
+            <a:r>
+              <a:rPr lang="ko-KR" altLang="en-US"/>
+              <a:t>는 </a:t>
+            </a:r>
+            <a:r>
+              <a:rPr lang="en-US" altLang="ko-KR"/>
+              <a:t>1</a:t>
+            </a:r>
+            <a:r>
+              <a:rPr lang="ko-KR" altLang="en-US"/>
+              <a:t>대</a:t>
+            </a:r>
+            <a:r>
+              <a:rPr lang="en-US" altLang="ko-KR"/>
+              <a:t>n</a:t>
+            </a:r>
+            <a:r>
+              <a:rPr lang="ko-KR" altLang="en-US"/>
+              <a:t>으로 </a:t>
+            </a:r>
+            <a:r>
+              <a:rPr lang="en-US" altLang="ko-KR"/>
+              <a:t>View</a:t>
+            </a:r>
+            <a:r>
+              <a:rPr lang="ko-KR" altLang="en-US"/>
+              <a:t>와 연결되어 있지만 여기서 </a:t>
+            </a:r>
+            <a:r>
+              <a:rPr lang="en-US" altLang="ko-KR"/>
+              <a:t>Presenter</a:t>
+            </a:r>
+            <a:r>
+              <a:rPr lang="ko-KR" altLang="en-US"/>
+              <a:t>의 경우 </a:t>
+            </a:r>
+            <a:r>
+              <a:rPr lang="en-US" altLang="ko-KR"/>
+              <a:t>1</a:t>
+            </a:r>
+            <a:r>
+              <a:rPr lang="ko-KR" altLang="en-US"/>
+              <a:t>대</a:t>
+            </a:r>
+            <a:r>
+              <a:rPr lang="en-US" altLang="ko-KR"/>
+              <a:t>1</a:t>
+            </a:r>
+            <a:r>
+              <a:rPr lang="ko-KR" altLang="en-US"/>
+              <a:t>관계로 인하여 각 </a:t>
+            </a:r>
+            <a:r>
+              <a:rPr lang="en-US" altLang="ko-KR"/>
+              <a:t>View</a:t>
+            </a:r>
+            <a:r>
+              <a:rPr lang="ko-KR" altLang="en-US"/>
+              <a:t>마다 </a:t>
+            </a:r>
+            <a:r>
+              <a:rPr lang="en-US" altLang="ko-KR"/>
+              <a:t>Presenter</a:t>
+            </a:r>
+            <a:r>
+              <a:rPr lang="ko-KR" altLang="en-US"/>
+              <a:t>가 필요해 코드의 양이 많아진다는 단점이 존재합니다</a:t>
+            </a:r>
+            <a:r>
+              <a:rPr lang="en-US" altLang="ko-KR"/>
+              <a:t>.</a:t>
+            </a:r>
+          </a:p>
+          <a:p>
+            <a:endParaRPr lang="en-US" altLang="ko-KR"/>
+          </a:p>
+          <a:p>
+            <a:r>
+              <a:rPr lang="ko-KR" altLang="en-US"/>
+              <a:t>어째 크게 좋아진 부분을 느끼지는 못하겠네요</a:t>
+            </a:r>
+            <a:r>
+              <a:rPr lang="en-US" altLang="ko-KR"/>
+              <a:t>.</a:t>
+            </a:r>
           </a:p>
         </p:txBody>
       </p:sp>
@@ -857,6 +1251,964 @@
             <a:fld id="{D77D3CDB-C11F-4B3C-8011-4CB70A9F6877}" type="slidenum">
               <a:rPr lang="ko-KR" altLang="en-US" smtClean="0"/>
               <a:t>11</a:t>
+            </a:fld>
+            <a:endParaRPr lang="ko-KR" altLang="en-US"/>
+          </a:p>
+        </p:txBody>
+      </p:sp>
+    </p:spTree>
+    <p:extLst>
+      <p:ext uri="{BB962C8B-B14F-4D97-AF65-F5344CB8AC3E}">
+        <p14:creationId xmlns:p14="http://schemas.microsoft.com/office/powerpoint/2010/main" val="3174293536"/>
+      </p:ext>
+    </p:extLst>
+  </p:cSld>
+  <p:clrMapOvr>
+    <a:masterClrMapping/>
+  </p:clrMapOvr>
+</p:notes>
+</file>
+
+<file path=ppt/notesSlides/notesSlide12.xml><?xml version="1.0" encoding="utf-8"?>
+<p:notes xmlns:a="http://schemas.openxmlformats.org/drawingml/2006/main" xmlns:r="http://schemas.openxmlformats.org/officeDocument/2006/relationships" xmlns:p="http://schemas.openxmlformats.org/presentationml/2006/main">
+  <p:cSld>
+    <p:spTree>
+      <p:nvGrpSpPr>
+        <p:cNvPr id="1" name=""/>
+        <p:cNvGrpSpPr/>
+        <p:nvPr/>
+      </p:nvGrpSpPr>
+      <p:grpSpPr>
+        <a:xfrm>
+          <a:off x="0" y="0"/>
+          <a:ext cx="0" cy="0"/>
+          <a:chOff x="0" y="0"/>
+          <a:chExt cx="0" cy="0"/>
+        </a:xfrm>
+      </p:grpSpPr>
+      <p:sp>
+        <p:nvSpPr>
+          <p:cNvPr id="2" name="슬라이드 이미지 개체 틀 1"/>
+          <p:cNvSpPr>
+            <a:spLocks noGrp="1" noRot="1" noChangeAspect="1"/>
+          </p:cNvSpPr>
+          <p:nvPr>
+            <p:ph type="sldImg"/>
+          </p:nvPr>
+        </p:nvSpPr>
+        <p:spPr/>
+      </p:sp>
+      <p:sp>
+        <p:nvSpPr>
+          <p:cNvPr id="3" name="슬라이드 노트 개체 틀 2"/>
+          <p:cNvSpPr>
+            <a:spLocks noGrp="1"/>
+          </p:cNvSpPr>
+          <p:nvPr>
+            <p:ph type="body" idx="1"/>
+          </p:nvPr>
+        </p:nvSpPr>
+        <p:spPr/>
+        <p:txBody>
+          <a:bodyPr/>
+          <a:lstStyle/>
+          <a:p>
+            <a:r>
+              <a:rPr lang="en-US" altLang="ko-KR"/>
+              <a:t>MVC</a:t>
+            </a:r>
+            <a:r>
+              <a:rPr lang="ko-KR" altLang="en-US"/>
+              <a:t> 패턴은 </a:t>
+            </a:r>
+            <a:r>
+              <a:rPr lang="en-US" altLang="ko-KR"/>
+              <a:t>Model </a:t>
+            </a:r>
+            <a:r>
+              <a:rPr lang="ko-KR" altLang="en-US"/>
+              <a:t>과 </a:t>
+            </a:r>
+            <a:r>
+              <a:rPr lang="en-US" altLang="ko-KR"/>
+              <a:t>View</a:t>
+            </a:r>
+            <a:r>
+              <a:rPr lang="ko-KR" altLang="en-US"/>
+              <a:t>의 의존성을 해결하지 못했고 </a:t>
+            </a:r>
+            <a:r>
+              <a:rPr lang="en-US" altLang="ko-KR"/>
+              <a:t>MVP </a:t>
+            </a:r>
+            <a:r>
+              <a:rPr lang="ko-KR" altLang="en-US"/>
+              <a:t>패턴은 </a:t>
+            </a:r>
+            <a:r>
+              <a:rPr lang="en-US" altLang="ko-KR"/>
+              <a:t>View</a:t>
+            </a:r>
+            <a:r>
+              <a:rPr lang="ko-KR" altLang="en-US"/>
+              <a:t>와 </a:t>
+            </a:r>
+            <a:r>
+              <a:rPr lang="en-US" altLang="ko-KR"/>
+              <a:t>Presenter</a:t>
+            </a:r>
+            <a:r>
+              <a:rPr lang="ko-KR" altLang="en-US"/>
+              <a:t>의 의존성을 해결하지 못했습니다</a:t>
+            </a:r>
+            <a:r>
+              <a:rPr lang="en-US" altLang="ko-KR"/>
+              <a:t>.</a:t>
+            </a:r>
+          </a:p>
+          <a:p>
+            <a:endParaRPr lang="en-US" altLang="ko-KR"/>
+          </a:p>
+          <a:p>
+            <a:r>
+              <a:rPr lang="ko-KR" altLang="en-US"/>
+              <a:t>이 모든 부분을 고려하여 각 구성 요소들이 독립적으로 작동될 수 없을까 해서 설계된 패턴이 바로 </a:t>
+            </a:r>
+            <a:r>
+              <a:rPr lang="en-US" altLang="ko-KR"/>
+              <a:t>MVVM </a:t>
+            </a:r>
+            <a:r>
+              <a:rPr lang="ko-KR" altLang="en-US"/>
+              <a:t>패턴입니다</a:t>
+            </a:r>
+            <a:r>
+              <a:rPr lang="en-US" altLang="ko-KR"/>
+              <a:t>.</a:t>
+            </a:r>
+          </a:p>
+          <a:p>
+            <a:endParaRPr lang="en-US" altLang="ko-KR"/>
+          </a:p>
+          <a:p>
+            <a:r>
+              <a:rPr lang="en-US" altLang="ko-KR"/>
+              <a:t>Model </a:t>
+            </a:r>
+            <a:r>
+              <a:rPr lang="ko-KR" altLang="en-US"/>
+              <a:t>과 </a:t>
+            </a:r>
+            <a:r>
+              <a:rPr lang="en-US" altLang="ko-KR"/>
+              <a:t>View</a:t>
+            </a:r>
+            <a:r>
+              <a:rPr lang="ko-KR" altLang="en-US"/>
+              <a:t>는 이전과 동일하지만 </a:t>
+            </a:r>
+            <a:r>
+              <a:rPr lang="en-US" altLang="ko-KR"/>
+              <a:t>View Model </a:t>
+            </a:r>
+            <a:r>
+              <a:rPr lang="ko-KR" altLang="en-US"/>
+              <a:t>이라는 새로운 구성 요소가 생겼습니다</a:t>
+            </a:r>
+            <a:r>
+              <a:rPr lang="en-US" altLang="ko-KR"/>
+              <a:t>.</a:t>
+            </a:r>
+          </a:p>
+          <a:p>
+            <a:endParaRPr lang="en-US" altLang="ko-KR"/>
+          </a:p>
+          <a:p>
+            <a:r>
+              <a:rPr lang="ko-KR" altLang="en-US"/>
+              <a:t>이 </a:t>
+            </a:r>
+            <a:r>
+              <a:rPr lang="en-US" altLang="ko-KR"/>
+              <a:t>View Model</a:t>
+            </a:r>
+            <a:r>
+              <a:rPr lang="ko-KR" altLang="en-US"/>
+              <a:t>은 말 그대로 </a:t>
+            </a:r>
+            <a:r>
+              <a:rPr lang="en-US" altLang="ko-KR"/>
+              <a:t>View </a:t>
+            </a:r>
+            <a:r>
+              <a:rPr lang="ko-KR" altLang="en-US"/>
+              <a:t>를 위한 </a:t>
+            </a:r>
+            <a:r>
+              <a:rPr lang="en-US" altLang="ko-KR"/>
+              <a:t>Model</a:t>
+            </a:r>
+            <a:r>
+              <a:rPr lang="ko-KR" altLang="en-US"/>
+              <a:t>로 여기서 </a:t>
+            </a:r>
+            <a:r>
+              <a:rPr lang="en-US" altLang="ko-KR"/>
+              <a:t>Model</a:t>
+            </a:r>
+            <a:r>
+              <a:rPr lang="ko-KR" altLang="en-US"/>
+              <a:t>은 여태 설명드린 일반적인 </a:t>
+            </a:r>
+            <a:r>
+              <a:rPr lang="en-US" altLang="ko-KR"/>
+              <a:t>Model </a:t>
+            </a:r>
+            <a:r>
+              <a:rPr lang="ko-KR" altLang="en-US"/>
+              <a:t>이 아닌 특정 </a:t>
+            </a:r>
+            <a:r>
+              <a:rPr lang="en-US" altLang="ko-KR"/>
+              <a:t>View</a:t>
+            </a:r>
+            <a:r>
+              <a:rPr lang="ko-KR" altLang="en-US"/>
+              <a:t>에 맞춰진 전용 </a:t>
+            </a:r>
+            <a:r>
+              <a:rPr lang="en-US" altLang="ko-KR"/>
+              <a:t>Model</a:t>
+            </a:r>
+            <a:r>
+              <a:rPr lang="ko-KR" altLang="en-US"/>
+              <a:t>을 의미합니다</a:t>
+            </a:r>
+            <a:r>
+              <a:rPr lang="en-US" altLang="ko-KR"/>
+              <a:t>.</a:t>
+            </a:r>
+          </a:p>
+          <a:p>
+            <a:endParaRPr lang="en-US" altLang="ko-KR"/>
+          </a:p>
+          <a:p>
+            <a:r>
+              <a:rPr lang="ko-KR" altLang="en-US"/>
+              <a:t>그로 인해 </a:t>
+            </a:r>
+            <a:r>
+              <a:rPr lang="en-US" altLang="ko-KR"/>
+              <a:t>View</a:t>
+            </a:r>
+            <a:r>
+              <a:rPr lang="ko-KR" altLang="en-US"/>
+              <a:t>는 </a:t>
+            </a:r>
+            <a:r>
+              <a:rPr lang="en-US" altLang="ko-KR"/>
+              <a:t>View Model </a:t>
+            </a:r>
+            <a:r>
+              <a:rPr lang="ko-KR" altLang="en-US"/>
+              <a:t>만을 고려하기 때문에 </a:t>
+            </a:r>
+            <a:r>
+              <a:rPr lang="en-US" altLang="ko-KR"/>
+              <a:t>MVP </a:t>
+            </a:r>
+            <a:r>
+              <a:rPr lang="ko-KR" altLang="en-US"/>
+              <a:t>패턴과 마찬가지로 </a:t>
+            </a:r>
+            <a:r>
+              <a:rPr lang="en-US" altLang="ko-KR"/>
+              <a:t>View</a:t>
+            </a:r>
+            <a:r>
+              <a:rPr lang="ko-KR" altLang="en-US"/>
+              <a:t>와 </a:t>
+            </a:r>
+            <a:r>
+              <a:rPr lang="en-US" altLang="ko-KR"/>
+              <a:t>Model </a:t>
+            </a:r>
+            <a:r>
+              <a:rPr lang="ko-KR" altLang="en-US"/>
+              <a:t>사이의 의존성은 해결되고</a:t>
+            </a:r>
+            <a:r>
+              <a:rPr lang="en-US" altLang="ko-KR"/>
+              <a:t>,</a:t>
+            </a:r>
+            <a:r>
+              <a:rPr lang="ko-KR" altLang="en-US"/>
+              <a:t> </a:t>
+            </a:r>
+            <a:r>
+              <a:rPr lang="en-US" altLang="ko-KR"/>
+              <a:t>View</a:t>
+            </a:r>
+            <a:r>
+              <a:rPr lang="ko-KR" altLang="en-US"/>
+              <a:t>와 </a:t>
+            </a:r>
+            <a:r>
+              <a:rPr lang="en-US" altLang="ko-KR"/>
+              <a:t>Presenter </a:t>
+            </a:r>
+            <a:r>
+              <a:rPr lang="ko-KR" altLang="en-US"/>
+              <a:t>사이의 의존성은 데이터 바인딩이라는 패턴을 통해 해결하게 됩니다</a:t>
+            </a:r>
+            <a:r>
+              <a:rPr lang="en-US" altLang="ko-KR"/>
+              <a:t>.</a:t>
+            </a:r>
+          </a:p>
+          <a:p>
+            <a:endParaRPr lang="en-US" altLang="ko-KR"/>
+          </a:p>
+        </p:txBody>
+      </p:sp>
+      <p:sp>
+        <p:nvSpPr>
+          <p:cNvPr id="4" name="슬라이드 번호 개체 틀 3"/>
+          <p:cNvSpPr>
+            <a:spLocks noGrp="1"/>
+          </p:cNvSpPr>
+          <p:nvPr>
+            <p:ph type="sldNum" sz="quarter" idx="5"/>
+          </p:nvPr>
+        </p:nvSpPr>
+        <p:spPr/>
+        <p:txBody>
+          <a:bodyPr/>
+          <a:lstStyle/>
+          <a:p>
+            <a:fld id="{D77D3CDB-C11F-4B3C-8011-4CB70A9F6877}" type="slidenum">
+              <a:rPr lang="ko-KR" altLang="en-US" smtClean="0"/>
+              <a:t>12</a:t>
+            </a:fld>
+            <a:endParaRPr lang="ko-KR" altLang="en-US"/>
+          </a:p>
+        </p:txBody>
+      </p:sp>
+    </p:spTree>
+    <p:extLst>
+      <p:ext uri="{BB962C8B-B14F-4D97-AF65-F5344CB8AC3E}">
+        <p14:creationId xmlns:p14="http://schemas.microsoft.com/office/powerpoint/2010/main" val="3469677148"/>
+      </p:ext>
+    </p:extLst>
+  </p:cSld>
+  <p:clrMapOvr>
+    <a:masterClrMapping/>
+  </p:clrMapOvr>
+</p:notes>
+</file>
+
+<file path=ppt/notesSlides/notesSlide13.xml><?xml version="1.0" encoding="utf-8"?>
+<p:notes xmlns:a="http://schemas.openxmlformats.org/drawingml/2006/main" xmlns:r="http://schemas.openxmlformats.org/officeDocument/2006/relationships" xmlns:p="http://schemas.openxmlformats.org/presentationml/2006/main">
+  <p:cSld>
+    <p:spTree>
+      <p:nvGrpSpPr>
+        <p:cNvPr id="1" name=""/>
+        <p:cNvGrpSpPr/>
+        <p:nvPr/>
+      </p:nvGrpSpPr>
+      <p:grpSpPr>
+        <a:xfrm>
+          <a:off x="0" y="0"/>
+          <a:ext cx="0" cy="0"/>
+          <a:chOff x="0" y="0"/>
+          <a:chExt cx="0" cy="0"/>
+        </a:xfrm>
+      </p:grpSpPr>
+      <p:sp>
+        <p:nvSpPr>
+          <p:cNvPr id="2" name="슬라이드 이미지 개체 틀 1"/>
+          <p:cNvSpPr>
+            <a:spLocks noGrp="1" noRot="1" noChangeAspect="1"/>
+          </p:cNvSpPr>
+          <p:nvPr>
+            <p:ph type="sldImg"/>
+          </p:nvPr>
+        </p:nvSpPr>
+        <p:spPr/>
+      </p:sp>
+      <p:sp>
+        <p:nvSpPr>
+          <p:cNvPr id="3" name="슬라이드 노트 개체 틀 2"/>
+          <p:cNvSpPr>
+            <a:spLocks noGrp="1"/>
+          </p:cNvSpPr>
+          <p:nvPr>
+            <p:ph type="body" idx="1"/>
+          </p:nvPr>
+        </p:nvSpPr>
+        <p:spPr/>
+        <p:txBody>
+          <a:bodyPr/>
+          <a:lstStyle/>
+          <a:p>
+            <a:r>
+              <a:rPr lang="ko-KR" altLang="en-US"/>
+              <a:t>말로만 하니 어려운 것 같아 동작 방식을 통해 설명드리겠습니다</a:t>
+            </a:r>
+            <a:r>
+              <a:rPr lang="en-US" altLang="ko-KR"/>
+              <a:t>.</a:t>
+            </a:r>
+          </a:p>
+          <a:p>
+            <a:endParaRPr lang="en-US" altLang="ko-KR"/>
+          </a:p>
+          <a:p>
+            <a:r>
+              <a:rPr lang="ko-KR" altLang="en-US"/>
+              <a:t>사용자의 입력은 </a:t>
+            </a:r>
+            <a:r>
+              <a:rPr lang="en-US" altLang="ko-KR"/>
+              <a:t>View</a:t>
+            </a:r>
+            <a:r>
+              <a:rPr lang="ko-KR" altLang="en-US"/>
+              <a:t>를 통해 들어오게 되고</a:t>
+            </a:r>
+            <a:r>
+              <a:rPr lang="en-US" altLang="ko-KR"/>
+              <a:t>, Command </a:t>
+            </a:r>
+            <a:r>
+              <a:rPr lang="ko-KR" altLang="en-US"/>
+              <a:t>패턴으로 </a:t>
+            </a:r>
+            <a:r>
+              <a:rPr lang="en-US" altLang="ko-KR"/>
+              <a:t>View Model</a:t>
+            </a:r>
+            <a:r>
+              <a:rPr lang="ko-KR" altLang="en-US"/>
+              <a:t>에 전달하게 됩니다</a:t>
+            </a:r>
+            <a:r>
+              <a:rPr lang="en-US" altLang="ko-KR"/>
+              <a:t>.</a:t>
+            </a:r>
+          </a:p>
+          <a:p>
+            <a:endParaRPr lang="en-US" altLang="ko-KR"/>
+          </a:p>
+          <a:p>
+            <a:r>
+              <a:rPr lang="en-US" altLang="ko-KR"/>
+              <a:t>View Model</a:t>
+            </a:r>
+            <a:r>
+              <a:rPr lang="ko-KR" altLang="en-US"/>
+              <a:t>은 </a:t>
+            </a:r>
+            <a:r>
+              <a:rPr lang="en-US" altLang="ko-KR"/>
+              <a:t>Model</a:t>
+            </a:r>
+            <a:r>
+              <a:rPr lang="ko-KR" altLang="en-US"/>
+              <a:t>에게 데이터를 요청하고 </a:t>
+            </a:r>
+            <a:r>
+              <a:rPr lang="en-US" altLang="ko-KR"/>
+              <a:t>Model</a:t>
+            </a:r>
+            <a:r>
+              <a:rPr lang="ko-KR" altLang="en-US"/>
+              <a:t>은 </a:t>
+            </a:r>
+            <a:r>
+              <a:rPr lang="en-US" altLang="ko-KR"/>
+              <a:t>View Model</a:t>
+            </a:r>
+            <a:r>
+              <a:rPr lang="ko-KR" altLang="en-US"/>
+              <a:t>에게 요청받은 데이터를 응답합니다</a:t>
+            </a:r>
+            <a:r>
+              <a:rPr lang="en-US" altLang="ko-KR"/>
+              <a:t>.</a:t>
+            </a:r>
+          </a:p>
+          <a:p>
+            <a:endParaRPr lang="en-US" altLang="ko-KR"/>
+          </a:p>
+          <a:p>
+            <a:r>
+              <a:rPr lang="ko-KR" altLang="en-US"/>
+              <a:t>이 후 </a:t>
+            </a:r>
+            <a:r>
+              <a:rPr lang="en-US" altLang="ko-KR"/>
+              <a:t>View Model </a:t>
+            </a:r>
+            <a:r>
+              <a:rPr lang="ko-KR" altLang="en-US"/>
+              <a:t>이 응답받은 데이터를 가공하여 저장하기만 하면 </a:t>
+            </a:r>
+            <a:r>
+              <a:rPr lang="en-US" altLang="ko-KR"/>
+              <a:t>View</a:t>
+            </a:r>
+            <a:r>
+              <a:rPr lang="ko-KR" altLang="en-US"/>
+              <a:t>는 </a:t>
+            </a:r>
+            <a:r>
+              <a:rPr lang="en-US" altLang="ko-KR"/>
+              <a:t>Data Binding</a:t>
+            </a:r>
+            <a:r>
+              <a:rPr lang="ko-KR" altLang="en-US"/>
+              <a:t>으로 인해 자동으로 업데이트 됩니다</a:t>
+            </a:r>
+            <a:r>
+              <a:rPr lang="en-US" altLang="ko-KR"/>
+              <a:t>.</a:t>
+            </a:r>
+          </a:p>
+          <a:p>
+            <a:endParaRPr lang="en-US" altLang="ko-KR"/>
+          </a:p>
+          <a:p>
+            <a:r>
+              <a:rPr lang="ko-KR" altLang="en-US"/>
+              <a:t>그림에서 보시는 것과 같이 각 </a:t>
+            </a:r>
+            <a:r>
+              <a:rPr lang="en-US" altLang="ko-KR"/>
+              <a:t>View</a:t>
+            </a:r>
+            <a:r>
+              <a:rPr lang="ko-KR" altLang="en-US"/>
+              <a:t>는 그에 맞는 </a:t>
+            </a:r>
+            <a:r>
+              <a:rPr lang="en-US" altLang="ko-KR"/>
+              <a:t>View Model</a:t>
+            </a:r>
+            <a:r>
+              <a:rPr lang="ko-KR" altLang="en-US"/>
+              <a:t>을 가지고 있고</a:t>
+            </a:r>
+            <a:r>
+              <a:rPr lang="en-US" altLang="ko-KR"/>
+              <a:t>, </a:t>
+            </a:r>
+            <a:r>
+              <a:rPr lang="ko-KR" altLang="en-US"/>
+              <a:t>데이터바인딩이 잘 활용되어 모든 의존성이 해결된 것을 볼 수 있습니다</a:t>
+            </a:r>
+            <a:r>
+              <a:rPr lang="en-US" altLang="ko-KR"/>
+              <a:t>.</a:t>
+            </a:r>
+          </a:p>
+          <a:p>
+            <a:endParaRPr lang="en-US" altLang="ko-KR"/>
+          </a:p>
+          <a:p>
+            <a:r>
+              <a:rPr lang="ko-KR" altLang="en-US"/>
+              <a:t>각각 모든 구성요소가 독립적이기 때문에 모듈화하여 개발할 수 있다는 장점도 존재합니다</a:t>
+            </a:r>
+            <a:r>
+              <a:rPr lang="en-US" altLang="ko-KR"/>
+              <a:t>.</a:t>
+            </a:r>
+          </a:p>
+          <a:p>
+            <a:endParaRPr lang="en-US" altLang="ko-KR"/>
+          </a:p>
+          <a:p>
+            <a:r>
+              <a:rPr lang="ko-KR" altLang="en-US"/>
+              <a:t>다만 이 </a:t>
+            </a:r>
+            <a:r>
+              <a:rPr lang="en-US" altLang="ko-KR"/>
+              <a:t>View Model </a:t>
+            </a:r>
+            <a:r>
+              <a:rPr lang="ko-KR" altLang="en-US"/>
+              <a:t>이라는 것을 설계하는 것이 상당히 어렵다고하네요</a:t>
+            </a:r>
+            <a:endParaRPr lang="en-US" altLang="ko-KR"/>
+          </a:p>
+          <a:p>
+            <a:endParaRPr lang="en-US" altLang="ko-KR"/>
+          </a:p>
+          <a:p>
+            <a:pPr marL="0" marR="0" lvl="0" indent="0" algn="l" defTabSz="914400" rtl="0" eaLnBrk="1" fontAlgn="auto" latinLnBrk="1" hangingPunct="1">
+              <a:lnSpc>
+                <a:spcPct val="100000"/>
+              </a:lnSpc>
+              <a:spcBef>
+                <a:spcPts val="0"/>
+              </a:spcBef>
+              <a:spcAft>
+                <a:spcPts val="0"/>
+              </a:spcAft>
+              <a:buClrTx/>
+              <a:buSzTx/>
+              <a:buFontTx/>
+              <a:buNone/>
+              <a:tabLst/>
+              <a:defRPr/>
+            </a:pPr>
+            <a:r>
+              <a:rPr lang="ko-KR" altLang="en-US"/>
+              <a:t>하지만 사람들이 미리 만들어 둔 </a:t>
+            </a:r>
+            <a:r>
+              <a:rPr lang="en-US" altLang="ko-KR"/>
+              <a:t>View Model</a:t>
+            </a:r>
+            <a:r>
+              <a:rPr lang="ko-KR" altLang="en-US"/>
+              <a:t>이 있었고 제가 몇 주간 세미나로 소개를 드렸는데요</a:t>
+            </a:r>
+            <a:endParaRPr lang="en-US" altLang="ko-KR"/>
+          </a:p>
+          <a:p>
+            <a:endParaRPr lang="en-US" altLang="ko-KR"/>
+          </a:p>
+        </p:txBody>
+      </p:sp>
+      <p:sp>
+        <p:nvSpPr>
+          <p:cNvPr id="4" name="슬라이드 번호 개체 틀 3"/>
+          <p:cNvSpPr>
+            <a:spLocks noGrp="1"/>
+          </p:cNvSpPr>
+          <p:nvPr>
+            <p:ph type="sldNum" sz="quarter" idx="5"/>
+          </p:nvPr>
+        </p:nvSpPr>
+        <p:spPr/>
+        <p:txBody>
+          <a:bodyPr/>
+          <a:lstStyle/>
+          <a:p>
+            <a:fld id="{D77D3CDB-C11F-4B3C-8011-4CB70A9F6877}" type="slidenum">
+              <a:rPr lang="ko-KR" altLang="en-US" smtClean="0"/>
+              <a:t>13</a:t>
+            </a:fld>
+            <a:endParaRPr lang="ko-KR" altLang="en-US"/>
+          </a:p>
+        </p:txBody>
+      </p:sp>
+    </p:spTree>
+    <p:extLst>
+      <p:ext uri="{BB962C8B-B14F-4D97-AF65-F5344CB8AC3E}">
+        <p14:creationId xmlns:p14="http://schemas.microsoft.com/office/powerpoint/2010/main" val="151105123"/>
+      </p:ext>
+    </p:extLst>
+  </p:cSld>
+  <p:clrMapOvr>
+    <a:masterClrMapping/>
+  </p:clrMapOvr>
+</p:notes>
+</file>
+
+<file path=ppt/notesSlides/notesSlide14.xml><?xml version="1.0" encoding="utf-8"?>
+<p:notes xmlns:a="http://schemas.openxmlformats.org/drawingml/2006/main" xmlns:r="http://schemas.openxmlformats.org/officeDocument/2006/relationships" xmlns:p="http://schemas.openxmlformats.org/presentationml/2006/main">
+  <p:cSld>
+    <p:spTree>
+      <p:nvGrpSpPr>
+        <p:cNvPr id="1" name=""/>
+        <p:cNvGrpSpPr/>
+        <p:nvPr/>
+      </p:nvGrpSpPr>
+      <p:grpSpPr>
+        <a:xfrm>
+          <a:off x="0" y="0"/>
+          <a:ext cx="0" cy="0"/>
+          <a:chOff x="0" y="0"/>
+          <a:chExt cx="0" cy="0"/>
+        </a:xfrm>
+      </p:grpSpPr>
+      <p:sp>
+        <p:nvSpPr>
+          <p:cNvPr id="2" name="슬라이드 이미지 개체 틀 1"/>
+          <p:cNvSpPr>
+            <a:spLocks noGrp="1" noRot="1" noChangeAspect="1"/>
+          </p:cNvSpPr>
+          <p:nvPr>
+            <p:ph type="sldImg"/>
+          </p:nvPr>
+        </p:nvSpPr>
+        <p:spPr/>
+      </p:sp>
+      <p:sp>
+        <p:nvSpPr>
+          <p:cNvPr id="3" name="슬라이드 노트 개체 틀 2"/>
+          <p:cNvSpPr>
+            <a:spLocks noGrp="1"/>
+          </p:cNvSpPr>
+          <p:nvPr>
+            <p:ph type="body" idx="1"/>
+          </p:nvPr>
+        </p:nvSpPr>
+        <p:spPr/>
+        <p:txBody>
+          <a:bodyPr/>
+          <a:lstStyle/>
+          <a:p>
+            <a:r>
+              <a:rPr lang="ko-KR" altLang="en-US"/>
+              <a:t>그게 바로 자바스크립트 프레임워크인 </a:t>
+            </a:r>
+            <a:r>
+              <a:rPr lang="en-US" altLang="ko-KR"/>
+              <a:t>Vue.js </a:t>
+            </a:r>
+            <a:r>
+              <a:rPr lang="ko-KR" altLang="en-US"/>
+              <a:t>입니다</a:t>
+            </a:r>
+            <a:r>
+              <a:rPr lang="en-US" altLang="ko-KR"/>
+              <a:t>.</a:t>
+            </a:r>
+          </a:p>
+          <a:p>
+            <a:endParaRPr lang="en-US" altLang="ko-KR"/>
+          </a:p>
+          <a:p>
+            <a:r>
+              <a:rPr lang="ko-KR" altLang="en-US"/>
+              <a:t>즉 우리는 </a:t>
+            </a:r>
+            <a:r>
+              <a:rPr lang="en-US" altLang="ko-KR"/>
+              <a:t>Vue.js</a:t>
+            </a:r>
+            <a:r>
+              <a:rPr lang="ko-KR" altLang="en-US"/>
+              <a:t>를 통해 실제 화면에 보여지는 </a:t>
+            </a:r>
+            <a:r>
+              <a:rPr lang="en-US" altLang="ko-KR"/>
+              <a:t>View</a:t>
+            </a:r>
+            <a:r>
+              <a:rPr lang="ko-KR" altLang="en-US"/>
+              <a:t>와 데이터들에 대한 처리가 이루어지는 </a:t>
+            </a:r>
+            <a:r>
+              <a:rPr lang="en-US" altLang="ko-KR"/>
+              <a:t>Model</a:t>
+            </a:r>
+            <a:r>
+              <a:rPr lang="ko-KR" altLang="en-US"/>
+              <a:t>의 관리가 간편하게 이루어지는 것을 알 수 있었습니다</a:t>
+            </a:r>
+            <a:r>
+              <a:rPr lang="en-US" altLang="ko-KR"/>
+              <a:t>.</a:t>
+            </a:r>
+          </a:p>
+        </p:txBody>
+      </p:sp>
+      <p:sp>
+        <p:nvSpPr>
+          <p:cNvPr id="4" name="슬라이드 번호 개체 틀 3"/>
+          <p:cNvSpPr>
+            <a:spLocks noGrp="1"/>
+          </p:cNvSpPr>
+          <p:nvPr>
+            <p:ph type="sldNum" sz="quarter" idx="5"/>
+          </p:nvPr>
+        </p:nvSpPr>
+        <p:spPr/>
+        <p:txBody>
+          <a:bodyPr/>
+          <a:lstStyle/>
+          <a:p>
+            <a:fld id="{D77D3CDB-C11F-4B3C-8011-4CB70A9F6877}" type="slidenum">
+              <a:rPr lang="ko-KR" altLang="en-US" smtClean="0"/>
+              <a:t>14</a:t>
+            </a:fld>
+            <a:endParaRPr lang="ko-KR" altLang="en-US"/>
+          </a:p>
+        </p:txBody>
+      </p:sp>
+    </p:spTree>
+    <p:extLst>
+      <p:ext uri="{BB962C8B-B14F-4D97-AF65-F5344CB8AC3E}">
+        <p14:creationId xmlns:p14="http://schemas.microsoft.com/office/powerpoint/2010/main" val="1058423772"/>
+      </p:ext>
+    </p:extLst>
+  </p:cSld>
+  <p:clrMapOvr>
+    <a:masterClrMapping/>
+  </p:clrMapOvr>
+</p:notes>
+</file>
+
+<file path=ppt/notesSlides/notesSlide15.xml><?xml version="1.0" encoding="utf-8"?>
+<p:notes xmlns:a="http://schemas.openxmlformats.org/drawingml/2006/main" xmlns:r="http://schemas.openxmlformats.org/officeDocument/2006/relationships" xmlns:p="http://schemas.openxmlformats.org/presentationml/2006/main">
+  <p:cSld>
+    <p:spTree>
+      <p:nvGrpSpPr>
+        <p:cNvPr id="1" name=""/>
+        <p:cNvGrpSpPr/>
+        <p:nvPr/>
+      </p:nvGrpSpPr>
+      <p:grpSpPr>
+        <a:xfrm>
+          <a:off x="0" y="0"/>
+          <a:ext cx="0" cy="0"/>
+          <a:chOff x="0" y="0"/>
+          <a:chExt cx="0" cy="0"/>
+        </a:xfrm>
+      </p:grpSpPr>
+      <p:sp>
+        <p:nvSpPr>
+          <p:cNvPr id="2" name="슬라이드 이미지 개체 틀 1"/>
+          <p:cNvSpPr>
+            <a:spLocks noGrp="1" noRot="1" noChangeAspect="1"/>
+          </p:cNvSpPr>
+          <p:nvPr>
+            <p:ph type="sldImg"/>
+          </p:nvPr>
+        </p:nvSpPr>
+        <p:spPr/>
+      </p:sp>
+      <p:sp>
+        <p:nvSpPr>
+          <p:cNvPr id="3" name="슬라이드 노트 개체 틀 2"/>
+          <p:cNvSpPr>
+            <a:spLocks noGrp="1"/>
+          </p:cNvSpPr>
+          <p:nvPr>
+            <p:ph type="body" idx="1"/>
+          </p:nvPr>
+        </p:nvSpPr>
+        <p:spPr/>
+        <p:txBody>
+          <a:bodyPr/>
+          <a:lstStyle/>
+          <a:p>
+            <a:r>
+              <a:rPr lang="ko-KR" altLang="en-US"/>
+              <a:t>지금까지 세 프레임워크 패턴을 비교하고 장단</a:t>
+            </a:r>
+            <a:endParaRPr lang="en-US" altLang="ko-KR"/>
+          </a:p>
+        </p:txBody>
+      </p:sp>
+      <p:sp>
+        <p:nvSpPr>
+          <p:cNvPr id="4" name="슬라이드 번호 개체 틀 3"/>
+          <p:cNvSpPr>
+            <a:spLocks noGrp="1"/>
+          </p:cNvSpPr>
+          <p:nvPr>
+            <p:ph type="sldNum" sz="quarter" idx="5"/>
+          </p:nvPr>
+        </p:nvSpPr>
+        <p:spPr/>
+        <p:txBody>
+          <a:bodyPr/>
+          <a:lstStyle/>
+          <a:p>
+            <a:fld id="{D77D3CDB-C11F-4B3C-8011-4CB70A9F6877}" type="slidenum">
+              <a:rPr lang="ko-KR" altLang="en-US" smtClean="0"/>
+              <a:t>15</a:t>
+            </a:fld>
+            <a:endParaRPr lang="ko-KR" altLang="en-US"/>
+          </a:p>
+        </p:txBody>
+      </p:sp>
+    </p:spTree>
+    <p:extLst>
+      <p:ext uri="{BB962C8B-B14F-4D97-AF65-F5344CB8AC3E}">
+        <p14:creationId xmlns:p14="http://schemas.microsoft.com/office/powerpoint/2010/main" val="2383650552"/>
+      </p:ext>
+    </p:extLst>
+  </p:cSld>
+  <p:clrMapOvr>
+    <a:masterClrMapping/>
+  </p:clrMapOvr>
+</p:notes>
+</file>
+
+<file path=ppt/notesSlides/notesSlide16.xml><?xml version="1.0" encoding="utf-8"?>
+<p:notes xmlns:a="http://schemas.openxmlformats.org/drawingml/2006/main" xmlns:r="http://schemas.openxmlformats.org/officeDocument/2006/relationships" xmlns:p="http://schemas.openxmlformats.org/presentationml/2006/main">
+  <p:cSld>
+    <p:spTree>
+      <p:nvGrpSpPr>
+        <p:cNvPr id="1" name=""/>
+        <p:cNvGrpSpPr/>
+        <p:nvPr/>
+      </p:nvGrpSpPr>
+      <p:grpSpPr>
+        <a:xfrm>
+          <a:off x="0" y="0"/>
+          <a:ext cx="0" cy="0"/>
+          <a:chOff x="0" y="0"/>
+          <a:chExt cx="0" cy="0"/>
+        </a:xfrm>
+      </p:grpSpPr>
+      <p:sp>
+        <p:nvSpPr>
+          <p:cNvPr id="2" name="슬라이드 이미지 개체 틀 1"/>
+          <p:cNvSpPr>
+            <a:spLocks noGrp="1" noRot="1" noChangeAspect="1"/>
+          </p:cNvSpPr>
+          <p:nvPr>
+            <p:ph type="sldImg"/>
+          </p:nvPr>
+        </p:nvSpPr>
+        <p:spPr/>
+      </p:sp>
+      <p:sp>
+        <p:nvSpPr>
+          <p:cNvPr id="3" name="슬라이드 노트 개체 틀 2"/>
+          <p:cNvSpPr>
+            <a:spLocks noGrp="1"/>
+          </p:cNvSpPr>
+          <p:nvPr>
+            <p:ph type="body" idx="1"/>
+          </p:nvPr>
+        </p:nvSpPr>
+        <p:spPr/>
+        <p:txBody>
+          <a:bodyPr/>
+          <a:lstStyle/>
+          <a:p>
+            <a:endParaRPr lang="ko-KR" altLang="en-US" dirty="0"/>
+          </a:p>
+        </p:txBody>
+      </p:sp>
+      <p:sp>
+        <p:nvSpPr>
+          <p:cNvPr id="4" name="슬라이드 번호 개체 틀 3"/>
+          <p:cNvSpPr>
+            <a:spLocks noGrp="1"/>
+          </p:cNvSpPr>
+          <p:nvPr>
+            <p:ph type="sldNum" sz="quarter" idx="5"/>
+          </p:nvPr>
+        </p:nvSpPr>
+        <p:spPr/>
+        <p:txBody>
+          <a:bodyPr/>
+          <a:lstStyle/>
+          <a:p>
+            <a:fld id="{D77D3CDB-C11F-4B3C-8011-4CB70A9F6877}" type="slidenum">
+              <a:rPr lang="ko-KR" altLang="en-US" smtClean="0"/>
+              <a:t>16</a:t>
             </a:fld>
             <a:endParaRPr lang="ko-KR" altLang="en-US"/>
           </a:p>
@@ -1665,12 +3017,6 @@
               <a:t>.</a:t>
             </a:r>
           </a:p>
-          <a:p>
-            <a:endParaRPr lang="en-US" altLang="ko-KR"/>
-          </a:p>
-          <a:p>
-            <a:endParaRPr lang="en-US" altLang="ko-KR"/>
-          </a:p>
         </p:txBody>
       </p:sp>
       <p:sp>
@@ -1823,20 +3169,7 @@
           <a:p>
             <a:r>
               <a:rPr lang="ko-KR" altLang="en-US"/>
-              <a:t>디자인 패턴에 있는 기법들을 몇 가지 합성하여 만든 패턴을 합성 패턴이라고 하는데요</a:t>
-            </a:r>
-            <a:r>
-              <a:rPr lang="en-US" altLang="ko-KR"/>
-              <a:t>.</a:t>
-            </a:r>
-          </a:p>
-          <a:p>
-            <a:endParaRPr lang="en-US" altLang="ko-KR"/>
-          </a:p>
-          <a:p>
-            <a:r>
-              <a:rPr lang="ko-KR" altLang="en-US"/>
-              <a:t>저희는 지금부터 이 합성 패턴 중에서 웹 프레임워크 구현이나</a:t>
+              <a:t>저희는 지금부터 웹 프레임워크 구현이나</a:t>
             </a:r>
             <a:r>
               <a:rPr lang="en-US" altLang="ko-KR"/>
@@ -2410,7 +3743,7 @@
             </a:r>
             <a:r>
               <a:rPr lang="ko-KR" altLang="en-US"/>
-              <a:t>가 사용자 요청에 맞는 웹 페이지를 서비스하기 위해 </a:t>
+              <a:t>가 사용자 요청에 맞는 웹 페이지를 보여주기 위해 </a:t>
             </a:r>
             <a:r>
               <a:rPr lang="en-US" altLang="ko-KR"/>
@@ -2447,15 +3780,7 @@
             </a:r>
             <a:r>
               <a:rPr lang="ko-KR" altLang="en-US"/>
-              <a:t>가 이에 적합한 </a:t>
-            </a:r>
-            <a:r>
-              <a:rPr lang="en-US" altLang="ko-KR"/>
-              <a:t>View</a:t>
-            </a:r>
-            <a:r>
-              <a:rPr lang="ko-KR" altLang="en-US"/>
-              <a:t>를 선택하게되고</a:t>
+              <a:t>가 이에 적합한 화면을 선택하게되고</a:t>
             </a:r>
             <a:r>
               <a:rPr lang="en-US" altLang="ko-KR"/>
@@ -2468,15 +3793,7 @@
           <a:p>
             <a:r>
               <a:rPr lang="ko-KR" altLang="en-US"/>
-              <a:t>선택된 </a:t>
-            </a:r>
-            <a:r>
-              <a:rPr lang="en-US" altLang="ko-KR"/>
-              <a:t>View</a:t>
-            </a:r>
-            <a:r>
-              <a:rPr lang="ko-KR" altLang="en-US"/>
-              <a:t>가 세 가지 방법으로 업데이트가 되어 사용자에게 웹 페이지가 보여지게 됩니다</a:t>
+              <a:t>선택된 화면은 세 가지 방법으로 업데이트가 되어 사용자눈에 보여지게 됩니다</a:t>
             </a:r>
             <a:r>
               <a:rPr lang="en-US" altLang="ko-KR"/>
@@ -6287,6 +7604,450 @@
           </p:txBody>
         </p:sp>
       </p:grpSp>
+      <p:sp>
+        <p:nvSpPr>
+          <p:cNvPr id="3" name="TextBox 2">
+            <a:extLst>
+              <a:ext uri="{FF2B5EF4-FFF2-40B4-BE49-F238E27FC236}">
+                <a16:creationId xmlns:a16="http://schemas.microsoft.com/office/drawing/2014/main" id="{825458F8-3DF3-43ED-A651-B1AAD2E6B8F6}"/>
+              </a:ext>
+            </a:extLst>
+          </p:cNvPr>
+          <p:cNvSpPr txBox="1"/>
+          <p:nvPr/>
+        </p:nvSpPr>
+        <p:spPr>
+          <a:xfrm>
+            <a:off x="2127794" y="1930400"/>
+            <a:ext cx="2209259" cy="646331"/>
+          </a:xfrm>
+          <a:prstGeom prst="rect">
+            <a:avLst/>
+          </a:prstGeom>
+          <a:noFill/>
+        </p:spPr>
+        <p:txBody>
+          <a:bodyPr wrap="none" rtlCol="0">
+            <a:spAutoFit/>
+          </a:bodyPr>
+          <a:lstStyle/>
+          <a:p>
+            <a:pPr algn="ctr"/>
+            <a:r>
+              <a:rPr lang="en-US" altLang="ko-KR" sz="3600"/>
+              <a:t>M: Model</a:t>
+            </a:r>
+            <a:endParaRPr lang="ko-KR" altLang="en-US" sz="3600"/>
+          </a:p>
+        </p:txBody>
+      </p:sp>
+      <p:sp>
+        <p:nvSpPr>
+          <p:cNvPr id="7" name="TextBox 6">
+            <a:extLst>
+              <a:ext uri="{FF2B5EF4-FFF2-40B4-BE49-F238E27FC236}">
+                <a16:creationId xmlns:a16="http://schemas.microsoft.com/office/drawing/2014/main" id="{82E76D40-6319-4A2F-B7C5-52FE12B839FC}"/>
+              </a:ext>
+            </a:extLst>
+          </p:cNvPr>
+          <p:cNvSpPr txBox="1"/>
+          <p:nvPr/>
+        </p:nvSpPr>
+        <p:spPr>
+          <a:xfrm>
+            <a:off x="5228615" y="3105834"/>
+            <a:ext cx="1734770" cy="646331"/>
+          </a:xfrm>
+          <a:prstGeom prst="rect">
+            <a:avLst/>
+          </a:prstGeom>
+          <a:noFill/>
+        </p:spPr>
+        <p:txBody>
+          <a:bodyPr wrap="none" rtlCol="0">
+            <a:spAutoFit/>
+          </a:bodyPr>
+          <a:lstStyle/>
+          <a:p>
+            <a:pPr algn="ctr"/>
+            <a:r>
+              <a:rPr lang="en-US" altLang="ko-KR" sz="3600"/>
+              <a:t>V: View</a:t>
+            </a:r>
+            <a:endParaRPr lang="ko-KR" altLang="en-US" sz="3600"/>
+          </a:p>
+        </p:txBody>
+      </p:sp>
+      <p:sp>
+        <p:nvSpPr>
+          <p:cNvPr id="8" name="TextBox 7">
+            <a:extLst>
+              <a:ext uri="{FF2B5EF4-FFF2-40B4-BE49-F238E27FC236}">
+                <a16:creationId xmlns:a16="http://schemas.microsoft.com/office/drawing/2014/main" id="{6DA82F74-3C7B-4AB7-8D9B-9FD24C0A005D}"/>
+              </a:ext>
+            </a:extLst>
+          </p:cNvPr>
+          <p:cNvSpPr txBox="1"/>
+          <p:nvPr/>
+        </p:nvSpPr>
+        <p:spPr>
+          <a:xfrm>
+            <a:off x="7858880" y="4194182"/>
+            <a:ext cx="2657331" cy="646331"/>
+          </a:xfrm>
+          <a:prstGeom prst="rect">
+            <a:avLst/>
+          </a:prstGeom>
+          <a:noFill/>
+        </p:spPr>
+        <p:txBody>
+          <a:bodyPr wrap="none" rtlCol="0">
+            <a:spAutoFit/>
+          </a:bodyPr>
+          <a:lstStyle/>
+          <a:p>
+            <a:pPr algn="ctr"/>
+            <a:r>
+              <a:rPr lang="en-US" altLang="ko-KR" sz="3600"/>
+              <a:t>P: Presenter</a:t>
+            </a:r>
+            <a:endParaRPr lang="ko-KR" altLang="en-US" sz="3600"/>
+          </a:p>
+        </p:txBody>
+      </p:sp>
+    </p:spTree>
+    <p:extLst>
+      <p:ext uri="{BB962C8B-B14F-4D97-AF65-F5344CB8AC3E}">
+        <p14:creationId xmlns:p14="http://schemas.microsoft.com/office/powerpoint/2010/main" val="42610946"/>
+      </p:ext>
+    </p:extLst>
+  </p:cSld>
+  <p:clrMapOvr>
+    <a:masterClrMapping/>
+  </p:clrMapOvr>
+  <p:timing>
+    <p:tnLst>
+      <p:par>
+        <p:cTn id="1" dur="indefinite" restart="never" nodeType="tmRoot">
+          <p:childTnLst>
+            <p:seq concurrent="1" nextAc="seek">
+              <p:cTn id="2" dur="indefinite" nodeType="mainSeq">
+                <p:childTnLst>
+                  <p:par>
+                    <p:cTn id="3" fill="hold">
+                      <p:stCondLst>
+                        <p:cond delay="indefinite"/>
+                      </p:stCondLst>
+                      <p:childTnLst>
+                        <p:par>
+                          <p:cTn id="4" fill="hold">
+                            <p:stCondLst>
+                              <p:cond delay="0"/>
+                            </p:stCondLst>
+                            <p:childTnLst>
+                              <p:par>
+                                <p:cTn id="5" presetID="1" presetClass="entr" presetSubtype="0" fill="hold" grpId="0" nodeType="clickEffect">
+                                  <p:stCondLst>
+                                    <p:cond delay="0"/>
+                                  </p:stCondLst>
+                                  <p:childTnLst>
+                                    <p:set>
+                                      <p:cBhvr>
+                                        <p:cTn id="6" dur="1" fill="hold">
+                                          <p:stCondLst>
+                                            <p:cond delay="0"/>
+                                          </p:stCondLst>
+                                        </p:cTn>
+                                        <p:tgtEl>
+                                          <p:spTgt spid="3"/>
+                                        </p:tgtEl>
+                                        <p:attrNameLst>
+                                          <p:attrName>style.visibility</p:attrName>
+                                        </p:attrNameLst>
+                                      </p:cBhvr>
+                                      <p:to>
+                                        <p:strVal val="visible"/>
+                                      </p:to>
+                                    </p:set>
+                                  </p:childTnLst>
+                                </p:cTn>
+                              </p:par>
+                            </p:childTnLst>
+                          </p:cTn>
+                        </p:par>
+                      </p:childTnLst>
+                    </p:cTn>
+                  </p:par>
+                  <p:par>
+                    <p:cTn id="7" fill="hold">
+                      <p:stCondLst>
+                        <p:cond delay="indefinite"/>
+                      </p:stCondLst>
+                      <p:childTnLst>
+                        <p:par>
+                          <p:cTn id="8" fill="hold">
+                            <p:stCondLst>
+                              <p:cond delay="0"/>
+                            </p:stCondLst>
+                            <p:childTnLst>
+                              <p:par>
+                                <p:cTn id="9" presetID="1" presetClass="entr" presetSubtype="0" fill="hold" grpId="0" nodeType="clickEffect">
+                                  <p:stCondLst>
+                                    <p:cond delay="0"/>
+                                  </p:stCondLst>
+                                  <p:childTnLst>
+                                    <p:set>
+                                      <p:cBhvr>
+                                        <p:cTn id="10" dur="1" fill="hold">
+                                          <p:stCondLst>
+                                            <p:cond delay="0"/>
+                                          </p:stCondLst>
+                                        </p:cTn>
+                                        <p:tgtEl>
+                                          <p:spTgt spid="7"/>
+                                        </p:tgtEl>
+                                        <p:attrNameLst>
+                                          <p:attrName>style.visibility</p:attrName>
+                                        </p:attrNameLst>
+                                      </p:cBhvr>
+                                      <p:to>
+                                        <p:strVal val="visible"/>
+                                      </p:to>
+                                    </p:set>
+                                  </p:childTnLst>
+                                </p:cTn>
+                              </p:par>
+                            </p:childTnLst>
+                          </p:cTn>
+                        </p:par>
+                      </p:childTnLst>
+                    </p:cTn>
+                  </p:par>
+                  <p:par>
+                    <p:cTn id="11" fill="hold">
+                      <p:stCondLst>
+                        <p:cond delay="indefinite"/>
+                      </p:stCondLst>
+                      <p:childTnLst>
+                        <p:par>
+                          <p:cTn id="12" fill="hold">
+                            <p:stCondLst>
+                              <p:cond delay="0"/>
+                            </p:stCondLst>
+                            <p:childTnLst>
+                              <p:par>
+                                <p:cTn id="13" presetID="1" presetClass="entr" presetSubtype="0" fill="hold" grpId="0" nodeType="clickEffect">
+                                  <p:stCondLst>
+                                    <p:cond delay="0"/>
+                                  </p:stCondLst>
+                                  <p:childTnLst>
+                                    <p:set>
+                                      <p:cBhvr>
+                                        <p:cTn id="14" dur="1" fill="hold">
+                                          <p:stCondLst>
+                                            <p:cond delay="0"/>
+                                          </p:stCondLst>
+                                        </p:cTn>
+                                        <p:tgtEl>
+                                          <p:spTgt spid="8"/>
+                                        </p:tgtEl>
+                                        <p:attrNameLst>
+                                          <p:attrName>style.visibility</p:attrName>
+                                        </p:attrNameLst>
+                                      </p:cBhvr>
+                                      <p:to>
+                                        <p:strVal val="visible"/>
+                                      </p:to>
+                                    </p:set>
+                                  </p:childTnLst>
+                                </p:cTn>
+                              </p:par>
+                            </p:childTnLst>
+                          </p:cTn>
+                        </p:par>
+                      </p:childTnLst>
+                    </p:cTn>
+                  </p:par>
+                </p:childTnLst>
+              </p:cTn>
+              <p:prevCondLst>
+                <p:cond evt="onPrev" delay="0">
+                  <p:tgtEl>
+                    <p:sldTgt/>
+                  </p:tgtEl>
+                </p:cond>
+              </p:prevCondLst>
+              <p:nextCondLst>
+                <p:cond evt="onNext" delay="0">
+                  <p:tgtEl>
+                    <p:sldTgt/>
+                  </p:tgtEl>
+                </p:cond>
+              </p:nextCondLst>
+            </p:seq>
+          </p:childTnLst>
+        </p:cTn>
+      </p:par>
+    </p:tnLst>
+    <p:bldLst>
+      <p:bldP spid="3" grpId="0"/>
+      <p:bldP spid="7" grpId="0"/>
+      <p:bldP spid="8" grpId="0"/>
+    </p:bldLst>
+  </p:timing>
+</p:sld>
+</file>
+
+<file path=ppt/slides/slide11.xml><?xml version="1.0" encoding="utf-8"?>
+<p:sld xmlns:a="http://schemas.openxmlformats.org/drawingml/2006/main" xmlns:r="http://schemas.openxmlformats.org/officeDocument/2006/relationships" xmlns:p="http://schemas.openxmlformats.org/presentationml/2006/main">
+  <p:cSld>
+    <p:spTree>
+      <p:nvGrpSpPr>
+        <p:cNvPr id="1" name=""/>
+        <p:cNvGrpSpPr/>
+        <p:nvPr/>
+      </p:nvGrpSpPr>
+      <p:grpSpPr>
+        <a:xfrm>
+          <a:off x="0" y="0"/>
+          <a:ext cx="0" cy="0"/>
+          <a:chOff x="0" y="0"/>
+          <a:chExt cx="0" cy="0"/>
+        </a:xfrm>
+      </p:grpSpPr>
+      <p:grpSp>
+        <p:nvGrpSpPr>
+          <p:cNvPr id="6" name="그룹 5">
+            <a:extLst>
+              <a:ext uri="{FF2B5EF4-FFF2-40B4-BE49-F238E27FC236}">
+                <a16:creationId xmlns:a16="http://schemas.microsoft.com/office/drawing/2014/main" id="{CA7BD838-D4FB-4EA7-B68C-FA7B6D147BA2}"/>
+              </a:ext>
+            </a:extLst>
+          </p:cNvPr>
+          <p:cNvGrpSpPr/>
+          <p:nvPr/>
+        </p:nvGrpSpPr>
+        <p:grpSpPr>
+          <a:xfrm>
+            <a:off x="159192" y="182880"/>
+            <a:ext cx="1852488" cy="854227"/>
+            <a:chOff x="640080" y="-971550"/>
+            <a:chExt cx="1660746" cy="765810"/>
+          </a:xfrm>
+        </p:grpSpPr>
+        <p:sp>
+          <p:nvSpPr>
+            <p:cNvPr id="18" name="TextBox 17">
+              <a:extLst>
+                <a:ext uri="{FF2B5EF4-FFF2-40B4-BE49-F238E27FC236}">
+                  <a16:creationId xmlns:a16="http://schemas.microsoft.com/office/drawing/2014/main" id="{D7B7EE40-BAD9-4569-9BF6-F6E9ACA78A3C}"/>
+                </a:ext>
+              </a:extLst>
+            </p:cNvPr>
+            <p:cNvSpPr txBox="1"/>
+            <p:nvPr/>
+          </p:nvSpPr>
+          <p:spPr>
+            <a:xfrm>
+              <a:off x="675005" y="-733504"/>
+              <a:ext cx="1590896" cy="289716"/>
+            </a:xfrm>
+            <a:prstGeom prst="rect">
+              <a:avLst/>
+            </a:prstGeom>
+            <a:noFill/>
+          </p:spPr>
+          <p:txBody>
+            <a:bodyPr wrap="square" rtlCol="0">
+              <a:spAutoFit/>
+            </a:bodyPr>
+            <a:lstStyle/>
+            <a:p>
+              <a:pPr algn="ctr"/>
+              <a:r>
+                <a:rPr lang="en-US" altLang="ko-KR" sz="1500">
+                  <a:ln>
+                    <a:solidFill>
+                      <a:schemeClr val="tx1">
+                        <a:alpha val="30000"/>
+                      </a:schemeClr>
+                    </a:solidFill>
+                  </a:ln>
+                  <a:latin typeface="맑은 고딕" panose="020B0503020000020004" pitchFamily="50" charset="-127"/>
+                  <a:ea typeface="맑은 고딕" panose="020B0503020000020004" pitchFamily="50" charset="-127"/>
+                </a:rPr>
+                <a:t>MVP</a:t>
+              </a:r>
+              <a:endParaRPr lang="ko-KR" altLang="en-US" sz="1500" dirty="0">
+                <a:ln>
+                  <a:solidFill>
+                    <a:schemeClr val="tx1">
+                      <a:alpha val="30000"/>
+                    </a:schemeClr>
+                  </a:solidFill>
+                </a:ln>
+                <a:latin typeface="맑은 고딕" panose="020B0503020000020004" pitchFamily="50" charset="-127"/>
+                <a:ea typeface="맑은 고딕" panose="020B0503020000020004" pitchFamily="50" charset="-127"/>
+              </a:endParaRPr>
+            </a:p>
+          </p:txBody>
+        </p:sp>
+        <p:sp>
+          <p:nvSpPr>
+            <p:cNvPr id="5" name="직사각형 4">
+              <a:extLst>
+                <a:ext uri="{FF2B5EF4-FFF2-40B4-BE49-F238E27FC236}">
+                  <a16:creationId xmlns:a16="http://schemas.microsoft.com/office/drawing/2014/main" id="{AB4C8245-D0E4-4D79-B3E9-2FB89CE6FE84}"/>
+                </a:ext>
+              </a:extLst>
+            </p:cNvPr>
+            <p:cNvSpPr/>
+            <p:nvPr/>
+          </p:nvSpPr>
+          <p:spPr>
+            <a:xfrm>
+              <a:off x="640080" y="-971550"/>
+              <a:ext cx="1660746" cy="765810"/>
+            </a:xfrm>
+            <a:prstGeom prst="rect">
+              <a:avLst/>
+            </a:prstGeom>
+            <a:noFill/>
+            <a:ln w="25400">
+              <a:solidFill>
+                <a:schemeClr val="tx1"/>
+              </a:solidFill>
+            </a:ln>
+          </p:spPr>
+          <p:style>
+            <a:lnRef idx="2">
+              <a:schemeClr val="accent1">
+                <a:shade val="50000"/>
+              </a:schemeClr>
+            </a:lnRef>
+            <a:fillRef idx="1">
+              <a:schemeClr val="accent1"/>
+            </a:fillRef>
+            <a:effectRef idx="0">
+              <a:schemeClr val="accent1"/>
+            </a:effectRef>
+            <a:fontRef idx="minor">
+              <a:schemeClr val="lt1"/>
+            </a:fontRef>
+          </p:style>
+          <p:txBody>
+            <a:bodyPr rtlCol="0" anchor="ctr"/>
+            <a:lstStyle/>
+            <a:p>
+              <a:pPr algn="ctr"/>
+              <a:endParaRPr lang="ko-KR" altLang="en-US" dirty="0">
+                <a:latin typeface="맑은 고딕" panose="020B0503020000020004" pitchFamily="50" charset="-127"/>
+                <a:ea typeface="맑은 고딕" panose="020B0503020000020004" pitchFamily="50" charset="-127"/>
+              </a:endParaRPr>
+            </a:p>
+          </p:txBody>
+        </p:sp>
+      </p:grpSp>
       <p:pic>
         <p:nvPicPr>
           <p:cNvPr id="4098" name="Picture 2" descr="MVP">
@@ -6347,7 +8108,1034 @@
 </p:sld>
 </file>
 
-<file path=ppt/slides/slide11.xml><?xml version="1.0" encoding="utf-8"?>
+<file path=ppt/slides/slide12.xml><?xml version="1.0" encoding="utf-8"?>
+<p:sld xmlns:a="http://schemas.openxmlformats.org/drawingml/2006/main" xmlns:r="http://schemas.openxmlformats.org/officeDocument/2006/relationships" xmlns:p="http://schemas.openxmlformats.org/presentationml/2006/main">
+  <p:cSld>
+    <p:spTree>
+      <p:nvGrpSpPr>
+        <p:cNvPr id="1" name=""/>
+        <p:cNvGrpSpPr/>
+        <p:nvPr/>
+      </p:nvGrpSpPr>
+      <p:grpSpPr>
+        <a:xfrm>
+          <a:off x="0" y="0"/>
+          <a:ext cx="0" cy="0"/>
+          <a:chOff x="0" y="0"/>
+          <a:chExt cx="0" cy="0"/>
+        </a:xfrm>
+      </p:grpSpPr>
+      <p:grpSp>
+        <p:nvGrpSpPr>
+          <p:cNvPr id="6" name="그룹 5">
+            <a:extLst>
+              <a:ext uri="{FF2B5EF4-FFF2-40B4-BE49-F238E27FC236}">
+                <a16:creationId xmlns:a16="http://schemas.microsoft.com/office/drawing/2014/main" id="{CA7BD838-D4FB-4EA7-B68C-FA7B6D147BA2}"/>
+              </a:ext>
+            </a:extLst>
+          </p:cNvPr>
+          <p:cNvGrpSpPr/>
+          <p:nvPr/>
+        </p:nvGrpSpPr>
+        <p:grpSpPr>
+          <a:xfrm>
+            <a:off x="159192" y="182880"/>
+            <a:ext cx="1852488" cy="854227"/>
+            <a:chOff x="640080" y="-971550"/>
+            <a:chExt cx="1660746" cy="765810"/>
+          </a:xfrm>
+        </p:grpSpPr>
+        <p:sp>
+          <p:nvSpPr>
+            <p:cNvPr id="18" name="TextBox 17">
+              <a:extLst>
+                <a:ext uri="{FF2B5EF4-FFF2-40B4-BE49-F238E27FC236}">
+                  <a16:creationId xmlns:a16="http://schemas.microsoft.com/office/drawing/2014/main" id="{D7B7EE40-BAD9-4569-9BF6-F6E9ACA78A3C}"/>
+                </a:ext>
+              </a:extLst>
+            </p:cNvPr>
+            <p:cNvSpPr txBox="1"/>
+            <p:nvPr/>
+          </p:nvSpPr>
+          <p:spPr>
+            <a:xfrm>
+              <a:off x="675005" y="-733504"/>
+              <a:ext cx="1590896" cy="289716"/>
+            </a:xfrm>
+            <a:prstGeom prst="rect">
+              <a:avLst/>
+            </a:prstGeom>
+            <a:noFill/>
+          </p:spPr>
+          <p:txBody>
+            <a:bodyPr wrap="square" rtlCol="0">
+              <a:spAutoFit/>
+            </a:bodyPr>
+            <a:lstStyle/>
+            <a:p>
+              <a:pPr algn="ctr"/>
+              <a:r>
+                <a:rPr lang="en-US" altLang="ko-KR" sz="1500">
+                  <a:ln>
+                    <a:solidFill>
+                      <a:schemeClr val="tx1">
+                        <a:alpha val="30000"/>
+                      </a:schemeClr>
+                    </a:solidFill>
+                  </a:ln>
+                  <a:latin typeface="맑은 고딕" panose="020B0503020000020004" pitchFamily="50" charset="-127"/>
+                  <a:ea typeface="맑은 고딕" panose="020B0503020000020004" pitchFamily="50" charset="-127"/>
+                </a:rPr>
+                <a:t>MVVM</a:t>
+              </a:r>
+              <a:endParaRPr lang="ko-KR" altLang="en-US" sz="1500" dirty="0">
+                <a:ln>
+                  <a:solidFill>
+                    <a:schemeClr val="tx1">
+                      <a:alpha val="30000"/>
+                    </a:schemeClr>
+                  </a:solidFill>
+                </a:ln>
+                <a:latin typeface="맑은 고딕" panose="020B0503020000020004" pitchFamily="50" charset="-127"/>
+                <a:ea typeface="맑은 고딕" panose="020B0503020000020004" pitchFamily="50" charset="-127"/>
+              </a:endParaRPr>
+            </a:p>
+          </p:txBody>
+        </p:sp>
+        <p:sp>
+          <p:nvSpPr>
+            <p:cNvPr id="5" name="직사각형 4">
+              <a:extLst>
+                <a:ext uri="{FF2B5EF4-FFF2-40B4-BE49-F238E27FC236}">
+                  <a16:creationId xmlns:a16="http://schemas.microsoft.com/office/drawing/2014/main" id="{AB4C8245-D0E4-4D79-B3E9-2FB89CE6FE84}"/>
+                </a:ext>
+              </a:extLst>
+            </p:cNvPr>
+            <p:cNvSpPr/>
+            <p:nvPr/>
+          </p:nvSpPr>
+          <p:spPr>
+            <a:xfrm>
+              <a:off x="640080" y="-971550"/>
+              <a:ext cx="1660746" cy="765810"/>
+            </a:xfrm>
+            <a:prstGeom prst="rect">
+              <a:avLst/>
+            </a:prstGeom>
+            <a:noFill/>
+            <a:ln w="25400">
+              <a:solidFill>
+                <a:schemeClr val="tx1"/>
+              </a:solidFill>
+            </a:ln>
+          </p:spPr>
+          <p:style>
+            <a:lnRef idx="2">
+              <a:schemeClr val="accent1">
+                <a:shade val="50000"/>
+              </a:schemeClr>
+            </a:lnRef>
+            <a:fillRef idx="1">
+              <a:schemeClr val="accent1"/>
+            </a:fillRef>
+            <a:effectRef idx="0">
+              <a:schemeClr val="accent1"/>
+            </a:effectRef>
+            <a:fontRef idx="minor">
+              <a:schemeClr val="lt1"/>
+            </a:fontRef>
+          </p:style>
+          <p:txBody>
+            <a:bodyPr rtlCol="0" anchor="ctr"/>
+            <a:lstStyle/>
+            <a:p>
+              <a:pPr algn="ctr"/>
+              <a:endParaRPr lang="ko-KR" altLang="en-US" dirty="0">
+                <a:latin typeface="맑은 고딕" panose="020B0503020000020004" pitchFamily="50" charset="-127"/>
+                <a:ea typeface="맑은 고딕" panose="020B0503020000020004" pitchFamily="50" charset="-127"/>
+              </a:endParaRPr>
+            </a:p>
+          </p:txBody>
+        </p:sp>
+      </p:grpSp>
+      <p:sp>
+        <p:nvSpPr>
+          <p:cNvPr id="3" name="TextBox 2">
+            <a:extLst>
+              <a:ext uri="{FF2B5EF4-FFF2-40B4-BE49-F238E27FC236}">
+                <a16:creationId xmlns:a16="http://schemas.microsoft.com/office/drawing/2014/main" id="{825458F8-3DF3-43ED-A651-B1AAD2E6B8F6}"/>
+              </a:ext>
+            </a:extLst>
+          </p:cNvPr>
+          <p:cNvSpPr txBox="1"/>
+          <p:nvPr/>
+        </p:nvSpPr>
+        <p:spPr>
+          <a:xfrm>
+            <a:off x="2127794" y="1930400"/>
+            <a:ext cx="2209259" cy="646331"/>
+          </a:xfrm>
+          <a:prstGeom prst="rect">
+            <a:avLst/>
+          </a:prstGeom>
+          <a:noFill/>
+        </p:spPr>
+        <p:txBody>
+          <a:bodyPr wrap="none" rtlCol="0">
+            <a:spAutoFit/>
+          </a:bodyPr>
+          <a:lstStyle/>
+          <a:p>
+            <a:pPr algn="ctr"/>
+            <a:r>
+              <a:rPr lang="en-US" altLang="ko-KR" sz="3600"/>
+              <a:t>M: Model</a:t>
+            </a:r>
+            <a:endParaRPr lang="ko-KR" altLang="en-US" sz="3600"/>
+          </a:p>
+        </p:txBody>
+      </p:sp>
+      <p:sp>
+        <p:nvSpPr>
+          <p:cNvPr id="7" name="TextBox 6">
+            <a:extLst>
+              <a:ext uri="{FF2B5EF4-FFF2-40B4-BE49-F238E27FC236}">
+                <a16:creationId xmlns:a16="http://schemas.microsoft.com/office/drawing/2014/main" id="{82E76D40-6319-4A2F-B7C5-52FE12B839FC}"/>
+              </a:ext>
+            </a:extLst>
+          </p:cNvPr>
+          <p:cNvSpPr txBox="1"/>
+          <p:nvPr/>
+        </p:nvSpPr>
+        <p:spPr>
+          <a:xfrm>
+            <a:off x="5228615" y="3105834"/>
+            <a:ext cx="1734770" cy="646331"/>
+          </a:xfrm>
+          <a:prstGeom prst="rect">
+            <a:avLst/>
+          </a:prstGeom>
+          <a:noFill/>
+        </p:spPr>
+        <p:txBody>
+          <a:bodyPr wrap="none" rtlCol="0">
+            <a:spAutoFit/>
+          </a:bodyPr>
+          <a:lstStyle/>
+          <a:p>
+            <a:pPr algn="ctr"/>
+            <a:r>
+              <a:rPr lang="en-US" altLang="ko-KR" sz="3600"/>
+              <a:t>V: View</a:t>
+            </a:r>
+            <a:endParaRPr lang="ko-KR" altLang="en-US" sz="3600"/>
+          </a:p>
+        </p:txBody>
+      </p:sp>
+      <p:sp>
+        <p:nvSpPr>
+          <p:cNvPr id="8" name="TextBox 7">
+            <a:extLst>
+              <a:ext uri="{FF2B5EF4-FFF2-40B4-BE49-F238E27FC236}">
+                <a16:creationId xmlns:a16="http://schemas.microsoft.com/office/drawing/2014/main" id="{6DA82F74-3C7B-4AB7-8D9B-9FD24C0A005D}"/>
+              </a:ext>
+            </a:extLst>
+          </p:cNvPr>
+          <p:cNvSpPr txBox="1"/>
+          <p:nvPr/>
+        </p:nvSpPr>
+        <p:spPr>
+          <a:xfrm>
+            <a:off x="7358360" y="4194182"/>
+            <a:ext cx="3658374" cy="646331"/>
+          </a:xfrm>
+          <a:prstGeom prst="rect">
+            <a:avLst/>
+          </a:prstGeom>
+          <a:noFill/>
+        </p:spPr>
+        <p:txBody>
+          <a:bodyPr wrap="none" rtlCol="0">
+            <a:spAutoFit/>
+          </a:bodyPr>
+          <a:lstStyle/>
+          <a:p>
+            <a:pPr algn="ctr"/>
+            <a:r>
+              <a:rPr lang="en-US" altLang="ko-KR" sz="3600"/>
+              <a:t>VM: View Model</a:t>
+            </a:r>
+            <a:endParaRPr lang="ko-KR" altLang="en-US" sz="3600"/>
+          </a:p>
+        </p:txBody>
+      </p:sp>
+    </p:spTree>
+    <p:extLst>
+      <p:ext uri="{BB962C8B-B14F-4D97-AF65-F5344CB8AC3E}">
+        <p14:creationId xmlns:p14="http://schemas.microsoft.com/office/powerpoint/2010/main" val="4208905616"/>
+      </p:ext>
+    </p:extLst>
+  </p:cSld>
+  <p:clrMapOvr>
+    <a:masterClrMapping/>
+  </p:clrMapOvr>
+  <p:timing>
+    <p:tnLst>
+      <p:par>
+        <p:cTn id="1" dur="indefinite" restart="never" nodeType="tmRoot">
+          <p:childTnLst>
+            <p:seq concurrent="1" nextAc="seek">
+              <p:cTn id="2" dur="indefinite" nodeType="mainSeq">
+                <p:childTnLst>
+                  <p:par>
+                    <p:cTn id="3" fill="hold">
+                      <p:stCondLst>
+                        <p:cond delay="indefinite"/>
+                      </p:stCondLst>
+                      <p:childTnLst>
+                        <p:par>
+                          <p:cTn id="4" fill="hold">
+                            <p:stCondLst>
+                              <p:cond delay="0"/>
+                            </p:stCondLst>
+                            <p:childTnLst>
+                              <p:par>
+                                <p:cTn id="5" presetID="1" presetClass="entr" presetSubtype="0" fill="hold" grpId="0" nodeType="clickEffect">
+                                  <p:stCondLst>
+                                    <p:cond delay="0"/>
+                                  </p:stCondLst>
+                                  <p:childTnLst>
+                                    <p:set>
+                                      <p:cBhvr>
+                                        <p:cTn id="6" dur="1" fill="hold">
+                                          <p:stCondLst>
+                                            <p:cond delay="0"/>
+                                          </p:stCondLst>
+                                        </p:cTn>
+                                        <p:tgtEl>
+                                          <p:spTgt spid="3"/>
+                                        </p:tgtEl>
+                                        <p:attrNameLst>
+                                          <p:attrName>style.visibility</p:attrName>
+                                        </p:attrNameLst>
+                                      </p:cBhvr>
+                                      <p:to>
+                                        <p:strVal val="visible"/>
+                                      </p:to>
+                                    </p:set>
+                                  </p:childTnLst>
+                                </p:cTn>
+                              </p:par>
+                            </p:childTnLst>
+                          </p:cTn>
+                        </p:par>
+                      </p:childTnLst>
+                    </p:cTn>
+                  </p:par>
+                  <p:par>
+                    <p:cTn id="7" fill="hold">
+                      <p:stCondLst>
+                        <p:cond delay="indefinite"/>
+                      </p:stCondLst>
+                      <p:childTnLst>
+                        <p:par>
+                          <p:cTn id="8" fill="hold">
+                            <p:stCondLst>
+                              <p:cond delay="0"/>
+                            </p:stCondLst>
+                            <p:childTnLst>
+                              <p:par>
+                                <p:cTn id="9" presetID="1" presetClass="entr" presetSubtype="0" fill="hold" grpId="0" nodeType="clickEffect">
+                                  <p:stCondLst>
+                                    <p:cond delay="0"/>
+                                  </p:stCondLst>
+                                  <p:childTnLst>
+                                    <p:set>
+                                      <p:cBhvr>
+                                        <p:cTn id="10" dur="1" fill="hold">
+                                          <p:stCondLst>
+                                            <p:cond delay="0"/>
+                                          </p:stCondLst>
+                                        </p:cTn>
+                                        <p:tgtEl>
+                                          <p:spTgt spid="7"/>
+                                        </p:tgtEl>
+                                        <p:attrNameLst>
+                                          <p:attrName>style.visibility</p:attrName>
+                                        </p:attrNameLst>
+                                      </p:cBhvr>
+                                      <p:to>
+                                        <p:strVal val="visible"/>
+                                      </p:to>
+                                    </p:set>
+                                  </p:childTnLst>
+                                </p:cTn>
+                              </p:par>
+                            </p:childTnLst>
+                          </p:cTn>
+                        </p:par>
+                      </p:childTnLst>
+                    </p:cTn>
+                  </p:par>
+                  <p:par>
+                    <p:cTn id="11" fill="hold">
+                      <p:stCondLst>
+                        <p:cond delay="indefinite"/>
+                      </p:stCondLst>
+                      <p:childTnLst>
+                        <p:par>
+                          <p:cTn id="12" fill="hold">
+                            <p:stCondLst>
+                              <p:cond delay="0"/>
+                            </p:stCondLst>
+                            <p:childTnLst>
+                              <p:par>
+                                <p:cTn id="13" presetID="1" presetClass="entr" presetSubtype="0" fill="hold" grpId="0" nodeType="clickEffect">
+                                  <p:stCondLst>
+                                    <p:cond delay="0"/>
+                                  </p:stCondLst>
+                                  <p:childTnLst>
+                                    <p:set>
+                                      <p:cBhvr>
+                                        <p:cTn id="14" dur="1" fill="hold">
+                                          <p:stCondLst>
+                                            <p:cond delay="0"/>
+                                          </p:stCondLst>
+                                        </p:cTn>
+                                        <p:tgtEl>
+                                          <p:spTgt spid="8"/>
+                                        </p:tgtEl>
+                                        <p:attrNameLst>
+                                          <p:attrName>style.visibility</p:attrName>
+                                        </p:attrNameLst>
+                                      </p:cBhvr>
+                                      <p:to>
+                                        <p:strVal val="visible"/>
+                                      </p:to>
+                                    </p:set>
+                                  </p:childTnLst>
+                                </p:cTn>
+                              </p:par>
+                            </p:childTnLst>
+                          </p:cTn>
+                        </p:par>
+                      </p:childTnLst>
+                    </p:cTn>
+                  </p:par>
+                </p:childTnLst>
+              </p:cTn>
+              <p:prevCondLst>
+                <p:cond evt="onPrev" delay="0">
+                  <p:tgtEl>
+                    <p:sldTgt/>
+                  </p:tgtEl>
+                </p:cond>
+              </p:prevCondLst>
+              <p:nextCondLst>
+                <p:cond evt="onNext" delay="0">
+                  <p:tgtEl>
+                    <p:sldTgt/>
+                  </p:tgtEl>
+                </p:cond>
+              </p:nextCondLst>
+            </p:seq>
+          </p:childTnLst>
+        </p:cTn>
+      </p:par>
+    </p:tnLst>
+    <p:bldLst>
+      <p:bldP spid="3" grpId="0"/>
+      <p:bldP spid="7" grpId="0"/>
+      <p:bldP spid="8" grpId="0"/>
+    </p:bldLst>
+  </p:timing>
+</p:sld>
+</file>
+
+<file path=ppt/slides/slide13.xml><?xml version="1.0" encoding="utf-8"?>
+<p:sld xmlns:a="http://schemas.openxmlformats.org/drawingml/2006/main" xmlns:r="http://schemas.openxmlformats.org/officeDocument/2006/relationships" xmlns:p="http://schemas.openxmlformats.org/presentationml/2006/main">
+  <p:cSld>
+    <p:spTree>
+      <p:nvGrpSpPr>
+        <p:cNvPr id="1" name=""/>
+        <p:cNvGrpSpPr/>
+        <p:nvPr/>
+      </p:nvGrpSpPr>
+      <p:grpSpPr>
+        <a:xfrm>
+          <a:off x="0" y="0"/>
+          <a:ext cx="0" cy="0"/>
+          <a:chOff x="0" y="0"/>
+          <a:chExt cx="0" cy="0"/>
+        </a:xfrm>
+      </p:grpSpPr>
+      <p:grpSp>
+        <p:nvGrpSpPr>
+          <p:cNvPr id="6" name="그룹 5">
+            <a:extLst>
+              <a:ext uri="{FF2B5EF4-FFF2-40B4-BE49-F238E27FC236}">
+                <a16:creationId xmlns:a16="http://schemas.microsoft.com/office/drawing/2014/main" id="{CA7BD838-D4FB-4EA7-B68C-FA7B6D147BA2}"/>
+              </a:ext>
+            </a:extLst>
+          </p:cNvPr>
+          <p:cNvGrpSpPr/>
+          <p:nvPr/>
+        </p:nvGrpSpPr>
+        <p:grpSpPr>
+          <a:xfrm>
+            <a:off x="159192" y="182880"/>
+            <a:ext cx="1852488" cy="854227"/>
+            <a:chOff x="640080" y="-971550"/>
+            <a:chExt cx="1660746" cy="765810"/>
+          </a:xfrm>
+        </p:grpSpPr>
+        <p:sp>
+          <p:nvSpPr>
+            <p:cNvPr id="18" name="TextBox 17">
+              <a:extLst>
+                <a:ext uri="{FF2B5EF4-FFF2-40B4-BE49-F238E27FC236}">
+                  <a16:creationId xmlns:a16="http://schemas.microsoft.com/office/drawing/2014/main" id="{D7B7EE40-BAD9-4569-9BF6-F6E9ACA78A3C}"/>
+                </a:ext>
+              </a:extLst>
+            </p:cNvPr>
+            <p:cNvSpPr txBox="1"/>
+            <p:nvPr/>
+          </p:nvSpPr>
+          <p:spPr>
+            <a:xfrm>
+              <a:off x="675005" y="-733504"/>
+              <a:ext cx="1590896" cy="289716"/>
+            </a:xfrm>
+            <a:prstGeom prst="rect">
+              <a:avLst/>
+            </a:prstGeom>
+            <a:noFill/>
+          </p:spPr>
+          <p:txBody>
+            <a:bodyPr wrap="square" rtlCol="0">
+              <a:spAutoFit/>
+            </a:bodyPr>
+            <a:lstStyle/>
+            <a:p>
+              <a:pPr algn="ctr"/>
+              <a:r>
+                <a:rPr lang="en-US" altLang="ko-KR" sz="1500">
+                  <a:ln>
+                    <a:solidFill>
+                      <a:schemeClr val="tx1">
+                        <a:alpha val="30000"/>
+                      </a:schemeClr>
+                    </a:solidFill>
+                  </a:ln>
+                  <a:latin typeface="맑은 고딕" panose="020B0503020000020004" pitchFamily="50" charset="-127"/>
+                  <a:ea typeface="맑은 고딕" panose="020B0503020000020004" pitchFamily="50" charset="-127"/>
+                </a:rPr>
+                <a:t>MVVM</a:t>
+              </a:r>
+              <a:endParaRPr lang="ko-KR" altLang="en-US" sz="1500" dirty="0">
+                <a:ln>
+                  <a:solidFill>
+                    <a:schemeClr val="tx1">
+                      <a:alpha val="30000"/>
+                    </a:schemeClr>
+                  </a:solidFill>
+                </a:ln>
+                <a:latin typeface="맑은 고딕" panose="020B0503020000020004" pitchFamily="50" charset="-127"/>
+                <a:ea typeface="맑은 고딕" panose="020B0503020000020004" pitchFamily="50" charset="-127"/>
+              </a:endParaRPr>
+            </a:p>
+          </p:txBody>
+        </p:sp>
+        <p:sp>
+          <p:nvSpPr>
+            <p:cNvPr id="5" name="직사각형 4">
+              <a:extLst>
+                <a:ext uri="{FF2B5EF4-FFF2-40B4-BE49-F238E27FC236}">
+                  <a16:creationId xmlns:a16="http://schemas.microsoft.com/office/drawing/2014/main" id="{AB4C8245-D0E4-4D79-B3E9-2FB89CE6FE84}"/>
+                </a:ext>
+              </a:extLst>
+            </p:cNvPr>
+            <p:cNvSpPr/>
+            <p:nvPr/>
+          </p:nvSpPr>
+          <p:spPr>
+            <a:xfrm>
+              <a:off x="640080" y="-971550"/>
+              <a:ext cx="1660746" cy="765810"/>
+            </a:xfrm>
+            <a:prstGeom prst="rect">
+              <a:avLst/>
+            </a:prstGeom>
+            <a:noFill/>
+            <a:ln w="25400">
+              <a:solidFill>
+                <a:schemeClr val="tx1"/>
+              </a:solidFill>
+            </a:ln>
+          </p:spPr>
+          <p:style>
+            <a:lnRef idx="2">
+              <a:schemeClr val="accent1">
+                <a:shade val="50000"/>
+              </a:schemeClr>
+            </a:lnRef>
+            <a:fillRef idx="1">
+              <a:schemeClr val="accent1"/>
+            </a:fillRef>
+            <a:effectRef idx="0">
+              <a:schemeClr val="accent1"/>
+            </a:effectRef>
+            <a:fontRef idx="minor">
+              <a:schemeClr val="lt1"/>
+            </a:fontRef>
+          </p:style>
+          <p:txBody>
+            <a:bodyPr rtlCol="0" anchor="ctr"/>
+            <a:lstStyle/>
+            <a:p>
+              <a:pPr algn="ctr"/>
+              <a:endParaRPr lang="ko-KR" altLang="en-US" dirty="0">
+                <a:latin typeface="맑은 고딕" panose="020B0503020000020004" pitchFamily="50" charset="-127"/>
+                <a:ea typeface="맑은 고딕" panose="020B0503020000020004" pitchFamily="50" charset="-127"/>
+              </a:endParaRPr>
+            </a:p>
+          </p:txBody>
+        </p:sp>
+      </p:grpSp>
+      <p:pic>
+        <p:nvPicPr>
+          <p:cNvPr id="1026" name="Picture 2" descr="MVVM">
+            <a:extLst>
+              <a:ext uri="{FF2B5EF4-FFF2-40B4-BE49-F238E27FC236}">
+                <a16:creationId xmlns:a16="http://schemas.microsoft.com/office/drawing/2014/main" id="{E54C7056-CCFF-41F0-8B7B-DE77C50681C6}"/>
+              </a:ext>
+            </a:extLst>
+          </p:cNvPr>
+          <p:cNvPicPr>
+            <a:picLocks noChangeAspect="1" noChangeArrowheads="1"/>
+          </p:cNvPicPr>
+          <p:nvPr/>
+        </p:nvPicPr>
+        <p:blipFill>
+          <a:blip r:embed="rId3">
+            <a:extLst>
+              <a:ext uri="{28A0092B-C50C-407E-A947-70E740481C1C}">
+                <a14:useLocalDpi xmlns:a14="http://schemas.microsoft.com/office/drawing/2010/main" val="0"/>
+              </a:ext>
+            </a:extLst>
+          </a:blip>
+          <a:srcRect/>
+          <a:stretch>
+            <a:fillRect/>
+          </a:stretch>
+        </p:blipFill>
+        <p:spPr bwMode="auto">
+          <a:xfrm>
+            <a:off x="2414588" y="700088"/>
+            <a:ext cx="7362825" cy="5457825"/>
+          </a:xfrm>
+          <a:prstGeom prst="rect">
+            <a:avLst/>
+          </a:prstGeom>
+          <a:noFill/>
+          <a:extLst>
+            <a:ext uri="{909E8E84-426E-40DD-AFC4-6F175D3DCCD1}">
+              <a14:hiddenFill xmlns:a14="http://schemas.microsoft.com/office/drawing/2010/main">
+                <a:solidFill>
+                  <a:srgbClr val="FFFFFF"/>
+                </a:solidFill>
+              </a14:hiddenFill>
+            </a:ext>
+          </a:extLst>
+        </p:spPr>
+      </p:pic>
+    </p:spTree>
+    <p:extLst>
+      <p:ext uri="{BB962C8B-B14F-4D97-AF65-F5344CB8AC3E}">
+        <p14:creationId xmlns:p14="http://schemas.microsoft.com/office/powerpoint/2010/main" val="182183926"/>
+      </p:ext>
+    </p:extLst>
+  </p:cSld>
+  <p:clrMapOvr>
+    <a:masterClrMapping/>
+  </p:clrMapOvr>
+</p:sld>
+</file>
+
+<file path=ppt/slides/slide14.xml><?xml version="1.0" encoding="utf-8"?>
+<p:sld xmlns:a="http://schemas.openxmlformats.org/drawingml/2006/main" xmlns:r="http://schemas.openxmlformats.org/officeDocument/2006/relationships" xmlns:p="http://schemas.openxmlformats.org/presentationml/2006/main">
+  <p:cSld>
+    <p:spTree>
+      <p:nvGrpSpPr>
+        <p:cNvPr id="1" name=""/>
+        <p:cNvGrpSpPr/>
+        <p:nvPr/>
+      </p:nvGrpSpPr>
+      <p:grpSpPr>
+        <a:xfrm>
+          <a:off x="0" y="0"/>
+          <a:ext cx="0" cy="0"/>
+          <a:chOff x="0" y="0"/>
+          <a:chExt cx="0" cy="0"/>
+        </a:xfrm>
+      </p:grpSpPr>
+      <p:grpSp>
+        <p:nvGrpSpPr>
+          <p:cNvPr id="6" name="그룹 5">
+            <a:extLst>
+              <a:ext uri="{FF2B5EF4-FFF2-40B4-BE49-F238E27FC236}">
+                <a16:creationId xmlns:a16="http://schemas.microsoft.com/office/drawing/2014/main" id="{CA7BD838-D4FB-4EA7-B68C-FA7B6D147BA2}"/>
+              </a:ext>
+            </a:extLst>
+          </p:cNvPr>
+          <p:cNvGrpSpPr/>
+          <p:nvPr/>
+        </p:nvGrpSpPr>
+        <p:grpSpPr>
+          <a:xfrm>
+            <a:off x="159192" y="182880"/>
+            <a:ext cx="1852488" cy="854227"/>
+            <a:chOff x="640080" y="-971550"/>
+            <a:chExt cx="1660746" cy="765810"/>
+          </a:xfrm>
+        </p:grpSpPr>
+        <p:sp>
+          <p:nvSpPr>
+            <p:cNvPr id="18" name="TextBox 17">
+              <a:extLst>
+                <a:ext uri="{FF2B5EF4-FFF2-40B4-BE49-F238E27FC236}">
+                  <a16:creationId xmlns:a16="http://schemas.microsoft.com/office/drawing/2014/main" id="{D7B7EE40-BAD9-4569-9BF6-F6E9ACA78A3C}"/>
+                </a:ext>
+              </a:extLst>
+            </p:cNvPr>
+            <p:cNvSpPr txBox="1"/>
+            <p:nvPr/>
+          </p:nvSpPr>
+          <p:spPr>
+            <a:xfrm>
+              <a:off x="675005" y="-733504"/>
+              <a:ext cx="1590896" cy="289716"/>
+            </a:xfrm>
+            <a:prstGeom prst="rect">
+              <a:avLst/>
+            </a:prstGeom>
+            <a:noFill/>
+          </p:spPr>
+          <p:txBody>
+            <a:bodyPr wrap="square" rtlCol="0">
+              <a:spAutoFit/>
+            </a:bodyPr>
+            <a:lstStyle/>
+            <a:p>
+              <a:pPr algn="ctr"/>
+              <a:r>
+                <a:rPr lang="en-US" altLang="ko-KR" sz="1500">
+                  <a:ln>
+                    <a:solidFill>
+                      <a:schemeClr val="tx1">
+                        <a:alpha val="30000"/>
+                      </a:schemeClr>
+                    </a:solidFill>
+                  </a:ln>
+                  <a:latin typeface="맑은 고딕" panose="020B0503020000020004" pitchFamily="50" charset="-127"/>
+                  <a:ea typeface="맑은 고딕" panose="020B0503020000020004" pitchFamily="50" charset="-127"/>
+                </a:rPr>
+                <a:t>MVVM</a:t>
+              </a:r>
+              <a:endParaRPr lang="ko-KR" altLang="en-US" sz="1500" dirty="0">
+                <a:ln>
+                  <a:solidFill>
+                    <a:schemeClr val="tx1">
+                      <a:alpha val="30000"/>
+                    </a:schemeClr>
+                  </a:solidFill>
+                </a:ln>
+                <a:latin typeface="맑은 고딕" panose="020B0503020000020004" pitchFamily="50" charset="-127"/>
+                <a:ea typeface="맑은 고딕" panose="020B0503020000020004" pitchFamily="50" charset="-127"/>
+              </a:endParaRPr>
+            </a:p>
+          </p:txBody>
+        </p:sp>
+        <p:sp>
+          <p:nvSpPr>
+            <p:cNvPr id="5" name="직사각형 4">
+              <a:extLst>
+                <a:ext uri="{FF2B5EF4-FFF2-40B4-BE49-F238E27FC236}">
+                  <a16:creationId xmlns:a16="http://schemas.microsoft.com/office/drawing/2014/main" id="{AB4C8245-D0E4-4D79-B3E9-2FB89CE6FE84}"/>
+                </a:ext>
+              </a:extLst>
+            </p:cNvPr>
+            <p:cNvSpPr/>
+            <p:nvPr/>
+          </p:nvSpPr>
+          <p:spPr>
+            <a:xfrm>
+              <a:off x="640080" y="-971550"/>
+              <a:ext cx="1660746" cy="765810"/>
+            </a:xfrm>
+            <a:prstGeom prst="rect">
+              <a:avLst/>
+            </a:prstGeom>
+            <a:noFill/>
+            <a:ln w="25400">
+              <a:solidFill>
+                <a:schemeClr val="tx1"/>
+              </a:solidFill>
+            </a:ln>
+          </p:spPr>
+          <p:style>
+            <a:lnRef idx="2">
+              <a:schemeClr val="accent1">
+                <a:shade val="50000"/>
+              </a:schemeClr>
+            </a:lnRef>
+            <a:fillRef idx="1">
+              <a:schemeClr val="accent1"/>
+            </a:fillRef>
+            <a:effectRef idx="0">
+              <a:schemeClr val="accent1"/>
+            </a:effectRef>
+            <a:fontRef idx="minor">
+              <a:schemeClr val="lt1"/>
+            </a:fontRef>
+          </p:style>
+          <p:txBody>
+            <a:bodyPr rtlCol="0" anchor="ctr"/>
+            <a:lstStyle/>
+            <a:p>
+              <a:pPr algn="ctr"/>
+              <a:endParaRPr lang="ko-KR" altLang="en-US" dirty="0">
+                <a:latin typeface="맑은 고딕" panose="020B0503020000020004" pitchFamily="50" charset="-127"/>
+                <a:ea typeface="맑은 고딕" panose="020B0503020000020004" pitchFamily="50" charset="-127"/>
+              </a:endParaRPr>
+            </a:p>
+          </p:txBody>
+        </p:sp>
+      </p:grpSp>
+      <p:pic>
+        <p:nvPicPr>
+          <p:cNvPr id="3074" name="Picture 2">
+            <a:extLst>
+              <a:ext uri="{FF2B5EF4-FFF2-40B4-BE49-F238E27FC236}">
+                <a16:creationId xmlns:a16="http://schemas.microsoft.com/office/drawing/2014/main" id="{3A7501D4-8090-4F7E-9532-6DB323966080}"/>
+              </a:ext>
+            </a:extLst>
+          </p:cNvPr>
+          <p:cNvPicPr>
+            <a:picLocks noChangeAspect="1" noChangeArrowheads="1"/>
+          </p:cNvPicPr>
+          <p:nvPr/>
+        </p:nvPicPr>
+        <p:blipFill>
+          <a:blip r:embed="rId3">
+            <a:extLst>
+              <a:ext uri="{28A0092B-C50C-407E-A947-70E740481C1C}">
+                <a14:useLocalDpi xmlns:a14="http://schemas.microsoft.com/office/drawing/2010/main" val="0"/>
+              </a:ext>
+            </a:extLst>
+          </a:blip>
+          <a:srcRect/>
+          <a:stretch>
+            <a:fillRect/>
+          </a:stretch>
+        </p:blipFill>
+        <p:spPr bwMode="auto">
+          <a:xfrm>
+            <a:off x="1840366" y="1116742"/>
+            <a:ext cx="8511268" cy="4624516"/>
+          </a:xfrm>
+          <a:prstGeom prst="rect">
+            <a:avLst/>
+          </a:prstGeom>
+          <a:noFill/>
+          <a:extLst>
+            <a:ext uri="{909E8E84-426E-40DD-AFC4-6F175D3DCCD1}">
+              <a14:hiddenFill xmlns:a14="http://schemas.microsoft.com/office/drawing/2010/main">
+                <a:solidFill>
+                  <a:srgbClr val="FFFFFF"/>
+                </a:solidFill>
+              </a14:hiddenFill>
+            </a:ext>
+          </a:extLst>
+        </p:spPr>
+      </p:pic>
+    </p:spTree>
+    <p:extLst>
+      <p:ext uri="{BB962C8B-B14F-4D97-AF65-F5344CB8AC3E}">
+        <p14:creationId xmlns:p14="http://schemas.microsoft.com/office/powerpoint/2010/main" val="2418813123"/>
+      </p:ext>
+    </p:extLst>
+  </p:cSld>
+  <p:clrMapOvr>
+    <a:masterClrMapping/>
+  </p:clrMapOvr>
+</p:sld>
+</file>
+
+<file path=ppt/slides/slide15.xml><?xml version="1.0" encoding="utf-8"?>
+<p:sld xmlns:a="http://schemas.openxmlformats.org/drawingml/2006/main" xmlns:r="http://schemas.openxmlformats.org/officeDocument/2006/relationships" xmlns:p="http://schemas.openxmlformats.org/presentationml/2006/main">
+  <p:cSld>
+    <p:spTree>
+      <p:nvGrpSpPr>
+        <p:cNvPr id="1" name=""/>
+        <p:cNvGrpSpPr/>
+        <p:nvPr/>
+      </p:nvGrpSpPr>
+      <p:grpSpPr>
+        <a:xfrm>
+          <a:off x="0" y="0"/>
+          <a:ext cx="0" cy="0"/>
+          <a:chOff x="0" y="0"/>
+          <a:chExt cx="0" cy="0"/>
+        </a:xfrm>
+      </p:grpSpPr>
+      <p:grpSp>
+        <p:nvGrpSpPr>
+          <p:cNvPr id="6" name="그룹 5">
+            <a:extLst>
+              <a:ext uri="{FF2B5EF4-FFF2-40B4-BE49-F238E27FC236}">
+                <a16:creationId xmlns:a16="http://schemas.microsoft.com/office/drawing/2014/main" id="{CA7BD838-D4FB-4EA7-B68C-FA7B6D147BA2}"/>
+              </a:ext>
+            </a:extLst>
+          </p:cNvPr>
+          <p:cNvGrpSpPr/>
+          <p:nvPr/>
+        </p:nvGrpSpPr>
+        <p:grpSpPr>
+          <a:xfrm>
+            <a:off x="159192" y="182880"/>
+            <a:ext cx="1852488" cy="854227"/>
+            <a:chOff x="640080" y="-971550"/>
+            <a:chExt cx="1660746" cy="765810"/>
+          </a:xfrm>
+        </p:grpSpPr>
+        <p:sp>
+          <p:nvSpPr>
+            <p:cNvPr id="18" name="TextBox 17">
+              <a:extLst>
+                <a:ext uri="{FF2B5EF4-FFF2-40B4-BE49-F238E27FC236}">
+                  <a16:creationId xmlns:a16="http://schemas.microsoft.com/office/drawing/2014/main" id="{D7B7EE40-BAD9-4569-9BF6-F6E9ACA78A3C}"/>
+                </a:ext>
+              </a:extLst>
+            </p:cNvPr>
+            <p:cNvSpPr txBox="1"/>
+            <p:nvPr/>
+          </p:nvSpPr>
+          <p:spPr>
+            <a:xfrm>
+              <a:off x="675005" y="-733504"/>
+              <a:ext cx="1590896" cy="289716"/>
+            </a:xfrm>
+            <a:prstGeom prst="rect">
+              <a:avLst/>
+            </a:prstGeom>
+            <a:noFill/>
+          </p:spPr>
+          <p:txBody>
+            <a:bodyPr wrap="square" rtlCol="0">
+              <a:spAutoFit/>
+            </a:bodyPr>
+            <a:lstStyle/>
+            <a:p>
+              <a:pPr algn="ctr"/>
+              <a:r>
+                <a:rPr lang="en-US" altLang="ko-KR" sz="1500">
+                  <a:ln>
+                    <a:solidFill>
+                      <a:schemeClr val="tx1">
+                        <a:alpha val="30000"/>
+                      </a:schemeClr>
+                    </a:solidFill>
+                  </a:ln>
+                  <a:latin typeface="맑은 고딕" panose="020B0503020000020004" pitchFamily="50" charset="-127"/>
+                  <a:ea typeface="맑은 고딕" panose="020B0503020000020004" pitchFamily="50" charset="-127"/>
+                </a:rPr>
+                <a:t>MVVM</a:t>
+              </a:r>
+              <a:endParaRPr lang="ko-KR" altLang="en-US" sz="1500" dirty="0">
+                <a:ln>
+                  <a:solidFill>
+                    <a:schemeClr val="tx1">
+                      <a:alpha val="30000"/>
+                    </a:schemeClr>
+                  </a:solidFill>
+                </a:ln>
+                <a:latin typeface="맑은 고딕" panose="020B0503020000020004" pitchFamily="50" charset="-127"/>
+                <a:ea typeface="맑은 고딕" panose="020B0503020000020004" pitchFamily="50" charset="-127"/>
+              </a:endParaRPr>
+            </a:p>
+          </p:txBody>
+        </p:sp>
+        <p:sp>
+          <p:nvSpPr>
+            <p:cNvPr id="5" name="직사각형 4">
+              <a:extLst>
+                <a:ext uri="{FF2B5EF4-FFF2-40B4-BE49-F238E27FC236}">
+                  <a16:creationId xmlns:a16="http://schemas.microsoft.com/office/drawing/2014/main" id="{AB4C8245-D0E4-4D79-B3E9-2FB89CE6FE84}"/>
+                </a:ext>
+              </a:extLst>
+            </p:cNvPr>
+            <p:cNvSpPr/>
+            <p:nvPr/>
+          </p:nvSpPr>
+          <p:spPr>
+            <a:xfrm>
+              <a:off x="640080" y="-971550"/>
+              <a:ext cx="1660746" cy="765810"/>
+            </a:xfrm>
+            <a:prstGeom prst="rect">
+              <a:avLst/>
+            </a:prstGeom>
+            <a:noFill/>
+            <a:ln w="25400">
+              <a:solidFill>
+                <a:schemeClr val="tx1"/>
+              </a:solidFill>
+            </a:ln>
+          </p:spPr>
+          <p:style>
+            <a:lnRef idx="2">
+              <a:schemeClr val="accent1">
+                <a:shade val="50000"/>
+              </a:schemeClr>
+            </a:lnRef>
+            <a:fillRef idx="1">
+              <a:schemeClr val="accent1"/>
+            </a:fillRef>
+            <a:effectRef idx="0">
+              <a:schemeClr val="accent1"/>
+            </a:effectRef>
+            <a:fontRef idx="minor">
+              <a:schemeClr val="lt1"/>
+            </a:fontRef>
+          </p:style>
+          <p:txBody>
+            <a:bodyPr rtlCol="0" anchor="ctr"/>
+            <a:lstStyle/>
+            <a:p>
+              <a:pPr algn="ctr"/>
+              <a:endParaRPr lang="ko-KR" altLang="en-US" dirty="0">
+                <a:latin typeface="맑은 고딕" panose="020B0503020000020004" pitchFamily="50" charset="-127"/>
+                <a:ea typeface="맑은 고딕" panose="020B0503020000020004" pitchFamily="50" charset="-127"/>
+              </a:endParaRPr>
+            </a:p>
+          </p:txBody>
+        </p:sp>
+      </p:grpSp>
+    </p:spTree>
+    <p:extLst>
+      <p:ext uri="{BB962C8B-B14F-4D97-AF65-F5344CB8AC3E}">
+        <p14:creationId xmlns:p14="http://schemas.microsoft.com/office/powerpoint/2010/main" val="3615407085"/>
+      </p:ext>
+    </p:extLst>
+  </p:cSld>
+  <p:clrMapOvr>
+    <a:masterClrMapping/>
+  </p:clrMapOvr>
+</p:sld>
+</file>
+
+<file path=ppt/slides/slide16.xml><?xml version="1.0" encoding="utf-8"?>
 <p:sld xmlns:a="http://schemas.openxmlformats.org/drawingml/2006/main" xmlns:r="http://schemas.openxmlformats.org/officeDocument/2006/relationships" xmlns:p="http://schemas.openxmlformats.org/presentationml/2006/main">
   <p:cSld>
     <p:spTree>
@@ -6455,7 +9243,7 @@
 </p:sld>
 </file>
 
-<file path=ppt/slides/slide12.xml><?xml version="1.0" encoding="utf-8"?>
+<file path=ppt/slides/slide17.xml><?xml version="1.0" encoding="utf-8"?>
 <p:sld xmlns:a="http://schemas.openxmlformats.org/drawingml/2006/main" xmlns:r="http://schemas.openxmlformats.org/officeDocument/2006/relationships" xmlns:p="http://schemas.openxmlformats.org/presentationml/2006/main">
   <p:cSld>
     <p:spTree>

--- a/2021_01_26/세미나3.pptx
+++ b/2021_01_26/세미나3.pptx
@@ -5,7 +5,7 @@
     <p:sldMasterId id="2147483648" r:id="rId1"/>
   </p:sldMasterIdLst>
   <p:notesMasterIdLst>
-    <p:notesMasterId r:id="rId19"/>
+    <p:notesMasterId r:id="rId18"/>
   </p:notesMasterIdLst>
   <p:sldIdLst>
     <p:sldId id="271" r:id="rId2"/>
@@ -22,17 +22,16 @@
     <p:sldId id="296" r:id="rId13"/>
     <p:sldId id="294" r:id="rId14"/>
     <p:sldId id="297" r:id="rId15"/>
-    <p:sldId id="298" r:id="rId16"/>
-    <p:sldId id="286" r:id="rId17"/>
-    <p:sldId id="280" r:id="rId18"/>
+    <p:sldId id="286" r:id="rId16"/>
+    <p:sldId id="280" r:id="rId17"/>
   </p:sldIdLst>
   <p:sldSz cx="12192000" cy="6858000"/>
   <p:notesSz cx="6858000" cy="9144000"/>
   <p:embeddedFontLst>
     <p:embeddedFont>
       <p:font typeface="맑은 고딕" panose="020B0503020000020004" pitchFamily="50" charset="-127"/>
-      <p:regular r:id="rId20"/>
-      <p:bold r:id="rId21"/>
+      <p:regular r:id="rId19"/>
+      <p:bold r:id="rId20"/>
     </p:embeddedFont>
   </p:embeddedFontLst>
   <p:defaultTextStyle>
@@ -594,15 +593,7 @@
             </a:r>
             <a:r>
               <a:rPr lang="ko-KR" altLang="en-US"/>
-              <a:t>의 특징에 대해서 알아보다보니 이 </a:t>
-            </a:r>
-            <a:r>
-              <a:rPr lang="en-US" altLang="ko-KR"/>
-              <a:t>Vue.js</a:t>
-            </a:r>
-            <a:r>
-              <a:rPr lang="ko-KR" altLang="en-US"/>
-              <a:t>를 만들 때 어떠한 디자인 패턴이 사용되었는지 대해 알게 되었습니다</a:t>
+              <a:t>의 특징에 대해서 알아보다보니 어떠한 디자인 패턴이 사용된 라이브러리인지에 대해 알게 되었습니다</a:t>
             </a:r>
             <a:r>
               <a:rPr lang="en-US" altLang="ko-KR"/>
@@ -1489,86 +1480,6 @@
               <a:t>.</a:t>
             </a:r>
           </a:p>
-          <a:p>
-            <a:endParaRPr lang="en-US" altLang="ko-KR"/>
-          </a:p>
-          <a:p>
-            <a:r>
-              <a:rPr lang="ko-KR" altLang="en-US"/>
-              <a:t>그로 인해 </a:t>
-            </a:r>
-            <a:r>
-              <a:rPr lang="en-US" altLang="ko-KR"/>
-              <a:t>View</a:t>
-            </a:r>
-            <a:r>
-              <a:rPr lang="ko-KR" altLang="en-US"/>
-              <a:t>는 </a:t>
-            </a:r>
-            <a:r>
-              <a:rPr lang="en-US" altLang="ko-KR"/>
-              <a:t>View Model </a:t>
-            </a:r>
-            <a:r>
-              <a:rPr lang="ko-KR" altLang="en-US"/>
-              <a:t>만을 고려하기 때문에 </a:t>
-            </a:r>
-            <a:r>
-              <a:rPr lang="en-US" altLang="ko-KR"/>
-              <a:t>MVP </a:t>
-            </a:r>
-            <a:r>
-              <a:rPr lang="ko-KR" altLang="en-US"/>
-              <a:t>패턴과 마찬가지로 </a:t>
-            </a:r>
-            <a:r>
-              <a:rPr lang="en-US" altLang="ko-KR"/>
-              <a:t>View</a:t>
-            </a:r>
-            <a:r>
-              <a:rPr lang="ko-KR" altLang="en-US"/>
-              <a:t>와 </a:t>
-            </a:r>
-            <a:r>
-              <a:rPr lang="en-US" altLang="ko-KR"/>
-              <a:t>Model </a:t>
-            </a:r>
-            <a:r>
-              <a:rPr lang="ko-KR" altLang="en-US"/>
-              <a:t>사이의 의존성은 해결되고</a:t>
-            </a:r>
-            <a:r>
-              <a:rPr lang="en-US" altLang="ko-KR"/>
-              <a:t>,</a:t>
-            </a:r>
-            <a:r>
-              <a:rPr lang="ko-KR" altLang="en-US"/>
-              <a:t> </a:t>
-            </a:r>
-            <a:r>
-              <a:rPr lang="en-US" altLang="ko-KR"/>
-              <a:t>View</a:t>
-            </a:r>
-            <a:r>
-              <a:rPr lang="ko-KR" altLang="en-US"/>
-              <a:t>와 </a:t>
-            </a:r>
-            <a:r>
-              <a:rPr lang="en-US" altLang="ko-KR"/>
-              <a:t>Presenter </a:t>
-            </a:r>
-            <a:r>
-              <a:rPr lang="ko-KR" altLang="en-US"/>
-              <a:t>사이의 의존성은 데이터 바인딩이라는 패턴을 통해 해결하게 됩니다</a:t>
-            </a:r>
-            <a:r>
-              <a:rPr lang="en-US" altLang="ko-KR"/>
-              <a:t>.</a:t>
-            </a:r>
-          </a:p>
-          <a:p>
-            <a:endParaRPr lang="en-US" altLang="ko-KR"/>
-          </a:p>
         </p:txBody>
       </p:sp>
       <p:sp>
@@ -1653,7 +1564,7 @@
           <a:p>
             <a:r>
               <a:rPr lang="ko-KR" altLang="en-US"/>
-              <a:t>말로만 하니 어려운 것 같아 동작 방식을 통해 설명드리겠습니다</a:t>
+              <a:t>동작 방식을 설명드리겠습니다</a:t>
             </a:r>
             <a:r>
               <a:rPr lang="en-US" altLang="ko-KR"/>
@@ -1985,37 +1896,115 @@
           </a:p>
           <a:p>
             <a:r>
-              <a:rPr lang="ko-KR" altLang="en-US"/>
-              <a:t>즉 우리는 </a:t>
-            </a:r>
-            <a:r>
-              <a:rPr lang="en-US" altLang="ko-KR"/>
-              <a:t>Vue.js</a:t>
-            </a:r>
-            <a:r>
-              <a:rPr lang="ko-KR" altLang="en-US"/>
-              <a:t>를 통해 실제 화면에 보여지는 </a:t>
-            </a:r>
-            <a:r>
-              <a:rPr lang="en-US" altLang="ko-KR"/>
-              <a:t>View</a:t>
-            </a:r>
-            <a:r>
-              <a:rPr lang="ko-KR" altLang="en-US"/>
-              <a:t>와 데이터들에 대한 처리가 이루어지는 </a:t>
-            </a:r>
-            <a:r>
-              <a:rPr lang="en-US" altLang="ko-KR"/>
-              <a:t>Model</a:t>
-            </a:r>
-            <a:r>
-              <a:rPr lang="ko-KR" altLang="en-US"/>
-              <a:t>의 관리가 간편하게 이루어지는 것을 알 수 있었습니다</a:t>
+              <a:rPr lang="en-US" altLang="ko-KR"/>
+              <a:t>MVVM </a:t>
+            </a:r>
+            <a:r>
+              <a:rPr lang="ko-KR" altLang="en-US"/>
+              <a:t>패턴의 </a:t>
+            </a:r>
+            <a:r>
+              <a:rPr lang="en-US" altLang="ko-KR"/>
+              <a:t>VM </a:t>
+            </a:r>
+            <a:r>
+              <a:rPr lang="ko-KR" altLang="en-US"/>
+              <a:t>부분을 </a:t>
+            </a:r>
+            <a:r>
+              <a:rPr lang="en-US" altLang="ko-KR"/>
+              <a:t>Vue.js </a:t>
+            </a:r>
+            <a:r>
+              <a:rPr lang="ko-KR" altLang="en-US"/>
+              <a:t>가 담당하여 </a:t>
+            </a:r>
+            <a:r>
+              <a:rPr lang="en-US" altLang="ko-KR"/>
+              <a:t>View </a:t>
+            </a:r>
+            <a:r>
+              <a:rPr lang="ko-KR" altLang="en-US"/>
+              <a:t>부분에 해당하는 </a:t>
+            </a:r>
+            <a:r>
+              <a:rPr lang="en-US" altLang="ko-KR"/>
+              <a:t>DOM</a:t>
+            </a:r>
+            <a:r>
+              <a:rPr lang="ko-KR" altLang="en-US"/>
+              <a:t>과 </a:t>
+            </a:r>
+            <a:r>
+              <a:rPr lang="en-US" altLang="ko-KR"/>
+              <a:t>Model </a:t>
+            </a:r>
+            <a:r>
+              <a:rPr lang="ko-KR" altLang="en-US"/>
+              <a:t>부분에 해당하는 자바스크립트를 서로 연결해주는 역할을 하는 겁니다</a:t>
             </a:r>
             <a:r>
               <a:rPr lang="en-US" altLang="ko-KR"/>
               <a:t>.</a:t>
             </a:r>
+          </a:p>
+          <a:p>
+            <a:endParaRPr lang="en-US" altLang="ko-KR"/>
+          </a:p>
+          <a:p>
+            <a:r>
+              <a:rPr lang="ko-KR" altLang="en-US"/>
+              <a:t>지금까지 자주 쓰이는 여러 웹 디자인 패턴 또는 프레임 워크 패턴에 대하여 알아보았습니다</a:t>
+            </a:r>
+            <a:r>
+              <a:rPr lang="en-US" altLang="ko-KR"/>
+              <a:t>.</a:t>
+            </a:r>
+          </a:p>
+          <a:p>
+            <a:endParaRPr lang="en-US" altLang="ko-KR"/>
+          </a:p>
+          <a:p>
+            <a:r>
+              <a:rPr lang="ko-KR" altLang="en-US"/>
+              <a:t>각 패턴의 장단점과 특징에 대하여 비교하며 나열했지만 이 패턴은 무조건 좋다</a:t>
+            </a:r>
+            <a:r>
+              <a:rPr lang="en-US" altLang="ko-KR"/>
+              <a:t>, </a:t>
+            </a:r>
+            <a:r>
+              <a:rPr lang="ko-KR" altLang="en-US"/>
+              <a:t>이건 안좋다 라는 것은 없습니다</a:t>
+            </a:r>
+            <a:r>
+              <a:rPr lang="en-US" altLang="ko-KR"/>
+              <a:t>.</a:t>
+            </a:r>
+          </a:p>
+          <a:p>
+            <a:endParaRPr lang="en-US" altLang="ko-KR"/>
+          </a:p>
+          <a:p>
+            <a:r>
+              <a:rPr lang="ko-KR" altLang="en-US"/>
+              <a:t>전부 좋은 패턴이고 각자 판단하여 상황에 맞는 디자인 패턴을</a:t>
+            </a:r>
+            <a:r>
+              <a:rPr lang="en-US" altLang="ko-KR"/>
+              <a:t> </a:t>
+            </a:r>
+            <a:r>
+              <a:rPr lang="ko-KR" altLang="en-US"/>
+              <a:t>사용하는 것이 중요하다고 생각합니다</a:t>
+            </a:r>
+            <a:r>
+              <a:rPr lang="en-US" altLang="ko-KR"/>
+              <a:t>.</a:t>
+            </a:r>
+          </a:p>
+          <a:p>
+            <a:endParaRPr lang="en-US" altLang="ko-KR"/>
           </a:p>
         </p:txBody>
       </p:sp>
@@ -2099,11 +2088,7 @@
           <a:bodyPr/>
           <a:lstStyle/>
           <a:p>
-            <a:r>
-              <a:rPr lang="ko-KR" altLang="en-US"/>
-              <a:t>지금까지 세 프레임워크 패턴을 비교하고 장단</a:t>
-            </a:r>
-            <a:endParaRPr lang="en-US" altLang="ko-KR"/>
+            <a:endParaRPr lang="ko-KR" altLang="en-US" dirty="0"/>
           </a:p>
         </p:txBody>
       </p:sp>
@@ -2125,90 +2110,6 @@
             <a:fld id="{D77D3CDB-C11F-4B3C-8011-4CB70A9F6877}" type="slidenum">
               <a:rPr lang="ko-KR" altLang="en-US" smtClean="0"/>
               <a:t>15</a:t>
-            </a:fld>
-            <a:endParaRPr lang="ko-KR" altLang="en-US"/>
-          </a:p>
-        </p:txBody>
-      </p:sp>
-    </p:spTree>
-    <p:extLst>
-      <p:ext uri="{BB962C8B-B14F-4D97-AF65-F5344CB8AC3E}">
-        <p14:creationId xmlns:p14="http://schemas.microsoft.com/office/powerpoint/2010/main" val="2383650552"/>
-      </p:ext>
-    </p:extLst>
-  </p:cSld>
-  <p:clrMapOvr>
-    <a:masterClrMapping/>
-  </p:clrMapOvr>
-</p:notes>
-</file>
-
-<file path=ppt/notesSlides/notesSlide16.xml><?xml version="1.0" encoding="utf-8"?>
-<p:notes xmlns:a="http://schemas.openxmlformats.org/drawingml/2006/main" xmlns:r="http://schemas.openxmlformats.org/officeDocument/2006/relationships" xmlns:p="http://schemas.openxmlformats.org/presentationml/2006/main">
-  <p:cSld>
-    <p:spTree>
-      <p:nvGrpSpPr>
-        <p:cNvPr id="1" name=""/>
-        <p:cNvGrpSpPr/>
-        <p:nvPr/>
-      </p:nvGrpSpPr>
-      <p:grpSpPr>
-        <a:xfrm>
-          <a:off x="0" y="0"/>
-          <a:ext cx="0" cy="0"/>
-          <a:chOff x="0" y="0"/>
-          <a:chExt cx="0" cy="0"/>
-        </a:xfrm>
-      </p:grpSpPr>
-      <p:sp>
-        <p:nvSpPr>
-          <p:cNvPr id="2" name="슬라이드 이미지 개체 틀 1"/>
-          <p:cNvSpPr>
-            <a:spLocks noGrp="1" noRot="1" noChangeAspect="1"/>
-          </p:cNvSpPr>
-          <p:nvPr>
-            <p:ph type="sldImg"/>
-          </p:nvPr>
-        </p:nvSpPr>
-        <p:spPr/>
-      </p:sp>
-      <p:sp>
-        <p:nvSpPr>
-          <p:cNvPr id="3" name="슬라이드 노트 개체 틀 2"/>
-          <p:cNvSpPr>
-            <a:spLocks noGrp="1"/>
-          </p:cNvSpPr>
-          <p:nvPr>
-            <p:ph type="body" idx="1"/>
-          </p:nvPr>
-        </p:nvSpPr>
-        <p:spPr/>
-        <p:txBody>
-          <a:bodyPr/>
-          <a:lstStyle/>
-          <a:p>
-            <a:endParaRPr lang="ko-KR" altLang="en-US" dirty="0"/>
-          </a:p>
-        </p:txBody>
-      </p:sp>
-      <p:sp>
-        <p:nvSpPr>
-          <p:cNvPr id="4" name="슬라이드 번호 개체 틀 3"/>
-          <p:cNvSpPr>
-            <a:spLocks noGrp="1"/>
-          </p:cNvSpPr>
-          <p:nvPr>
-            <p:ph type="sldNum" sz="quarter" idx="5"/>
-          </p:nvPr>
-        </p:nvSpPr>
-        <p:spPr/>
-        <p:txBody>
-          <a:bodyPr/>
-          <a:lstStyle/>
-          <a:p>
-            <a:fld id="{D77D3CDB-C11F-4B3C-8011-4CB70A9F6877}" type="slidenum">
-              <a:rPr lang="ko-KR" altLang="en-US" smtClean="0"/>
-              <a:t>16</a:t>
             </a:fld>
             <a:endParaRPr lang="ko-KR" altLang="en-US"/>
           </a:p>
@@ -2566,7 +2467,7 @@
           <a:p>
             <a:r>
               <a:rPr lang="ko-KR" altLang="en-US"/>
-              <a:t>그중에는 어떻게 보면 대다수의 유사하고 공통적일 수 있습니다</a:t>
+              <a:t>그중에는 어떻게 보면 대다수의 문제들은 유사하고 공통적일 수 있습니다</a:t>
             </a:r>
             <a:r>
               <a:rPr lang="en-US" altLang="ko-KR"/>
@@ -2739,7 +2640,7 @@
             </a:r>
             <a:r>
               <a:rPr lang="ko-KR" altLang="en-US"/>
-              <a:t>리차드 헬름라는 네 명의 위대한 개발자들이 체계화하여 정리한 것을 디자인 패턴이라고 합니다</a:t>
+              <a:t>리차드 헬름 이라는 네 명의 위대한 개발자들이 체계화하여 정리한 것을 디자인 패턴이라고 합니다</a:t>
             </a:r>
             <a:r>
               <a:rPr lang="en-US" altLang="ko-KR"/>
@@ -2760,7 +2661,7 @@
             </a:r>
             <a:r>
               <a:rPr lang="ko-KR" altLang="en-US"/>
-              <a:t>개발자들 끼리 협업을 잘할 수 있도록 해주는 의사소통의 수단이 될 수 있고</a:t>
+              <a:t>개발자들끼리 협업을 잘할 수 있도록 해주는 의사소통의 수단이 될 수 있고</a:t>
             </a:r>
             <a:r>
               <a:rPr lang="en-US" altLang="ko-KR"/>
@@ -2978,6 +2879,23 @@
           </a:p>
           <a:p>
             <a:r>
+              <a:rPr lang="en-US" altLang="ko-KR"/>
+              <a:t>(</a:t>
+            </a:r>
+            <a:r>
+              <a:rPr lang="ko-KR" altLang="en-US"/>
+              <a:t>스앱 싱글턴 이야기</a:t>
+            </a:r>
+            <a:r>
+              <a:rPr lang="en-US" altLang="ko-KR"/>
+              <a:t>)</a:t>
+            </a:r>
+          </a:p>
+          <a:p>
+            <a:endParaRPr lang="en-US" altLang="ko-KR"/>
+          </a:p>
+          <a:p>
+            <a:r>
               <a:rPr lang="ko-KR" altLang="en-US"/>
               <a:t>구조 패턴은 클래스나 객체를 조합해서 더 큰 구조를 만드는 패턴으로 </a:t>
             </a:r>
@@ -3002,6 +2920,23 @@
             <a:r>
               <a:rPr lang="en-US" altLang="ko-KR"/>
               <a:t>.</a:t>
+            </a:r>
+          </a:p>
+          <a:p>
+            <a:endParaRPr lang="en-US" altLang="ko-KR"/>
+          </a:p>
+          <a:p>
+            <a:r>
+              <a:rPr lang="en-US" altLang="ko-KR"/>
+              <a:t>(</a:t>
+            </a:r>
+            <a:r>
+              <a:rPr lang="ko-KR" altLang="en-US"/>
+              <a:t>스앱 어댑터 이야기</a:t>
+            </a:r>
+            <a:r>
+              <a:rPr lang="en-US" altLang="ko-KR"/>
+              <a:t>)</a:t>
             </a:r>
           </a:p>
           <a:p>
@@ -8989,169 +8924,6 @@
           <a:chExt cx="0" cy="0"/>
         </a:xfrm>
       </p:grpSpPr>
-      <p:grpSp>
-        <p:nvGrpSpPr>
-          <p:cNvPr id="6" name="그룹 5">
-            <a:extLst>
-              <a:ext uri="{FF2B5EF4-FFF2-40B4-BE49-F238E27FC236}">
-                <a16:creationId xmlns:a16="http://schemas.microsoft.com/office/drawing/2014/main" id="{CA7BD838-D4FB-4EA7-B68C-FA7B6D147BA2}"/>
-              </a:ext>
-            </a:extLst>
-          </p:cNvPr>
-          <p:cNvGrpSpPr/>
-          <p:nvPr/>
-        </p:nvGrpSpPr>
-        <p:grpSpPr>
-          <a:xfrm>
-            <a:off x="159192" y="182880"/>
-            <a:ext cx="1852488" cy="854227"/>
-            <a:chOff x="640080" y="-971550"/>
-            <a:chExt cx="1660746" cy="765810"/>
-          </a:xfrm>
-        </p:grpSpPr>
-        <p:sp>
-          <p:nvSpPr>
-            <p:cNvPr id="18" name="TextBox 17">
-              <a:extLst>
-                <a:ext uri="{FF2B5EF4-FFF2-40B4-BE49-F238E27FC236}">
-                  <a16:creationId xmlns:a16="http://schemas.microsoft.com/office/drawing/2014/main" id="{D7B7EE40-BAD9-4569-9BF6-F6E9ACA78A3C}"/>
-                </a:ext>
-              </a:extLst>
-            </p:cNvPr>
-            <p:cNvSpPr txBox="1"/>
-            <p:nvPr/>
-          </p:nvSpPr>
-          <p:spPr>
-            <a:xfrm>
-              <a:off x="675005" y="-733504"/>
-              <a:ext cx="1590896" cy="289716"/>
-            </a:xfrm>
-            <a:prstGeom prst="rect">
-              <a:avLst/>
-            </a:prstGeom>
-            <a:noFill/>
-          </p:spPr>
-          <p:txBody>
-            <a:bodyPr wrap="square" rtlCol="0">
-              <a:spAutoFit/>
-            </a:bodyPr>
-            <a:lstStyle/>
-            <a:p>
-              <a:pPr algn="ctr"/>
-              <a:r>
-                <a:rPr lang="en-US" altLang="ko-KR" sz="1500">
-                  <a:ln>
-                    <a:solidFill>
-                      <a:schemeClr val="tx1">
-                        <a:alpha val="30000"/>
-                      </a:schemeClr>
-                    </a:solidFill>
-                  </a:ln>
-                  <a:latin typeface="맑은 고딕" panose="020B0503020000020004" pitchFamily="50" charset="-127"/>
-                  <a:ea typeface="맑은 고딕" panose="020B0503020000020004" pitchFamily="50" charset="-127"/>
-                </a:rPr>
-                <a:t>MVVM</a:t>
-              </a:r>
-              <a:endParaRPr lang="ko-KR" altLang="en-US" sz="1500" dirty="0">
-                <a:ln>
-                  <a:solidFill>
-                    <a:schemeClr val="tx1">
-                      <a:alpha val="30000"/>
-                    </a:schemeClr>
-                  </a:solidFill>
-                </a:ln>
-                <a:latin typeface="맑은 고딕" panose="020B0503020000020004" pitchFamily="50" charset="-127"/>
-                <a:ea typeface="맑은 고딕" panose="020B0503020000020004" pitchFamily="50" charset="-127"/>
-              </a:endParaRPr>
-            </a:p>
-          </p:txBody>
-        </p:sp>
-        <p:sp>
-          <p:nvSpPr>
-            <p:cNvPr id="5" name="직사각형 4">
-              <a:extLst>
-                <a:ext uri="{FF2B5EF4-FFF2-40B4-BE49-F238E27FC236}">
-                  <a16:creationId xmlns:a16="http://schemas.microsoft.com/office/drawing/2014/main" id="{AB4C8245-D0E4-4D79-B3E9-2FB89CE6FE84}"/>
-                </a:ext>
-              </a:extLst>
-            </p:cNvPr>
-            <p:cNvSpPr/>
-            <p:nvPr/>
-          </p:nvSpPr>
-          <p:spPr>
-            <a:xfrm>
-              <a:off x="640080" y="-971550"/>
-              <a:ext cx="1660746" cy="765810"/>
-            </a:xfrm>
-            <a:prstGeom prst="rect">
-              <a:avLst/>
-            </a:prstGeom>
-            <a:noFill/>
-            <a:ln w="25400">
-              <a:solidFill>
-                <a:schemeClr val="tx1"/>
-              </a:solidFill>
-            </a:ln>
-          </p:spPr>
-          <p:style>
-            <a:lnRef idx="2">
-              <a:schemeClr val="accent1">
-                <a:shade val="50000"/>
-              </a:schemeClr>
-            </a:lnRef>
-            <a:fillRef idx="1">
-              <a:schemeClr val="accent1"/>
-            </a:fillRef>
-            <a:effectRef idx="0">
-              <a:schemeClr val="accent1"/>
-            </a:effectRef>
-            <a:fontRef idx="minor">
-              <a:schemeClr val="lt1"/>
-            </a:fontRef>
-          </p:style>
-          <p:txBody>
-            <a:bodyPr rtlCol="0" anchor="ctr"/>
-            <a:lstStyle/>
-            <a:p>
-              <a:pPr algn="ctr"/>
-              <a:endParaRPr lang="ko-KR" altLang="en-US" dirty="0">
-                <a:latin typeface="맑은 고딕" panose="020B0503020000020004" pitchFamily="50" charset="-127"/>
-                <a:ea typeface="맑은 고딕" panose="020B0503020000020004" pitchFamily="50" charset="-127"/>
-              </a:endParaRPr>
-            </a:p>
-          </p:txBody>
-        </p:sp>
-      </p:grpSp>
-    </p:spTree>
-    <p:extLst>
-      <p:ext uri="{BB962C8B-B14F-4D97-AF65-F5344CB8AC3E}">
-        <p14:creationId xmlns:p14="http://schemas.microsoft.com/office/powerpoint/2010/main" val="3615407085"/>
-      </p:ext>
-    </p:extLst>
-  </p:cSld>
-  <p:clrMapOvr>
-    <a:masterClrMapping/>
-  </p:clrMapOvr>
-</p:sld>
-</file>
-
-<file path=ppt/slides/slide16.xml><?xml version="1.0" encoding="utf-8"?>
-<p:sld xmlns:a="http://schemas.openxmlformats.org/drawingml/2006/main" xmlns:r="http://schemas.openxmlformats.org/officeDocument/2006/relationships" xmlns:p="http://schemas.openxmlformats.org/presentationml/2006/main">
-  <p:cSld>
-    <p:spTree>
-      <p:nvGrpSpPr>
-        <p:cNvPr id="1" name=""/>
-        <p:cNvGrpSpPr/>
-        <p:nvPr/>
-      </p:nvGrpSpPr>
-      <p:grpSpPr>
-        <a:xfrm>
-          <a:off x="0" y="0"/>
-          <a:ext cx="0" cy="0"/>
-          <a:chOff x="0" y="0"/>
-          <a:chExt cx="0" cy="0"/>
-        </a:xfrm>
-      </p:grpSpPr>
       <p:pic>
         <p:nvPicPr>
           <p:cNvPr id="8" name="그림 7">
@@ -9243,7 +9015,7 @@
 </p:sld>
 </file>
 
-<file path=ppt/slides/slide17.xml><?xml version="1.0" encoding="utf-8"?>
+<file path=ppt/slides/slide16.xml><?xml version="1.0" encoding="utf-8"?>
 <p:sld xmlns:a="http://schemas.openxmlformats.org/drawingml/2006/main" xmlns:r="http://schemas.openxmlformats.org/officeDocument/2006/relationships" xmlns:p="http://schemas.openxmlformats.org/presentationml/2006/main">
   <p:cSld>
     <p:spTree>

--- a/2021_01_26/세미나3.pptx
+++ b/2021_01_26/세미나3.pptx
@@ -230,7 +230,7 @@
           <a:p>
             <a:fld id="{0EB398E2-E316-4E96-990E-23BE4EE0A812}" type="datetimeFigureOut">
               <a:rPr lang="ko-KR" altLang="en-US" smtClean="0"/>
-              <a:t>2021-01-25</a:t>
+              <a:t>2021-01-26</a:t>
             </a:fld>
             <a:endParaRPr lang="ko-KR" altLang="en-US"/>
           </a:p>
@@ -593,7 +593,15 @@
             </a:r>
             <a:r>
               <a:rPr lang="ko-KR" altLang="en-US"/>
-              <a:t>의 특징에 대해서 알아보다보니 어떠한 디자인 패턴이 사용된 라이브러리인지에 대해 알게 되었습니다</a:t>
+              <a:t>의 특징에 대해서 알아보다보니 </a:t>
+            </a:r>
+            <a:r>
+              <a:rPr lang="en-US" altLang="ko-KR"/>
+              <a:t>Vue.js</a:t>
+            </a:r>
+            <a:r>
+              <a:rPr lang="ko-KR" altLang="en-US"/>
+              <a:t>가 어떠한 디자인 패턴이 사용된 라이브러리인지에 대해 알게 되었습니다</a:t>
             </a:r>
             <a:r>
               <a:rPr lang="en-US" altLang="ko-KR"/>
@@ -1064,7 +1072,7 @@
           <a:p>
             <a:r>
               <a:rPr lang="ko-KR" altLang="en-US"/>
-              <a:t>또한 </a:t>
+              <a:t>또한 이로 인해 </a:t>
             </a:r>
             <a:r>
               <a:rPr lang="en-US" altLang="ko-KR"/>
@@ -1326,7 +1334,7 @@
             </a:r>
             <a:r>
               <a:rPr lang="ko-KR" altLang="en-US"/>
-              <a:t>의 의존성을 해결하지 못했고 </a:t>
+              <a:t>의 의존성을 </a:t>
             </a:r>
             <a:r>
               <a:rPr lang="en-US" altLang="ko-KR"/>
@@ -1363,7 +1371,7 @@
           <a:p>
             <a:r>
               <a:rPr lang="ko-KR" altLang="en-US"/>
-              <a:t>이 모든 부분을 고려하여 각 구성 요소들이 독립적으로 작동될 수 없을까 해서 설계된 패턴이 바로 </a:t>
+              <a:t>이 모든 부분을 고려하여 각 구성 요소들이 독립적으로 즉 의존하지 않도록 작동될 수 없을까 해서 설계된 패턴이 바로 </a:t>
             </a:r>
             <a:r>
               <a:rPr lang="en-US" altLang="ko-KR"/>
@@ -1716,7 +1724,7 @@
             </a:r>
             <a:r>
               <a:rPr lang="ko-KR" altLang="en-US"/>
-              <a:t>데이터바인딩이 잘 활용되어 모든 의존성이 해결된 것을 볼 수 있습니다</a:t>
+              <a:t>데이터바인딩과 커맨드 패턴이 잘 활용되어 모든 의존성이 해결된 것을 볼 수 있습니다</a:t>
             </a:r>
             <a:r>
               <a:rPr lang="en-US" altLang="ko-KR"/>
@@ -2454,12 +2462,17 @@
                   <a:srgbClr val="FF0000"/>
                 </a:solidFill>
               </a:rPr>
-              <a:t>개발자들이 소프트웨어를 구현하거나 설계하다보면 당연히 여러 문제들이 닥칠 수 있습니다</a:t>
-            </a:r>
-            <a:r>
-              <a:rPr lang="en-US" altLang="ko-KR"/>
+              <a:t>개발자들이 소프트웨어를 구현하거나 설계하다보면 당연히 여러 문제에 마주치게 됩니다</a:t>
+            </a:r>
+            <a:r>
+              <a:rPr lang="en-US" altLang="ko-KR">
+                <a:solidFill>
+                  <a:srgbClr val="FF0000"/>
+                </a:solidFill>
+              </a:rPr>
               <a:t>.</a:t>
             </a:r>
+            <a:endParaRPr lang="en-US" altLang="ko-KR"/>
           </a:p>
           <a:p>
             <a:endParaRPr lang="en-US" altLang="ko-KR"/>
@@ -2836,19 +2849,6 @@
           <a:p>
             <a:r>
               <a:rPr lang="ko-KR" altLang="en-US"/>
-              <a:t>아무래도 디자인 패턴이라는 것이 코드를 작성하고 설계하는 데 있어서 상당히 중요한 부분이기 때문이죠</a:t>
-            </a:r>
-            <a:r>
-              <a:rPr lang="en-US" altLang="ko-KR"/>
-              <a:t>.</a:t>
-            </a:r>
-          </a:p>
-          <a:p>
-            <a:endParaRPr lang="en-US" altLang="ko-KR"/>
-          </a:p>
-          <a:p>
-            <a:r>
-              <a:rPr lang="ko-KR" altLang="en-US"/>
               <a:t>간단하게라도 설명을 드리자면</a:t>
             </a:r>
             <a:endParaRPr lang="en-US" altLang="ko-KR"/>
@@ -3104,7 +3104,7 @@
           <a:p>
             <a:r>
               <a:rPr lang="ko-KR" altLang="en-US"/>
-              <a:t>저희는 지금부터 웹 프레임워크 구현이나</a:t>
+              <a:t>저희는 지금부터 웹 프레임워크나</a:t>
             </a:r>
             <a:r>
               <a:rPr lang="en-US" altLang="ko-KR"/>
@@ -3112,7 +3112,7 @@
             </a:r>
             <a:r>
               <a:rPr lang="ko-KR" altLang="en-US"/>
-              <a:t>웹 개발에 영향을 끼친 </a:t>
+              <a:t>웹 개발에 깊은 영향을 끼친 </a:t>
             </a:r>
             <a:r>
               <a:rPr lang="en-US" altLang="ko-KR"/>
@@ -3120,7 +3120,36 @@
             </a:r>
             <a:r>
               <a:rPr lang="ko-KR" altLang="en-US"/>
-              <a:t>패턴들의 동작이나 특징 장단점에 대하여 알아보도록 하겠습니다</a:t>
+              <a:t>패턴들의 동작이나 특징</a:t>
+            </a:r>
+            <a:r>
+              <a:rPr lang="en-US" altLang="ko-KR"/>
+              <a:t>,</a:t>
+            </a:r>
+            <a:r>
+              <a:rPr lang="ko-KR" altLang="en-US"/>
+              <a:t> 장단점에 대하여 알아보도록 하겠습니다</a:t>
+            </a:r>
+            <a:r>
+              <a:rPr lang="en-US" altLang="ko-KR"/>
+              <a:t>.</a:t>
+            </a:r>
+          </a:p>
+          <a:p>
+            <a:endParaRPr lang="en-US" altLang="ko-KR"/>
+          </a:p>
+          <a:p>
+            <a:r>
+              <a:rPr lang="ko-KR" altLang="en-US"/>
+              <a:t>추가적으로 더 나아가 </a:t>
+            </a:r>
+            <a:r>
+              <a:rPr lang="en-US" altLang="ko-KR"/>
+              <a:t>Vue.js</a:t>
+            </a:r>
+            <a:r>
+              <a:rPr lang="ko-KR" altLang="en-US"/>
+              <a:t>는 웹 개발에 어떤 디자인 패턴으로 동작했는지도 간략하게 알아보겠습니다</a:t>
             </a:r>
             <a:r>
               <a:rPr lang="en-US" altLang="ko-KR"/>
@@ -3258,6 +3287,19 @@
             <a:r>
               <a:rPr lang="ko-KR" altLang="en-US"/>
               <a:t>하나의 프로젝트나 어플리케이션의 구성 요소를 이렇게 세 가지 역할로 구분한 패턴인데요</a:t>
+            </a:r>
+            <a:r>
+              <a:rPr lang="en-US" altLang="ko-KR"/>
+              <a:t>.</a:t>
+            </a:r>
+          </a:p>
+          <a:p>
+            <a:endParaRPr lang="en-US" altLang="ko-KR"/>
+          </a:p>
+          <a:p>
+            <a:r>
+              <a:rPr lang="ko-KR" altLang="en-US"/>
+              <a:t>앞으로 나올 두 가지의 패턴들도 이와 비슷하다고 보시면 됩니다</a:t>
             </a:r>
             <a:r>
               <a:rPr lang="en-US" altLang="ko-KR"/>
@@ -3983,7 +4025,7 @@
           <a:p>
             <a:fld id="{784D74D0-C08C-4FA0-B1AC-58A8B9A14615}" type="datetimeFigureOut">
               <a:rPr lang="ko-KR" altLang="en-US" smtClean="0"/>
-              <a:t>2021-01-25</a:t>
+              <a:t>2021-01-26</a:t>
             </a:fld>
             <a:endParaRPr lang="ko-KR" altLang="en-US"/>
           </a:p>
@@ -4181,7 +4223,7 @@
           <a:p>
             <a:fld id="{784D74D0-C08C-4FA0-B1AC-58A8B9A14615}" type="datetimeFigureOut">
               <a:rPr lang="ko-KR" altLang="en-US" smtClean="0"/>
-              <a:t>2021-01-25</a:t>
+              <a:t>2021-01-26</a:t>
             </a:fld>
             <a:endParaRPr lang="ko-KR" altLang="en-US"/>
           </a:p>
@@ -4389,7 +4431,7 @@
           <a:p>
             <a:fld id="{784D74D0-C08C-4FA0-B1AC-58A8B9A14615}" type="datetimeFigureOut">
               <a:rPr lang="ko-KR" altLang="en-US" smtClean="0"/>
-              <a:t>2021-01-25</a:t>
+              <a:t>2021-01-26</a:t>
             </a:fld>
             <a:endParaRPr lang="ko-KR" altLang="en-US"/>
           </a:p>
@@ -4587,7 +4629,7 @@
           <a:p>
             <a:fld id="{784D74D0-C08C-4FA0-B1AC-58A8B9A14615}" type="datetimeFigureOut">
               <a:rPr lang="ko-KR" altLang="en-US" smtClean="0"/>
-              <a:t>2021-01-25</a:t>
+              <a:t>2021-01-26</a:t>
             </a:fld>
             <a:endParaRPr lang="ko-KR" altLang="en-US"/>
           </a:p>
@@ -4862,7 +4904,7 @@
           <a:p>
             <a:fld id="{784D74D0-C08C-4FA0-B1AC-58A8B9A14615}" type="datetimeFigureOut">
               <a:rPr lang="ko-KR" altLang="en-US" smtClean="0"/>
-              <a:t>2021-01-25</a:t>
+              <a:t>2021-01-26</a:t>
             </a:fld>
             <a:endParaRPr lang="ko-KR" altLang="en-US"/>
           </a:p>
@@ -5127,7 +5169,7 @@
           <a:p>
             <a:fld id="{784D74D0-C08C-4FA0-B1AC-58A8B9A14615}" type="datetimeFigureOut">
               <a:rPr lang="ko-KR" altLang="en-US" smtClean="0"/>
-              <a:t>2021-01-25</a:t>
+              <a:t>2021-01-26</a:t>
             </a:fld>
             <a:endParaRPr lang="ko-KR" altLang="en-US"/>
           </a:p>
@@ -5539,7 +5581,7 @@
           <a:p>
             <a:fld id="{784D74D0-C08C-4FA0-B1AC-58A8B9A14615}" type="datetimeFigureOut">
               <a:rPr lang="ko-KR" altLang="en-US" smtClean="0"/>
-              <a:t>2021-01-25</a:t>
+              <a:t>2021-01-26</a:t>
             </a:fld>
             <a:endParaRPr lang="ko-KR" altLang="en-US"/>
           </a:p>
@@ -5680,7 +5722,7 @@
           <a:p>
             <a:fld id="{784D74D0-C08C-4FA0-B1AC-58A8B9A14615}" type="datetimeFigureOut">
               <a:rPr lang="ko-KR" altLang="en-US" smtClean="0"/>
-              <a:t>2021-01-25</a:t>
+              <a:t>2021-01-26</a:t>
             </a:fld>
             <a:endParaRPr lang="ko-KR" altLang="en-US"/>
           </a:p>
@@ -5793,7 +5835,7 @@
           <a:p>
             <a:fld id="{784D74D0-C08C-4FA0-B1AC-58A8B9A14615}" type="datetimeFigureOut">
               <a:rPr lang="ko-KR" altLang="en-US" smtClean="0"/>
-              <a:t>2021-01-25</a:t>
+              <a:t>2021-01-26</a:t>
             </a:fld>
             <a:endParaRPr lang="ko-KR" altLang="en-US"/>
           </a:p>
@@ -6104,7 +6146,7 @@
           <a:p>
             <a:fld id="{784D74D0-C08C-4FA0-B1AC-58A8B9A14615}" type="datetimeFigureOut">
               <a:rPr lang="ko-KR" altLang="en-US" smtClean="0"/>
-              <a:t>2021-01-25</a:t>
+              <a:t>2021-01-26</a:t>
             </a:fld>
             <a:endParaRPr lang="ko-KR" altLang="en-US"/>
           </a:p>
@@ -6392,7 +6434,7 @@
           <a:p>
             <a:fld id="{784D74D0-C08C-4FA0-B1AC-58A8B9A14615}" type="datetimeFigureOut">
               <a:rPr lang="ko-KR" altLang="en-US" smtClean="0"/>
-              <a:t>2021-01-25</a:t>
+              <a:t>2021-01-26</a:t>
             </a:fld>
             <a:endParaRPr lang="ko-KR" altLang="en-US"/>
           </a:p>
@@ -6633,7 +6675,7 @@
           <a:p>
             <a:fld id="{784D74D0-C08C-4FA0-B1AC-58A8B9A14615}" type="datetimeFigureOut">
               <a:rPr lang="ko-KR" altLang="en-US" smtClean="0"/>
-              <a:t>2021-01-25</a:t>
+              <a:t>2021-01-26</a:t>
             </a:fld>
             <a:endParaRPr lang="ko-KR" altLang="en-US"/>
           </a:p>
@@ -7660,176 +7702,6 @@
   <p:clrMapOvr>
     <a:masterClrMapping/>
   </p:clrMapOvr>
-  <p:timing>
-    <p:tnLst>
-      <p:par>
-        <p:cTn id="1" dur="indefinite" restart="never" nodeType="tmRoot">
-          <p:childTnLst>
-            <p:seq concurrent="1" nextAc="seek">
-              <p:cTn id="2" dur="indefinite" nodeType="mainSeq">
-                <p:childTnLst>
-                  <p:par>
-                    <p:cTn id="3" fill="hold">
-                      <p:stCondLst>
-                        <p:cond delay="indefinite"/>
-                      </p:stCondLst>
-                      <p:childTnLst>
-                        <p:par>
-                          <p:cTn id="4" fill="hold">
-                            <p:stCondLst>
-                              <p:cond delay="0"/>
-                            </p:stCondLst>
-                            <p:childTnLst>
-                              <p:par>
-                                <p:cTn id="5" presetID="1" presetClass="entr" presetSubtype="0" fill="hold" grpId="0" nodeType="clickEffect">
-                                  <p:stCondLst>
-                                    <p:cond delay="0"/>
-                                  </p:stCondLst>
-                                  <p:childTnLst>
-                                    <p:set>
-                                      <p:cBhvr>
-                                        <p:cTn id="6" dur="1" fill="hold">
-                                          <p:stCondLst>
-                                            <p:cond delay="0"/>
-                                          </p:stCondLst>
-                                        </p:cTn>
-                                        <p:tgtEl>
-                                          <p:spTgt spid="3"/>
-                                        </p:tgtEl>
-                                        <p:attrNameLst>
-                                          <p:attrName>style.visibility</p:attrName>
-                                        </p:attrNameLst>
-                                      </p:cBhvr>
-                                      <p:to>
-                                        <p:strVal val="visible"/>
-                                      </p:to>
-                                    </p:set>
-                                  </p:childTnLst>
-                                </p:cTn>
-                              </p:par>
-                            </p:childTnLst>
-                          </p:cTn>
-                        </p:par>
-                      </p:childTnLst>
-                    </p:cTn>
-                  </p:par>
-                  <p:par>
-                    <p:cTn id="7" fill="hold">
-                      <p:stCondLst>
-                        <p:cond delay="indefinite"/>
-                      </p:stCondLst>
-                      <p:childTnLst>
-                        <p:par>
-                          <p:cTn id="8" fill="hold">
-                            <p:stCondLst>
-                              <p:cond delay="0"/>
-                            </p:stCondLst>
-                            <p:childTnLst>
-                              <p:par>
-                                <p:cTn id="9" presetID="1" presetClass="entr" presetSubtype="0" fill="hold" grpId="0" nodeType="clickEffect">
-                                  <p:stCondLst>
-                                    <p:cond delay="0"/>
-                                  </p:stCondLst>
-                                  <p:childTnLst>
-                                    <p:set>
-                                      <p:cBhvr>
-                                        <p:cTn id="10" dur="1" fill="hold">
-                                          <p:stCondLst>
-                                            <p:cond delay="0"/>
-                                          </p:stCondLst>
-                                        </p:cTn>
-                                        <p:tgtEl>
-                                          <p:spTgt spid="7"/>
-                                        </p:tgtEl>
-                                        <p:attrNameLst>
-                                          <p:attrName>style.visibility</p:attrName>
-                                        </p:attrNameLst>
-                                      </p:cBhvr>
-                                      <p:to>
-                                        <p:strVal val="visible"/>
-                                      </p:to>
-                                    </p:set>
-                                  </p:childTnLst>
-                                </p:cTn>
-                              </p:par>
-                            </p:childTnLst>
-                          </p:cTn>
-                        </p:par>
-                      </p:childTnLst>
-                    </p:cTn>
-                  </p:par>
-                  <p:par>
-                    <p:cTn id="11" fill="hold">
-                      <p:stCondLst>
-                        <p:cond delay="indefinite"/>
-                      </p:stCondLst>
-                      <p:childTnLst>
-                        <p:par>
-                          <p:cTn id="12" fill="hold">
-                            <p:stCondLst>
-                              <p:cond delay="0"/>
-                            </p:stCondLst>
-                            <p:childTnLst>
-                              <p:par>
-                                <p:cTn id="13" presetID="1" presetClass="entr" presetSubtype="0" fill="hold" grpId="0" nodeType="clickEffect">
-                                  <p:stCondLst>
-                                    <p:cond delay="0"/>
-                                  </p:stCondLst>
-                                  <p:childTnLst>
-                                    <p:set>
-                                      <p:cBhvr>
-                                        <p:cTn id="14" dur="1" fill="hold">
-                                          <p:stCondLst>
-                                            <p:cond delay="0"/>
-                                          </p:stCondLst>
-                                        </p:cTn>
-                                        <p:tgtEl>
-                                          <p:spTgt spid="8"/>
-                                        </p:tgtEl>
-                                        <p:attrNameLst>
-                                          <p:attrName>style.visibility</p:attrName>
-                                        </p:attrNameLst>
-                                      </p:cBhvr>
-                                      <p:to>
-                                        <p:strVal val="visible"/>
-                                      </p:to>
-                                    </p:set>
-                                  </p:childTnLst>
-                                </p:cTn>
-                              </p:par>
-                            </p:childTnLst>
-                          </p:cTn>
-                        </p:par>
-                      </p:childTnLst>
-                    </p:cTn>
-                  </p:par>
-                </p:childTnLst>
-              </p:cTn>
-              <p:prevCondLst>
-                <p:cond evt="onPrev" delay="0">
-                  <p:tgtEl>
-                    <p:sldTgt/>
-                  </p:tgtEl>
-                </p:cond>
-              </p:prevCondLst>
-              <p:nextCondLst>
-                <p:cond evt="onNext" delay="0">
-                  <p:tgtEl>
-                    <p:sldTgt/>
-                  </p:tgtEl>
-                </p:cond>
-              </p:nextCondLst>
-            </p:seq>
-          </p:childTnLst>
-        </p:cTn>
-      </p:par>
-    </p:tnLst>
-    <p:bldLst>
-      <p:bldP spid="3" grpId="0"/>
-      <p:bldP spid="7" grpId="0"/>
-      <p:bldP spid="8" grpId="0"/>
-    </p:bldLst>
-  </p:timing>
 </p:sld>
 </file>
 
@@ -8314,176 +8186,6 @@
   <p:clrMapOvr>
     <a:masterClrMapping/>
   </p:clrMapOvr>
-  <p:timing>
-    <p:tnLst>
-      <p:par>
-        <p:cTn id="1" dur="indefinite" restart="never" nodeType="tmRoot">
-          <p:childTnLst>
-            <p:seq concurrent="1" nextAc="seek">
-              <p:cTn id="2" dur="indefinite" nodeType="mainSeq">
-                <p:childTnLst>
-                  <p:par>
-                    <p:cTn id="3" fill="hold">
-                      <p:stCondLst>
-                        <p:cond delay="indefinite"/>
-                      </p:stCondLst>
-                      <p:childTnLst>
-                        <p:par>
-                          <p:cTn id="4" fill="hold">
-                            <p:stCondLst>
-                              <p:cond delay="0"/>
-                            </p:stCondLst>
-                            <p:childTnLst>
-                              <p:par>
-                                <p:cTn id="5" presetID="1" presetClass="entr" presetSubtype="0" fill="hold" grpId="0" nodeType="clickEffect">
-                                  <p:stCondLst>
-                                    <p:cond delay="0"/>
-                                  </p:stCondLst>
-                                  <p:childTnLst>
-                                    <p:set>
-                                      <p:cBhvr>
-                                        <p:cTn id="6" dur="1" fill="hold">
-                                          <p:stCondLst>
-                                            <p:cond delay="0"/>
-                                          </p:stCondLst>
-                                        </p:cTn>
-                                        <p:tgtEl>
-                                          <p:spTgt spid="3"/>
-                                        </p:tgtEl>
-                                        <p:attrNameLst>
-                                          <p:attrName>style.visibility</p:attrName>
-                                        </p:attrNameLst>
-                                      </p:cBhvr>
-                                      <p:to>
-                                        <p:strVal val="visible"/>
-                                      </p:to>
-                                    </p:set>
-                                  </p:childTnLst>
-                                </p:cTn>
-                              </p:par>
-                            </p:childTnLst>
-                          </p:cTn>
-                        </p:par>
-                      </p:childTnLst>
-                    </p:cTn>
-                  </p:par>
-                  <p:par>
-                    <p:cTn id="7" fill="hold">
-                      <p:stCondLst>
-                        <p:cond delay="indefinite"/>
-                      </p:stCondLst>
-                      <p:childTnLst>
-                        <p:par>
-                          <p:cTn id="8" fill="hold">
-                            <p:stCondLst>
-                              <p:cond delay="0"/>
-                            </p:stCondLst>
-                            <p:childTnLst>
-                              <p:par>
-                                <p:cTn id="9" presetID="1" presetClass="entr" presetSubtype="0" fill="hold" grpId="0" nodeType="clickEffect">
-                                  <p:stCondLst>
-                                    <p:cond delay="0"/>
-                                  </p:stCondLst>
-                                  <p:childTnLst>
-                                    <p:set>
-                                      <p:cBhvr>
-                                        <p:cTn id="10" dur="1" fill="hold">
-                                          <p:stCondLst>
-                                            <p:cond delay="0"/>
-                                          </p:stCondLst>
-                                        </p:cTn>
-                                        <p:tgtEl>
-                                          <p:spTgt spid="7"/>
-                                        </p:tgtEl>
-                                        <p:attrNameLst>
-                                          <p:attrName>style.visibility</p:attrName>
-                                        </p:attrNameLst>
-                                      </p:cBhvr>
-                                      <p:to>
-                                        <p:strVal val="visible"/>
-                                      </p:to>
-                                    </p:set>
-                                  </p:childTnLst>
-                                </p:cTn>
-                              </p:par>
-                            </p:childTnLst>
-                          </p:cTn>
-                        </p:par>
-                      </p:childTnLst>
-                    </p:cTn>
-                  </p:par>
-                  <p:par>
-                    <p:cTn id="11" fill="hold">
-                      <p:stCondLst>
-                        <p:cond delay="indefinite"/>
-                      </p:stCondLst>
-                      <p:childTnLst>
-                        <p:par>
-                          <p:cTn id="12" fill="hold">
-                            <p:stCondLst>
-                              <p:cond delay="0"/>
-                            </p:stCondLst>
-                            <p:childTnLst>
-                              <p:par>
-                                <p:cTn id="13" presetID="1" presetClass="entr" presetSubtype="0" fill="hold" grpId="0" nodeType="clickEffect">
-                                  <p:stCondLst>
-                                    <p:cond delay="0"/>
-                                  </p:stCondLst>
-                                  <p:childTnLst>
-                                    <p:set>
-                                      <p:cBhvr>
-                                        <p:cTn id="14" dur="1" fill="hold">
-                                          <p:stCondLst>
-                                            <p:cond delay="0"/>
-                                          </p:stCondLst>
-                                        </p:cTn>
-                                        <p:tgtEl>
-                                          <p:spTgt spid="8"/>
-                                        </p:tgtEl>
-                                        <p:attrNameLst>
-                                          <p:attrName>style.visibility</p:attrName>
-                                        </p:attrNameLst>
-                                      </p:cBhvr>
-                                      <p:to>
-                                        <p:strVal val="visible"/>
-                                      </p:to>
-                                    </p:set>
-                                  </p:childTnLst>
-                                </p:cTn>
-                              </p:par>
-                            </p:childTnLst>
-                          </p:cTn>
-                        </p:par>
-                      </p:childTnLst>
-                    </p:cTn>
-                  </p:par>
-                </p:childTnLst>
-              </p:cTn>
-              <p:prevCondLst>
-                <p:cond evt="onPrev" delay="0">
-                  <p:tgtEl>
-                    <p:sldTgt/>
-                  </p:tgtEl>
-                </p:cond>
-              </p:prevCondLst>
-              <p:nextCondLst>
-                <p:cond evt="onNext" delay="0">
-                  <p:tgtEl>
-                    <p:sldTgt/>
-                  </p:tgtEl>
-                </p:cond>
-              </p:nextCondLst>
-            </p:seq>
-          </p:childTnLst>
-        </p:cTn>
-      </p:par>
-    </p:tnLst>
-    <p:bldLst>
-      <p:bldP spid="3" grpId="0"/>
-      <p:bldP spid="7" grpId="0"/>
-      <p:bldP spid="8" grpId="0"/>
-    </p:bldLst>
-  </p:timing>
 </p:sld>
 </file>
 
@@ -9556,8 +9258,8 @@
         </p:nvGrpSpPr>
         <p:grpSpPr>
           <a:xfrm>
-            <a:off x="159192" y="182880"/>
-            <a:ext cx="1852488" cy="854227"/>
+            <a:off x="159192" y="182882"/>
+            <a:ext cx="1852488" cy="854226"/>
             <a:chOff x="640080" y="-971550"/>
             <a:chExt cx="1660746" cy="765810"/>
           </a:xfrm>
@@ -11136,50 +10838,53 @@
           </p:txBody>
         </p:sp>
       </p:grpSp>
-      <p:sp>
-        <p:nvSpPr>
-          <p:cNvPr id="2" name="TextBox 1">
+      <p:pic>
+        <p:nvPicPr>
+          <p:cNvPr id="1026" name="Picture 2" descr="GoF의 디자인 패턴 - YES24">
             <a:extLst>
               <a:ext uri="{FF2B5EF4-FFF2-40B4-BE49-F238E27FC236}">
-                <a16:creationId xmlns:a16="http://schemas.microsoft.com/office/drawing/2014/main" id="{3B7E4E45-C6F5-4406-8DDD-5EEA7D316CED}"/>
+                <a16:creationId xmlns:a16="http://schemas.microsoft.com/office/drawing/2014/main" id="{89BF32B4-EB5F-497F-BAFB-FEEB036DC08C}"/>
               </a:ext>
             </a:extLst>
           </p:cNvPr>
-          <p:cNvSpPr txBox="1"/>
+          <p:cNvPicPr>
+            <a:picLocks noChangeAspect="1" noChangeArrowheads="1"/>
+          </p:cNvPicPr>
           <p:nvPr/>
-        </p:nvSpPr>
-        <p:spPr>
+        </p:nvPicPr>
+        <p:blipFill>
+          <a:blip r:embed="rId3">
+            <a:extLst>
+              <a:ext uri="{28A0092B-C50C-407E-A947-70E740481C1C}">
+                <a14:useLocalDpi xmlns:a14="http://schemas.microsoft.com/office/drawing/2010/main" val="0"/>
+              </a:ext>
+            </a:extLst>
+          </a:blip>
+          <a:srcRect/>
+          <a:stretch>
+            <a:fillRect/>
+          </a:stretch>
+        </p:blipFill>
+        <p:spPr bwMode="auto">
           <a:xfrm>
-            <a:off x="3123282" y="2367171"/>
-            <a:ext cx="5945436" cy="2123658"/>
+            <a:off x="3881437" y="571500"/>
+            <a:ext cx="4429125" cy="5715000"/>
           </a:xfrm>
           <a:prstGeom prst="rect">
             <a:avLst/>
           </a:prstGeom>
           <a:noFill/>
+          <a:extLst>
+            <a:ext uri="{909E8E84-426E-40DD-AFC4-6F175D3DCCD1}">
+              <a14:hiddenFill xmlns:a14="http://schemas.microsoft.com/office/drawing/2010/main">
+                <a:solidFill>
+                  <a:srgbClr val="FFFFFF"/>
+                </a:solidFill>
+              </a14:hiddenFill>
+            </a:ext>
+          </a:extLst>
         </p:spPr>
-        <p:txBody>
-          <a:bodyPr wrap="square" rtlCol="0">
-            <a:spAutoFit/>
-          </a:bodyPr>
-          <a:lstStyle/>
-          <a:p>
-            <a:pPr algn="ctr"/>
-            <a:r>
-              <a:rPr lang="en-US" altLang="ko-KR" sz="6600"/>
-              <a:t>GoF </a:t>
-            </a:r>
-          </a:p>
-          <a:p>
-            <a:pPr algn="ctr"/>
-            <a:r>
-              <a:rPr lang="en-US" altLang="ko-KR" sz="6600"/>
-              <a:t>Design Pattern</a:t>
-            </a:r>
-            <a:endParaRPr lang="ko-KR" altLang="en-US" sz="6600"/>
-          </a:p>
-        </p:txBody>
-      </p:sp>
+      </p:pic>
     </p:spTree>
     <p:extLst>
       <p:ext uri="{BB962C8B-B14F-4D97-AF65-F5344CB8AC3E}">
@@ -11464,176 +11169,6 @@
   <p:clrMapOvr>
     <a:masterClrMapping/>
   </p:clrMapOvr>
-  <p:timing>
-    <p:tnLst>
-      <p:par>
-        <p:cTn id="1" dur="indefinite" restart="never" nodeType="tmRoot">
-          <p:childTnLst>
-            <p:seq concurrent="1" nextAc="seek">
-              <p:cTn id="2" dur="indefinite" nodeType="mainSeq">
-                <p:childTnLst>
-                  <p:par>
-                    <p:cTn id="3" fill="hold">
-                      <p:stCondLst>
-                        <p:cond delay="indefinite"/>
-                      </p:stCondLst>
-                      <p:childTnLst>
-                        <p:par>
-                          <p:cTn id="4" fill="hold">
-                            <p:stCondLst>
-                              <p:cond delay="0"/>
-                            </p:stCondLst>
-                            <p:childTnLst>
-                              <p:par>
-                                <p:cTn id="5" presetID="1" presetClass="entr" presetSubtype="0" fill="hold" grpId="0" nodeType="clickEffect">
-                                  <p:stCondLst>
-                                    <p:cond delay="0"/>
-                                  </p:stCondLst>
-                                  <p:childTnLst>
-                                    <p:set>
-                                      <p:cBhvr>
-                                        <p:cTn id="6" dur="1" fill="hold">
-                                          <p:stCondLst>
-                                            <p:cond delay="0"/>
-                                          </p:stCondLst>
-                                        </p:cTn>
-                                        <p:tgtEl>
-                                          <p:spTgt spid="3"/>
-                                        </p:tgtEl>
-                                        <p:attrNameLst>
-                                          <p:attrName>style.visibility</p:attrName>
-                                        </p:attrNameLst>
-                                      </p:cBhvr>
-                                      <p:to>
-                                        <p:strVal val="visible"/>
-                                      </p:to>
-                                    </p:set>
-                                  </p:childTnLst>
-                                </p:cTn>
-                              </p:par>
-                            </p:childTnLst>
-                          </p:cTn>
-                        </p:par>
-                      </p:childTnLst>
-                    </p:cTn>
-                  </p:par>
-                  <p:par>
-                    <p:cTn id="7" fill="hold">
-                      <p:stCondLst>
-                        <p:cond delay="indefinite"/>
-                      </p:stCondLst>
-                      <p:childTnLst>
-                        <p:par>
-                          <p:cTn id="8" fill="hold">
-                            <p:stCondLst>
-                              <p:cond delay="0"/>
-                            </p:stCondLst>
-                            <p:childTnLst>
-                              <p:par>
-                                <p:cTn id="9" presetID="1" presetClass="entr" presetSubtype="0" fill="hold" grpId="0" nodeType="clickEffect">
-                                  <p:stCondLst>
-                                    <p:cond delay="0"/>
-                                  </p:stCondLst>
-                                  <p:childTnLst>
-                                    <p:set>
-                                      <p:cBhvr>
-                                        <p:cTn id="10" dur="1" fill="hold">
-                                          <p:stCondLst>
-                                            <p:cond delay="0"/>
-                                          </p:stCondLst>
-                                        </p:cTn>
-                                        <p:tgtEl>
-                                          <p:spTgt spid="7"/>
-                                        </p:tgtEl>
-                                        <p:attrNameLst>
-                                          <p:attrName>style.visibility</p:attrName>
-                                        </p:attrNameLst>
-                                      </p:cBhvr>
-                                      <p:to>
-                                        <p:strVal val="visible"/>
-                                      </p:to>
-                                    </p:set>
-                                  </p:childTnLst>
-                                </p:cTn>
-                              </p:par>
-                            </p:childTnLst>
-                          </p:cTn>
-                        </p:par>
-                      </p:childTnLst>
-                    </p:cTn>
-                  </p:par>
-                  <p:par>
-                    <p:cTn id="11" fill="hold">
-                      <p:stCondLst>
-                        <p:cond delay="indefinite"/>
-                      </p:stCondLst>
-                      <p:childTnLst>
-                        <p:par>
-                          <p:cTn id="12" fill="hold">
-                            <p:stCondLst>
-                              <p:cond delay="0"/>
-                            </p:stCondLst>
-                            <p:childTnLst>
-                              <p:par>
-                                <p:cTn id="13" presetID="1" presetClass="entr" presetSubtype="0" fill="hold" grpId="0" nodeType="clickEffect">
-                                  <p:stCondLst>
-                                    <p:cond delay="0"/>
-                                  </p:stCondLst>
-                                  <p:childTnLst>
-                                    <p:set>
-                                      <p:cBhvr>
-                                        <p:cTn id="14" dur="1" fill="hold">
-                                          <p:stCondLst>
-                                            <p:cond delay="0"/>
-                                          </p:stCondLst>
-                                        </p:cTn>
-                                        <p:tgtEl>
-                                          <p:spTgt spid="8"/>
-                                        </p:tgtEl>
-                                        <p:attrNameLst>
-                                          <p:attrName>style.visibility</p:attrName>
-                                        </p:attrNameLst>
-                                      </p:cBhvr>
-                                      <p:to>
-                                        <p:strVal val="visible"/>
-                                      </p:to>
-                                    </p:set>
-                                  </p:childTnLst>
-                                </p:cTn>
-                              </p:par>
-                            </p:childTnLst>
-                          </p:cTn>
-                        </p:par>
-                      </p:childTnLst>
-                    </p:cTn>
-                  </p:par>
-                </p:childTnLst>
-              </p:cTn>
-              <p:prevCondLst>
-                <p:cond evt="onPrev" delay="0">
-                  <p:tgtEl>
-                    <p:sldTgt/>
-                  </p:tgtEl>
-                </p:cond>
-              </p:prevCondLst>
-              <p:nextCondLst>
-                <p:cond evt="onNext" delay="0">
-                  <p:tgtEl>
-                    <p:sldTgt/>
-                  </p:tgtEl>
-                </p:cond>
-              </p:nextCondLst>
-            </p:seq>
-          </p:childTnLst>
-        </p:cTn>
-      </p:par>
-    </p:tnLst>
-    <p:bldLst>
-      <p:bldP spid="3" grpId="0"/>
-      <p:bldP spid="7" grpId="0"/>
-      <p:bldP spid="8" grpId="0"/>
-    </p:bldLst>
-  </p:timing>
 </p:sld>
 </file>
 

--- a/2021_01_26/세미나3.pptx
+++ b/2021_01_26/세미나3.pptx
@@ -585,23 +585,7 @@
           <a:p>
             <a:r>
               <a:rPr lang="ko-KR" altLang="en-US"/>
-              <a:t>저번에 말씀드린 </a:t>
-            </a:r>
-            <a:r>
-              <a:rPr lang="en-US" altLang="ko-KR"/>
-              <a:t>Vue</a:t>
-            </a:r>
-            <a:r>
-              <a:rPr lang="ko-KR" altLang="en-US"/>
-              <a:t>의 특징에 대해서 알아보다보니 </a:t>
-            </a:r>
-            <a:r>
-              <a:rPr lang="en-US" altLang="ko-KR"/>
-              <a:t>Vue.js</a:t>
-            </a:r>
-            <a:r>
-              <a:rPr lang="ko-KR" altLang="en-US"/>
-              <a:t>가 어떠한 디자인 패턴이 사용된 라이브러리인지에 대해 알게 되었습니다</a:t>
+              <a:t>특징에 대해 설명드리다 보니 미쳐 말씀드리지 못한 부분이 있었습니다</a:t>
             </a:r>
             <a:r>
               <a:rPr lang="en-US" altLang="ko-KR"/>
@@ -614,7 +598,28 @@
           <a:p>
             <a:r>
               <a:rPr lang="ko-KR" altLang="en-US"/>
-              <a:t>디자인 패턴이라는 개념도 생소하여 공부해보고 웹 프레임 워크에는 어떠한 디자인 패턴들이</a:t>
+              <a:t>바로 어떠한 디자인 패턴으로 활용된 라이브러리인지 입니다</a:t>
+            </a:r>
+            <a:r>
+              <a:rPr lang="en-US" altLang="ko-KR"/>
+              <a:t>.</a:t>
+            </a:r>
+          </a:p>
+          <a:p>
+            <a:endParaRPr lang="en-US" altLang="ko-KR"/>
+          </a:p>
+          <a:p>
+            <a:r>
+              <a:rPr lang="ko-KR" altLang="en-US"/>
+              <a:t>디자인 패턴이라는 개념도 생소하여 공부해보고 웹 구현이나</a:t>
+            </a:r>
+            <a:r>
+              <a:rPr lang="en-US" altLang="ko-KR"/>
+              <a:t>,</a:t>
+            </a:r>
+            <a:r>
+              <a:rPr lang="ko-KR" altLang="en-US"/>
+              <a:t> 프레임워크에는 어떠한 디자인 패턴들이</a:t>
             </a:r>
             <a:r>
               <a:rPr lang="en-US" altLang="ko-KR"/>
@@ -622,7 +627,7 @@
             </a:r>
             <a:r>
               <a:rPr lang="ko-KR" altLang="en-US"/>
-              <a:t>자주 사용되는지 그리고 웹 구현에 있어서도 어떤 디자인 패턴이 자주 사용되는지를 공부해 보았습니다</a:t>
+              <a:t>자주 사용되는지 공부해 보았습니다</a:t>
             </a:r>
             <a:r>
               <a:rPr lang="en-US" altLang="ko-KR"/>
@@ -1210,7 +1215,7 @@
             </a:r>
             <a:r>
               <a:rPr lang="ko-KR" altLang="en-US"/>
-              <a:t>가 필요해 코드의 양이 많아진다는 단점이 존재합니다</a:t>
+              <a:t>가 필요해 코드의 양도 많아지고 코드가 길어질 수록 이 의존성은 더 강해진다는 점이 존재합니다</a:t>
             </a:r>
             <a:r>
               <a:rPr lang="en-US" altLang="ko-KR"/>
@@ -1461,11 +1466,11 @@
             </a:r>
             <a:r>
               <a:rPr lang="en-US" altLang="ko-KR"/>
-              <a:t>Model </a:t>
-            </a:r>
-            <a:r>
-              <a:rPr lang="ko-KR" altLang="en-US"/>
-              <a:t>이 아닌 특정 </a:t>
+              <a:t>Model</a:t>
+            </a:r>
+            <a:r>
+              <a:rPr lang="ko-KR" altLang="en-US"/>
+              <a:t>과 살짝 다르게 </a:t>
             </a:r>
             <a:r>
               <a:rPr lang="en-US" altLang="ko-KR"/>
@@ -1622,27 +1627,135 @@
           <a:p>
             <a:r>
               <a:rPr lang="en-US" altLang="ko-KR"/>
+              <a:t>Command </a:t>
+            </a:r>
+            <a:r>
+              <a:rPr lang="ko-KR" altLang="en-US"/>
+              <a:t>패턴이란 아까 설명드린 </a:t>
+            </a:r>
+            <a:r>
+              <a:rPr lang="en-US" altLang="ko-KR"/>
+              <a:t>GoF</a:t>
+            </a:r>
+            <a:r>
+              <a:rPr lang="ko-KR" altLang="en-US"/>
+              <a:t>디자인 패턴의 행위 패턴 중 하나로 실행될 기능이나 요청을 캡슐화하여 재사용이 가능하도록 하는 패턴입니다</a:t>
+            </a:r>
+            <a:r>
+              <a:rPr lang="en-US" altLang="ko-KR"/>
+              <a:t>.</a:t>
+            </a:r>
+          </a:p>
+          <a:p>
+            <a:endParaRPr lang="en-US" altLang="ko-KR"/>
+          </a:p>
+          <a:p>
+            <a:r>
+              <a:rPr lang="ko-KR" altLang="en-US"/>
+              <a:t>그 후</a:t>
+            </a:r>
+            <a:r>
+              <a:rPr lang="en-US" altLang="ko-KR"/>
+              <a:t>, View Model</a:t>
+            </a:r>
+            <a:r>
+              <a:rPr lang="ko-KR" altLang="en-US"/>
+              <a:t>은 </a:t>
+            </a:r>
+            <a:r>
+              <a:rPr lang="en-US" altLang="ko-KR"/>
+              <a:t>Model</a:t>
+            </a:r>
+            <a:r>
+              <a:rPr lang="ko-KR" altLang="en-US"/>
+              <a:t>에게 데이터를 요청하고 </a:t>
+            </a:r>
+            <a:r>
+              <a:rPr lang="en-US" altLang="ko-KR"/>
+              <a:t>Model</a:t>
+            </a:r>
+            <a:r>
+              <a:rPr lang="ko-KR" altLang="en-US"/>
+              <a:t>은 </a:t>
+            </a:r>
+            <a:r>
+              <a:rPr lang="en-US" altLang="ko-KR"/>
               <a:t>View Model</a:t>
             </a:r>
             <a:r>
               <a:rPr lang="ko-KR" altLang="en-US"/>
-              <a:t>은 </a:t>
-            </a:r>
-            <a:r>
-              <a:rPr lang="en-US" altLang="ko-KR"/>
-              <a:t>Model</a:t>
-            </a:r>
-            <a:r>
-              <a:rPr lang="ko-KR" altLang="en-US"/>
-              <a:t>에게 데이터를 요청하고 </a:t>
-            </a:r>
-            <a:r>
-              <a:rPr lang="en-US" altLang="ko-KR"/>
-              <a:t>Model</a:t>
-            </a:r>
-            <a:r>
-              <a:rPr lang="ko-KR" altLang="en-US"/>
-              <a:t>은 </a:t>
+              <a:t>에게 요청받은 데이터를 응답합니다</a:t>
+            </a:r>
+            <a:r>
+              <a:rPr lang="en-US" altLang="ko-KR"/>
+              <a:t>. </a:t>
+            </a:r>
+          </a:p>
+          <a:p>
+            <a:endParaRPr lang="en-US" altLang="ko-KR"/>
+          </a:p>
+          <a:p>
+            <a:r>
+              <a:rPr lang="ko-KR" altLang="en-US"/>
+              <a:t>아까와 비슷하다고 보시면 됩니다</a:t>
+            </a:r>
+            <a:r>
+              <a:rPr lang="en-US" altLang="ko-KR"/>
+              <a:t>.</a:t>
+            </a:r>
+          </a:p>
+          <a:p>
+            <a:endParaRPr lang="en-US" altLang="ko-KR"/>
+          </a:p>
+          <a:p>
+            <a:r>
+              <a:rPr lang="ko-KR" altLang="en-US"/>
+              <a:t>이 후 </a:t>
+            </a:r>
+            <a:r>
+              <a:rPr lang="en-US" altLang="ko-KR"/>
+              <a:t>View Model </a:t>
+            </a:r>
+            <a:r>
+              <a:rPr lang="ko-KR" altLang="en-US"/>
+              <a:t>이 응답받은 데이터를 가공하여 저장하기만 하면 </a:t>
+            </a:r>
+            <a:r>
+              <a:rPr lang="en-US" altLang="ko-KR"/>
+              <a:t>View</a:t>
+            </a:r>
+            <a:r>
+              <a:rPr lang="ko-KR" altLang="en-US"/>
+              <a:t>는 </a:t>
+            </a:r>
+            <a:r>
+              <a:rPr lang="en-US" altLang="ko-KR"/>
+              <a:t>Data Binding</a:t>
+            </a:r>
+            <a:r>
+              <a:rPr lang="ko-KR" altLang="en-US"/>
+              <a:t>으로 인해 자동으로 업데이트 됩니다</a:t>
+            </a:r>
+            <a:r>
+              <a:rPr lang="en-US" altLang="ko-KR"/>
+              <a:t>.</a:t>
+            </a:r>
+          </a:p>
+          <a:p>
+            <a:endParaRPr lang="en-US" altLang="ko-KR"/>
+          </a:p>
+          <a:p>
+            <a:r>
+              <a:rPr lang="ko-KR" altLang="en-US"/>
+              <a:t>그림에서 보시는 것과 같이 각 </a:t>
+            </a:r>
+            <a:r>
+              <a:rPr lang="en-US" altLang="ko-KR"/>
+              <a:t>View</a:t>
+            </a:r>
+            <a:r>
+              <a:rPr lang="ko-KR" altLang="en-US"/>
+              <a:t>들은 그에 맞는 </a:t>
             </a:r>
             <a:r>
               <a:rPr lang="en-US" altLang="ko-KR"/>
@@ -1650,72 +1763,6 @@
             </a:r>
             <a:r>
               <a:rPr lang="ko-KR" altLang="en-US"/>
-              <a:t>에게 요청받은 데이터를 응답합니다</a:t>
-            </a:r>
-            <a:r>
-              <a:rPr lang="en-US" altLang="ko-KR"/>
-              <a:t>.</a:t>
-            </a:r>
-          </a:p>
-          <a:p>
-            <a:endParaRPr lang="en-US" altLang="ko-KR"/>
-          </a:p>
-          <a:p>
-            <a:r>
-              <a:rPr lang="ko-KR" altLang="en-US"/>
-              <a:t>이 후 </a:t>
-            </a:r>
-            <a:r>
-              <a:rPr lang="en-US" altLang="ko-KR"/>
-              <a:t>View Model </a:t>
-            </a:r>
-            <a:r>
-              <a:rPr lang="ko-KR" altLang="en-US"/>
-              <a:t>이 응답받은 데이터를 가공하여 저장하기만 하면 </a:t>
-            </a:r>
-            <a:r>
-              <a:rPr lang="en-US" altLang="ko-KR"/>
-              <a:t>View</a:t>
-            </a:r>
-            <a:r>
-              <a:rPr lang="ko-KR" altLang="en-US"/>
-              <a:t>는 </a:t>
-            </a:r>
-            <a:r>
-              <a:rPr lang="en-US" altLang="ko-KR"/>
-              <a:t>Data Binding</a:t>
-            </a:r>
-            <a:r>
-              <a:rPr lang="ko-KR" altLang="en-US"/>
-              <a:t>으로 인해 자동으로 업데이트 됩니다</a:t>
-            </a:r>
-            <a:r>
-              <a:rPr lang="en-US" altLang="ko-KR"/>
-              <a:t>.</a:t>
-            </a:r>
-          </a:p>
-          <a:p>
-            <a:endParaRPr lang="en-US" altLang="ko-KR"/>
-          </a:p>
-          <a:p>
-            <a:r>
-              <a:rPr lang="ko-KR" altLang="en-US"/>
-              <a:t>그림에서 보시는 것과 같이 각 </a:t>
-            </a:r>
-            <a:r>
-              <a:rPr lang="en-US" altLang="ko-KR"/>
-              <a:t>View</a:t>
-            </a:r>
-            <a:r>
-              <a:rPr lang="ko-KR" altLang="en-US"/>
-              <a:t>는 그에 맞는 </a:t>
-            </a:r>
-            <a:r>
-              <a:rPr lang="en-US" altLang="ko-KR"/>
-              <a:t>View Model</a:t>
-            </a:r>
-            <a:r>
-              <a:rPr lang="ko-KR" altLang="en-US"/>
               <a:t>을 가지고 있고</a:t>
             </a:r>
             <a:r>
@@ -1724,7 +1771,15 @@
             </a:r>
             <a:r>
               <a:rPr lang="ko-KR" altLang="en-US"/>
-              <a:t>데이터바인딩과 커맨드 패턴이 잘 활용되어 모든 의존성이 해결된 것을 볼 수 있습니다</a:t>
+              <a:t>데이터바인딩과 </a:t>
+            </a:r>
+            <a:r>
+              <a:rPr lang="en-US" altLang="ko-KR"/>
+              <a:t>Command</a:t>
+            </a:r>
+            <a:r>
+              <a:rPr lang="ko-KR" altLang="en-US"/>
+              <a:t> 패턴이 잘 활용되어 모든 의존성이 해결된 것을 볼 수 있습니다</a:t>
             </a:r>
             <a:r>
               <a:rPr lang="en-US" altLang="ko-KR"/>
@@ -2498,7 +2553,7 @@
           <a:p>
             <a:r>
               <a:rPr lang="ko-KR" altLang="en-US"/>
-              <a:t>이러한 공통된 문제들을 해결할 수 있는 훌륭한 해결책을 패턴이라고 합니다</a:t>
+              <a:t>이러한 공통된 문제들을 해결할 수 있는 훌륭한 해결책을 우리는 패턴이라고 부릅니다</a:t>
             </a:r>
             <a:r>
               <a:rPr lang="en-US" altLang="ko-KR"/>
@@ -2702,19 +2757,6 @@
               <a:t>.</a:t>
             </a:r>
           </a:p>
-          <a:p>
-            <a:endParaRPr lang="en-US" altLang="ko-KR"/>
-          </a:p>
-          <a:p>
-            <a:r>
-              <a:rPr lang="ko-KR" altLang="en-US"/>
-              <a:t>따라서 이러한 디자인 패턴들을 알아두면 앞으로 개발자로서 무조건 도움이 될 거라고 보입니다</a:t>
-            </a:r>
-            <a:r>
-              <a:rPr lang="en-US" altLang="ko-KR"/>
-              <a:t>.</a:t>
-            </a:r>
-          </a:p>
         </p:txBody>
       </p:sp>
       <p:sp>
@@ -2952,6 +2994,42 @@
               <a:t>.</a:t>
             </a:r>
           </a:p>
+          <a:p>
+            <a:endParaRPr lang="en-US" altLang="ko-KR"/>
+          </a:p>
+          <a:p>
+            <a:r>
+              <a:rPr lang="ko-KR" altLang="en-US"/>
+              <a:t>여기서 의존성이라고 하는 것은 코드에서 모듈간의 연결정도를 말합니다</a:t>
+            </a:r>
+            <a:r>
+              <a:rPr lang="en-US" altLang="ko-KR"/>
+              <a:t>.</a:t>
+            </a:r>
+          </a:p>
+          <a:p>
+            <a:endParaRPr lang="en-US" altLang="ko-KR"/>
+          </a:p>
+          <a:p>
+            <a:r>
+              <a:rPr lang="ko-KR" altLang="en-US"/>
+              <a:t>이 의존성이 강하다면 하나의 모듈이 바뀌거나 문제가 생기면 다른 모듈에도 악영향이 끼치게 되는 문제점이 발생하고</a:t>
+            </a:r>
+            <a:endParaRPr lang="en-US" altLang="ko-KR"/>
+          </a:p>
+          <a:p>
+            <a:endParaRPr lang="en-US" altLang="ko-KR"/>
+          </a:p>
+          <a:p>
+            <a:r>
+              <a:rPr lang="ko-KR" altLang="en-US"/>
+              <a:t>따라서 유지보수등이 힘들게 됩니다</a:t>
+            </a:r>
+            <a:r>
+              <a:rPr lang="en-US" altLang="ko-KR"/>
+              <a:t>.</a:t>
+            </a:r>
+          </a:p>
         </p:txBody>
       </p:sp>
       <p:sp>
@@ -3594,7 +3672,15 @@
             </a:r>
             <a:r>
               <a:rPr lang="ko-KR" altLang="en-US"/>
-              <a:t>직접 업데이트하지는 않습니다</a:t>
+              <a:t>직접 </a:t>
+            </a:r>
+            <a:r>
+              <a:rPr lang="en-US" altLang="ko-KR"/>
+              <a:t>View</a:t>
+            </a:r>
+            <a:r>
+              <a:rPr lang="ko-KR" altLang="en-US"/>
+              <a:t>를 업데이트 하지는 않습니다</a:t>
             </a:r>
             <a:r>
               <a:rPr lang="en-US" altLang="ko-KR"/>
@@ -3702,7 +3788,7 @@
           <a:p>
             <a:r>
               <a:rPr lang="ko-KR" altLang="en-US"/>
-              <a:t>이를 간단한 웹 예시로 들어보면</a:t>
+              <a:t>이러한 동작을 간단한 웹 예시로 들어보면</a:t>
             </a:r>
             <a:endParaRPr lang="en-US" altLang="ko-KR"/>
           </a:p>
@@ -3770,7 +3856,7 @@
           <a:p>
             <a:r>
               <a:rPr lang="ko-KR" altLang="en-US"/>
-              <a:t>선택된 화면은 세 가지 방법으로 업데이트가 되어 사용자눈에 보여지게 됩니다</a:t>
+              <a:t>선택된 화면은 세 가지 방법으로 업데이트가 되어 사용자의 눈에 보여지게 됩니다</a:t>
             </a:r>
             <a:r>
               <a:rPr lang="en-US" altLang="ko-KR"/>
@@ -3833,7 +3919,7 @@
           <a:p>
             <a:r>
               <a:rPr lang="ko-KR" altLang="en-US"/>
-              <a:t>의존성은 어플리케이션이 커질수록 복잡해지고 유지보수가 어렵게 됩니다</a:t>
+              <a:t>이는 어플리케이션이 커질수록 복잡해지고 유지보수가 어렵게 됩니다</a:t>
             </a:r>
             <a:r>
               <a:rPr lang="en-US" altLang="ko-KR"/>

--- a/2021_01_26/세미나3.pptx
+++ b/2021_01_26/세미나3.pptx
@@ -597,8 +597,12 @@
           </a:p>
           <a:p>
             <a:r>
-              <a:rPr lang="ko-KR" altLang="en-US"/>
-              <a:t>바로 어떠한 디자인 패턴으로 활용된 라이브러리인지 입니다</a:t>
+              <a:rPr lang="en-US" altLang="ko-KR"/>
+              <a:t>Vue.js</a:t>
+            </a:r>
+            <a:r>
+              <a:rPr lang="ko-KR" altLang="en-US"/>
+              <a:t>가 어떠한 디자인 패턴으로 활용된 라이브러리인지 입니다</a:t>
             </a:r>
             <a:r>
               <a:rPr lang="en-US" altLang="ko-KR"/>
@@ -1747,30 +1751,6 @@
           <a:p>
             <a:r>
               <a:rPr lang="ko-KR" altLang="en-US"/>
-              <a:t>그림에서 보시는 것과 같이 각 </a:t>
-            </a:r>
-            <a:r>
-              <a:rPr lang="en-US" altLang="ko-KR"/>
-              <a:t>View</a:t>
-            </a:r>
-            <a:r>
-              <a:rPr lang="ko-KR" altLang="en-US"/>
-              <a:t>들은 그에 맞는 </a:t>
-            </a:r>
-            <a:r>
-              <a:rPr lang="en-US" altLang="ko-KR"/>
-              <a:t>View Model</a:t>
-            </a:r>
-            <a:r>
-              <a:rPr lang="ko-KR" altLang="en-US"/>
-              <a:t>을 가지고 있고</a:t>
-            </a:r>
-            <a:r>
-              <a:rPr lang="en-US" altLang="ko-KR"/>
-              <a:t>, </a:t>
-            </a:r>
-            <a:r>
-              <a:rPr lang="ko-KR" altLang="en-US"/>
               <a:t>데이터바인딩과 </a:t>
             </a:r>
             <a:r>
@@ -1968,7 +1948,7 @@
             </a:r>
             <a:r>
               <a:rPr lang="en-US" altLang="ko-KR"/>
-              <a:t>VM </a:t>
+              <a:t>View Model </a:t>
             </a:r>
             <a:r>
               <a:rPr lang="ko-KR" altLang="en-US"/>
@@ -3023,7 +3003,15 @@
           <a:p>
             <a:r>
               <a:rPr lang="ko-KR" altLang="en-US"/>
-              <a:t>따라서 유지보수등이 힘들게 됩니다</a:t>
+              <a:t>따라서 유지보수등이 힘들고</a:t>
+            </a:r>
+            <a:r>
+              <a:rPr lang="en-US" altLang="ko-KR"/>
+              <a:t>, </a:t>
+            </a:r>
+            <a:r>
+              <a:rPr lang="ko-KR" altLang="en-US"/>
+              <a:t>코드의 가독성 개발 속도에 좋지 못한 영향을 끼치게 됩니다</a:t>
             </a:r>
             <a:r>
               <a:rPr lang="en-US" altLang="ko-KR"/>
